--- a/SoftwareEngineering_TARUC/Y1S3/BAIT1013 Intro To Computer Network/Lecture/Chapter 5 Ethernet.pptx
+++ b/SoftwareEngineering_TARUC/Y1S3/BAIT1013 Intro To Computer Network/Lecture/Chapter 5 Ethernet.pptx
@@ -197,6 +197,25 @@
       </a:defRPr>
     </a:lvl9pPr>
   </p:defaultTextStyle>
+  <p:extLst>
+    <p:ext uri="{EFAFB233-063F-42B5-8137-9DF3F51BA10A}">
+      <p15:sldGuideLst xmlns:p15="http://schemas.microsoft.com/office/powerpoint/2012/main">
+        <p15:guide id="1" orient="horz" pos="2160">
+          <p15:clr>
+            <a:srgbClr val="A4A3A4"/>
+          </p15:clr>
+        </p15:guide>
+        <p15:guide id="2" pos="2880">
+          <p15:clr>
+            <a:srgbClr val="A4A3A4"/>
+          </p15:clr>
+        </p15:guide>
+      </p15:sldGuideLst>
+    </p:ext>
+    <p:ext uri="{2D200454-40CA-4A62-9FC3-DE9A4176ACB9}">
+      <p15:notesGuideLst xmlns:p15="http://schemas.microsoft.com/office/powerpoint/2012/main"/>
+    </p:ext>
+  </p:extLst>
 </p:presentation>
 </file>
 
@@ -247,14 +266,14 @@
           </a:ln>
           <a:extLst>
             <a:ext uri="{909E8E84-426E-40dd-AFC4-6F175D3DCCD1}">
-              <a14:hiddenFill xmlns:a14="http://schemas.microsoft.com/office/drawing/2010/main">
+              <a14:hiddenFill xmlns:a14="http://schemas.microsoft.com/office/drawing/2010/main" xmlns="">
                 <a:solidFill>
                   <a:srgbClr val="FFFFFF"/>
                 </a:solidFill>
               </a14:hiddenFill>
             </a:ext>
             <a:ext uri="{91240B29-F687-4f45-9708-019B960494DF}">
-              <a14:hiddenLine xmlns:a14="http://schemas.microsoft.com/office/drawing/2010/main" w="9525">
+              <a14:hiddenLine xmlns:a14="http://schemas.microsoft.com/office/drawing/2010/main" xmlns="" w="9525">
                 <a:solidFill>
                   <a:srgbClr val="000000"/>
                 </a:solidFill>
@@ -295,14 +314,14 @@
           </a:ln>
           <a:extLst>
             <a:ext uri="{909E8E84-426E-40dd-AFC4-6F175D3DCCD1}">
-              <a14:hiddenFill xmlns:a14="http://schemas.microsoft.com/office/drawing/2010/main">
+              <a14:hiddenFill xmlns:a14="http://schemas.microsoft.com/office/drawing/2010/main" xmlns="">
                 <a:solidFill>
                   <a:srgbClr val="FFFFFF"/>
                 </a:solidFill>
               </a14:hiddenFill>
             </a:ext>
             <a:ext uri="{91240B29-F687-4f45-9708-019B960494DF}">
-              <a14:hiddenLine xmlns:a14="http://schemas.microsoft.com/office/drawing/2010/main" w="9525">
+              <a14:hiddenLine xmlns:a14="http://schemas.microsoft.com/office/drawing/2010/main" xmlns="" w="9525">
                 <a:solidFill>
                   <a:srgbClr val="000000"/>
                 </a:solidFill>
@@ -377,7 +396,7 @@
           </a:ln>
           <a:extLst>
             <a:ext uri="{909E8E84-426E-40dd-AFC4-6F175D3DCCD1}">
-              <a14:hiddenFill xmlns:a14="http://schemas.microsoft.com/office/drawing/2010/main">
+              <a14:hiddenFill xmlns:a14="http://schemas.microsoft.com/office/drawing/2010/main" xmlns="">
                 <a:noFill/>
               </a14:hiddenFill>
             </a:ext>
@@ -413,14 +432,14 @@
           </a:ln>
           <a:extLst>
             <a:ext uri="{909E8E84-426E-40dd-AFC4-6F175D3DCCD1}">
-              <a14:hiddenFill xmlns:a14="http://schemas.microsoft.com/office/drawing/2010/main">
+              <a14:hiddenFill xmlns:a14="http://schemas.microsoft.com/office/drawing/2010/main" xmlns="">
                 <a:solidFill>
                   <a:srgbClr val="FFFFFF"/>
                 </a:solidFill>
               </a14:hiddenFill>
             </a:ext>
             <a:ext uri="{91240B29-F687-4f45-9708-019B960494DF}">
-              <a14:hiddenLine xmlns:a14="http://schemas.microsoft.com/office/drawing/2010/main" w="9525">
+              <a14:hiddenLine xmlns:a14="http://schemas.microsoft.com/office/drawing/2010/main" xmlns="" w="9525">
                 <a:solidFill>
                   <a:srgbClr val="000000"/>
                 </a:solidFill>
@@ -511,14 +530,14 @@
           </a:ln>
           <a:extLst>
             <a:ext uri="{909E8E84-426E-40dd-AFC4-6F175D3DCCD1}">
-              <a14:hiddenFill xmlns:a14="http://schemas.microsoft.com/office/drawing/2010/main">
+              <a14:hiddenFill xmlns:a14="http://schemas.microsoft.com/office/drawing/2010/main" xmlns="">
                 <a:solidFill>
                   <a:srgbClr val="FFFFFF"/>
                 </a:solidFill>
               </a14:hiddenFill>
             </a:ext>
             <a:ext uri="{91240B29-F687-4f45-9708-019B960494DF}">
-              <a14:hiddenLine xmlns:a14="http://schemas.microsoft.com/office/drawing/2010/main" w="9525">
+              <a14:hiddenLine xmlns:a14="http://schemas.microsoft.com/office/drawing/2010/main" xmlns="" w="9525">
                 <a:solidFill>
                   <a:srgbClr val="000000"/>
                 </a:solidFill>
@@ -559,14 +578,14 @@
           </a:ln>
           <a:extLst>
             <a:ext uri="{909E8E84-426E-40dd-AFC4-6F175D3DCCD1}">
-              <a14:hiddenFill xmlns:a14="http://schemas.microsoft.com/office/drawing/2010/main">
+              <a14:hiddenFill xmlns:a14="http://schemas.microsoft.com/office/drawing/2010/main" xmlns="">
                 <a:solidFill>
                   <a:srgbClr val="FFFFFF"/>
                 </a:solidFill>
               </a14:hiddenFill>
             </a:ext>
             <a:ext uri="{91240B29-F687-4f45-9708-019B960494DF}">
-              <a14:hiddenLine xmlns:a14="http://schemas.microsoft.com/office/drawing/2010/main" w="9525">
+              <a14:hiddenLine xmlns:a14="http://schemas.microsoft.com/office/drawing/2010/main" xmlns="" w="9525">
                 <a:solidFill>
                   <a:srgbClr val="000000"/>
                 </a:solidFill>
@@ -641,7 +660,7 @@
           </a:ln>
           <a:extLst>
             <a:ext uri="{909E8E84-426E-40dd-AFC4-6F175D3DCCD1}">
-              <a14:hiddenFill xmlns:a14="http://schemas.microsoft.com/office/drawing/2010/main">
+              <a14:hiddenFill xmlns:a14="http://schemas.microsoft.com/office/drawing/2010/main" xmlns="">
                 <a:noFill/>
               </a14:hiddenFill>
             </a:ext>
@@ -742,14 +761,14 @@
           </a:ln>
           <a:extLst>
             <a:ext uri="{909E8E84-426E-40dd-AFC4-6F175D3DCCD1}">
-              <a14:hiddenFill xmlns:a14="http://schemas.microsoft.com/office/drawing/2010/main">
+              <a14:hiddenFill xmlns:a14="http://schemas.microsoft.com/office/drawing/2010/main" xmlns="">
                 <a:solidFill>
                   <a:srgbClr val="FFFFFF"/>
                 </a:solidFill>
               </a14:hiddenFill>
             </a:ext>
             <a:ext uri="{FAA26D3D-D897-4be2-8F04-BA451C77F1D7}">
-              <ma14:placeholderFlag xmlns:ma14="http://schemas.microsoft.com/office/mac/drawingml/2011/main" val="1"/>
+              <ma14:placeholderFlag xmlns:ma14="http://schemas.microsoft.com/office/mac/drawingml/2011/main" xmlns="" val="1"/>
             </a:ext>
           </a:extLst>
         </p:spPr>
@@ -791,35 +810,35 @@
           <a:p>
             <a:pPr lvl="0"/>
             <a:r>
-              <a:rPr lang="en-US" noProof="0" smtClean="0"/>
+              <a:rPr lang="en-US" noProof="0"/>
               <a:t>Body Text</a:t>
             </a:r>
           </a:p>
           <a:p>
             <a:pPr lvl="1"/>
             <a:r>
-              <a:rPr lang="en-US" noProof="0" smtClean="0"/>
+              <a:rPr lang="en-US" noProof="0"/>
               <a:t>Second Level</a:t>
             </a:r>
           </a:p>
           <a:p>
             <a:pPr lvl="2"/>
             <a:r>
-              <a:rPr lang="en-US" noProof="0" smtClean="0"/>
+              <a:rPr lang="en-US" noProof="0"/>
               <a:t>Third Level</a:t>
             </a:r>
           </a:p>
           <a:p>
             <a:pPr lvl="3"/>
             <a:r>
-              <a:rPr lang="en-US" noProof="0" smtClean="0"/>
+              <a:rPr lang="en-US" noProof="0"/>
               <a:t>Fourth Level</a:t>
             </a:r>
           </a:p>
           <a:p>
             <a:pPr lvl="4"/>
             <a:r>
-              <a:rPr lang="en-US" noProof="0" smtClean="0"/>
+              <a:rPr lang="en-US" noProof="0"/>
               <a:t>Fifth Level</a:t>
             </a:r>
           </a:p>
@@ -1015,14 +1034,14 @@
           <a:ln/>
           <a:extLst>
             <a:ext uri="{909E8E84-426E-40dd-AFC4-6F175D3DCCD1}">
-              <a14:hiddenFill xmlns:a14="http://schemas.microsoft.com/office/drawing/2010/main">
+              <a14:hiddenFill xmlns:a14="http://schemas.microsoft.com/office/drawing/2010/main" xmlns="">
                 <a:solidFill>
                   <a:srgbClr val="FFFFFF"/>
                 </a:solidFill>
               </a14:hiddenFill>
             </a:ext>
             <a:ext uri="{91240B29-F687-4f45-9708-019B960494DF}">
-              <a14:hiddenLine xmlns:a14="http://schemas.microsoft.com/office/drawing/2010/main" w="9525">
+              <a14:hiddenLine xmlns:a14="http://schemas.microsoft.com/office/drawing/2010/main" xmlns="" w="9525">
                 <a:solidFill>
                   <a:srgbClr val="000000"/>
                 </a:solidFill>
@@ -1198,14 +1217,14 @@
           <a:ln/>
           <a:extLst>
             <a:ext uri="{909E8E84-426E-40dd-AFC4-6F175D3DCCD1}">
-              <a14:hiddenFill xmlns:a14="http://schemas.microsoft.com/office/drawing/2010/main">
+              <a14:hiddenFill xmlns:a14="http://schemas.microsoft.com/office/drawing/2010/main" xmlns="">
                 <a:solidFill>
                   <a:srgbClr val="FFFFFF"/>
                 </a:solidFill>
               </a14:hiddenFill>
             </a:ext>
             <a:ext uri="{91240B29-F687-4f45-9708-019B960494DF}">
-              <a14:hiddenLine xmlns:a14="http://schemas.microsoft.com/office/drawing/2010/main" w="9525">
+              <a14:hiddenLine xmlns:a14="http://schemas.microsoft.com/office/drawing/2010/main" xmlns="" w="9525">
                 <a:solidFill>
                   <a:srgbClr val="000000"/>
                 </a:solidFill>
@@ -1235,15 +1254,15 @@
               <a:buNone/>
             </a:pPr>
             <a:r>
-              <a:rPr lang="en-US" b="1" dirty="0" smtClean="0"/>
+              <a:rPr lang="en-US" b="1" dirty="0"/>
               <a:t>Introduction</a:t>
             </a:r>
             <a:r>
-              <a:rPr lang="en-US" b="1" baseline="0" dirty="0" smtClean="0"/>
+              <a:rPr lang="en-US" b="1" baseline="0" dirty="0"/>
               <a:t> </a:t>
             </a:r>
             <a:r>
-              <a:rPr lang="en-US" b="1" baseline="0" smtClean="0"/>
+              <a:rPr lang="en-US" b="1" baseline="0"/>
               <a:t>to Networks</a:t>
             </a:r>
             <a:endParaRPr lang="en-US" b="1" dirty="0"/>
@@ -1255,11 +1274,7 @@
             </a:pPr>
             <a:r>
               <a:rPr lang="en-US" sz="1300" b="1" dirty="0"/>
-              <a:t>Chapter </a:t>
-            </a:r>
-            <a:r>
-              <a:rPr lang="en-US" sz="1300" b="1" dirty="0" smtClean="0"/>
-              <a:t>5: Ethernet</a:t>
+              <a:t>Chapter 5: Ethernet</a:t>
             </a:r>
             <a:endParaRPr lang="en-GB" b="1" dirty="0"/>
           </a:p>
@@ -1305,14 +1320,14 @@
           <a:ln/>
           <a:extLst>
             <a:ext uri="{909E8E84-426E-40dd-AFC4-6F175D3DCCD1}">
-              <a14:hiddenFill xmlns:a14="http://schemas.microsoft.com/office/drawing/2010/main">
+              <a14:hiddenFill xmlns:a14="http://schemas.microsoft.com/office/drawing/2010/main" xmlns="">
                 <a:solidFill>
                   <a:srgbClr val="FFFFFF"/>
                 </a:solidFill>
               </a14:hiddenFill>
             </a:ext>
             <a:ext uri="{91240B29-F687-4f45-9708-019B960494DF}">
-              <a14:hiddenLine xmlns:a14="http://schemas.microsoft.com/office/drawing/2010/main" w="9525">
+              <a14:hiddenLine xmlns:a14="http://schemas.microsoft.com/office/drawing/2010/main" xmlns="" w="9525">
                 <a:solidFill>
                   <a:srgbClr val="000000"/>
                 </a:solidFill>
@@ -1484,14 +1499,14 @@
           <a:ln/>
           <a:extLst>
             <a:ext uri="{909E8E84-426E-40dd-AFC4-6F175D3DCCD1}">
-              <a14:hiddenFill xmlns:a14="http://schemas.microsoft.com/office/drawing/2010/main">
+              <a14:hiddenFill xmlns:a14="http://schemas.microsoft.com/office/drawing/2010/main" xmlns="">
                 <a:solidFill>
                   <a:srgbClr val="FFFFFF"/>
                 </a:solidFill>
               </a14:hiddenFill>
             </a:ext>
             <a:ext uri="{91240B29-F687-4f45-9708-019B960494DF}">
-              <a14:hiddenLine xmlns:a14="http://schemas.microsoft.com/office/drawing/2010/main" w="9525">
+              <a14:hiddenLine xmlns:a14="http://schemas.microsoft.com/office/drawing/2010/main" xmlns="" w="9525">
                 <a:solidFill>
                   <a:srgbClr val="000000"/>
                 </a:solidFill>
@@ -1515,13 +1530,8 @@
             </a:pPr>
             <a:r>
               <a:rPr lang="en-US" dirty="0"/>
-              <a:t>Section </a:t>
-            </a:r>
-            <a:r>
-              <a:rPr lang="en-US" dirty="0" smtClean="0"/>
-              <a:t>5.1.1.3</a:t>
-            </a:r>
-            <a:endParaRPr lang="en-US" dirty="0"/>
+              <a:t>Section 5.1.1.3</a:t>
+            </a:r>
           </a:p>
         </p:txBody>
       </p:sp>
@@ -1565,14 +1575,14 @@
           <a:ln/>
           <a:extLst>
             <a:ext uri="{909E8E84-426E-40dd-AFC4-6F175D3DCCD1}">
-              <a14:hiddenFill xmlns:a14="http://schemas.microsoft.com/office/drawing/2010/main">
+              <a14:hiddenFill xmlns:a14="http://schemas.microsoft.com/office/drawing/2010/main" xmlns="">
                 <a:solidFill>
                   <a:srgbClr val="FFFFFF"/>
                 </a:solidFill>
               </a14:hiddenFill>
             </a:ext>
             <a:ext uri="{91240B29-F687-4f45-9708-019B960494DF}">
-              <a14:hiddenLine xmlns:a14="http://schemas.microsoft.com/office/drawing/2010/main" w="9525">
+              <a14:hiddenLine xmlns:a14="http://schemas.microsoft.com/office/drawing/2010/main" xmlns="" w="9525">
                 <a:solidFill>
                   <a:srgbClr val="000000"/>
                 </a:solidFill>
@@ -1744,14 +1754,14 @@
           <a:ln/>
           <a:extLst>
             <a:ext uri="{909E8E84-426E-40dd-AFC4-6F175D3DCCD1}">
-              <a14:hiddenFill xmlns:a14="http://schemas.microsoft.com/office/drawing/2010/main">
+              <a14:hiddenFill xmlns:a14="http://schemas.microsoft.com/office/drawing/2010/main" xmlns="">
                 <a:solidFill>
                   <a:srgbClr val="FFFFFF"/>
                 </a:solidFill>
               </a14:hiddenFill>
             </a:ext>
             <a:ext uri="{91240B29-F687-4f45-9708-019B960494DF}">
-              <a14:hiddenLine xmlns:a14="http://schemas.microsoft.com/office/drawing/2010/main" w="9525">
+              <a14:hiddenLine xmlns:a14="http://schemas.microsoft.com/office/drawing/2010/main" xmlns="" w="9525">
                 <a:solidFill>
                   <a:srgbClr val="000000"/>
                 </a:solidFill>
@@ -1775,13 +1785,8 @@
             </a:pPr>
             <a:r>
               <a:rPr lang="en-US" dirty="0"/>
-              <a:t>Section </a:t>
-            </a:r>
-            <a:r>
-              <a:rPr lang="en-US" dirty="0" smtClean="0"/>
-              <a:t>5.1.1.3</a:t>
-            </a:r>
-            <a:endParaRPr lang="en-US" dirty="0"/>
+              <a:t>Section 5.1.1.3</a:t>
+            </a:r>
           </a:p>
         </p:txBody>
       </p:sp>
@@ -1825,14 +1830,14 @@
           <a:ln/>
           <a:extLst>
             <a:ext uri="{909E8E84-426E-40dd-AFC4-6F175D3DCCD1}">
-              <a14:hiddenFill xmlns:a14="http://schemas.microsoft.com/office/drawing/2010/main">
+              <a14:hiddenFill xmlns:a14="http://schemas.microsoft.com/office/drawing/2010/main" xmlns="">
                 <a:solidFill>
                   <a:srgbClr val="FFFFFF"/>
                 </a:solidFill>
               </a14:hiddenFill>
             </a:ext>
             <a:ext uri="{91240B29-F687-4f45-9708-019B960494DF}">
-              <a14:hiddenLine xmlns:a14="http://schemas.microsoft.com/office/drawing/2010/main" w="9525">
+              <a14:hiddenLine xmlns:a14="http://schemas.microsoft.com/office/drawing/2010/main" xmlns="" w="9525">
                 <a:solidFill>
                   <a:srgbClr val="000000"/>
                 </a:solidFill>
@@ -2004,14 +2009,14 @@
           <a:ln/>
           <a:extLst>
             <a:ext uri="{909E8E84-426E-40dd-AFC4-6F175D3DCCD1}">
-              <a14:hiddenFill xmlns:a14="http://schemas.microsoft.com/office/drawing/2010/main">
+              <a14:hiddenFill xmlns:a14="http://schemas.microsoft.com/office/drawing/2010/main" xmlns="">
                 <a:solidFill>
                   <a:srgbClr val="FFFFFF"/>
                 </a:solidFill>
               </a14:hiddenFill>
             </a:ext>
             <a:ext uri="{91240B29-F687-4f45-9708-019B960494DF}">
-              <a14:hiddenLine xmlns:a14="http://schemas.microsoft.com/office/drawing/2010/main" w="9525">
+              <a14:hiddenLine xmlns:a14="http://schemas.microsoft.com/office/drawing/2010/main" xmlns="" w="9525">
                 <a:solidFill>
                   <a:srgbClr val="000000"/>
                 </a:solidFill>
@@ -2035,13 +2040,8 @@
             </a:pPr>
             <a:r>
               <a:rPr lang="en-US" dirty="0"/>
-              <a:t>Section </a:t>
-            </a:r>
-            <a:r>
-              <a:rPr lang="en-US" dirty="0" smtClean="0"/>
-              <a:t>5.1.2.1</a:t>
-            </a:r>
-            <a:endParaRPr lang="en-US" dirty="0"/>
+              <a:t>Section 5.1.2.1</a:t>
+            </a:r>
           </a:p>
         </p:txBody>
       </p:sp>
@@ -2085,14 +2085,14 @@
           <a:ln/>
           <a:extLst>
             <a:ext uri="{909E8E84-426E-40dd-AFC4-6F175D3DCCD1}">
-              <a14:hiddenFill xmlns:a14="http://schemas.microsoft.com/office/drawing/2010/main">
+              <a14:hiddenFill xmlns:a14="http://schemas.microsoft.com/office/drawing/2010/main" xmlns="">
                 <a:solidFill>
                   <a:srgbClr val="FFFFFF"/>
                 </a:solidFill>
               </a14:hiddenFill>
             </a:ext>
             <a:ext uri="{91240B29-F687-4f45-9708-019B960494DF}">
-              <a14:hiddenLine xmlns:a14="http://schemas.microsoft.com/office/drawing/2010/main" w="9525">
+              <a14:hiddenLine xmlns:a14="http://schemas.microsoft.com/office/drawing/2010/main" xmlns="" w="9525">
                 <a:solidFill>
                   <a:srgbClr val="000000"/>
                 </a:solidFill>
@@ -2264,14 +2264,14 @@
           <a:ln/>
           <a:extLst>
             <a:ext uri="{909E8E84-426E-40dd-AFC4-6F175D3DCCD1}">
-              <a14:hiddenFill xmlns:a14="http://schemas.microsoft.com/office/drawing/2010/main">
+              <a14:hiddenFill xmlns:a14="http://schemas.microsoft.com/office/drawing/2010/main" xmlns="">
                 <a:solidFill>
                   <a:srgbClr val="FFFFFF"/>
                 </a:solidFill>
               </a14:hiddenFill>
             </a:ext>
             <a:ext uri="{91240B29-F687-4f45-9708-019B960494DF}">
-              <a14:hiddenLine xmlns:a14="http://schemas.microsoft.com/office/drawing/2010/main" w="9525">
+              <a14:hiddenLine xmlns:a14="http://schemas.microsoft.com/office/drawing/2010/main" xmlns="" w="9525">
                 <a:solidFill>
                   <a:srgbClr val="000000"/>
                 </a:solidFill>
@@ -2295,13 +2295,8 @@
             </a:pPr>
             <a:r>
               <a:rPr lang="en-US" dirty="0"/>
-              <a:t>Section </a:t>
-            </a:r>
-            <a:r>
-              <a:rPr lang="en-US" dirty="0" smtClean="0"/>
-              <a:t>5.1.2.3</a:t>
-            </a:r>
-            <a:endParaRPr lang="en-US" dirty="0"/>
+              <a:t>Section 5.1.2.3</a:t>
+            </a:r>
           </a:p>
         </p:txBody>
       </p:sp>
@@ -2345,14 +2340,14 @@
           <a:ln/>
           <a:extLst>
             <a:ext uri="{909E8E84-426E-40dd-AFC4-6F175D3DCCD1}">
-              <a14:hiddenFill xmlns:a14="http://schemas.microsoft.com/office/drawing/2010/main">
+              <a14:hiddenFill xmlns:a14="http://schemas.microsoft.com/office/drawing/2010/main" xmlns="">
                 <a:solidFill>
                   <a:srgbClr val="FFFFFF"/>
                 </a:solidFill>
               </a14:hiddenFill>
             </a:ext>
             <a:ext uri="{91240B29-F687-4f45-9708-019B960494DF}">
-              <a14:hiddenLine xmlns:a14="http://schemas.microsoft.com/office/drawing/2010/main" w="9525">
+              <a14:hiddenLine xmlns:a14="http://schemas.microsoft.com/office/drawing/2010/main" xmlns="" w="9525">
                 <a:solidFill>
                   <a:srgbClr val="000000"/>
                 </a:solidFill>
@@ -2524,14 +2519,14 @@
           <a:ln/>
           <a:extLst>
             <a:ext uri="{909E8E84-426E-40dd-AFC4-6F175D3DCCD1}">
-              <a14:hiddenFill xmlns:a14="http://schemas.microsoft.com/office/drawing/2010/main">
+              <a14:hiddenFill xmlns:a14="http://schemas.microsoft.com/office/drawing/2010/main" xmlns="">
                 <a:solidFill>
                   <a:srgbClr val="FFFFFF"/>
                 </a:solidFill>
               </a14:hiddenFill>
             </a:ext>
             <a:ext uri="{91240B29-F687-4f45-9708-019B960494DF}">
-              <a14:hiddenLine xmlns:a14="http://schemas.microsoft.com/office/drawing/2010/main" w="9525">
+              <a14:hiddenLine xmlns:a14="http://schemas.microsoft.com/office/drawing/2010/main" xmlns="" w="9525">
                 <a:solidFill>
                   <a:srgbClr val="000000"/>
                 </a:solidFill>
@@ -2555,13 +2550,8 @@
             </a:pPr>
             <a:r>
               <a:rPr lang="en-US" dirty="0"/>
-              <a:t>Section </a:t>
-            </a:r>
-            <a:r>
-              <a:rPr lang="en-US" dirty="0" smtClean="0"/>
-              <a:t>5.1.2.2</a:t>
-            </a:r>
-            <a:endParaRPr lang="en-US" dirty="0"/>
+              <a:t>Section 5.1.2.2</a:t>
+            </a:r>
           </a:p>
         </p:txBody>
       </p:sp>
@@ -2605,14 +2595,14 @@
           <a:ln/>
           <a:extLst>
             <a:ext uri="{909E8E84-426E-40dd-AFC4-6F175D3DCCD1}">
-              <a14:hiddenFill xmlns:a14="http://schemas.microsoft.com/office/drawing/2010/main">
+              <a14:hiddenFill xmlns:a14="http://schemas.microsoft.com/office/drawing/2010/main" xmlns="">
                 <a:solidFill>
                   <a:srgbClr val="FFFFFF"/>
                 </a:solidFill>
               </a14:hiddenFill>
             </a:ext>
             <a:ext uri="{91240B29-F687-4f45-9708-019B960494DF}">
-              <a14:hiddenLine xmlns:a14="http://schemas.microsoft.com/office/drawing/2010/main" w="9525">
+              <a14:hiddenLine xmlns:a14="http://schemas.microsoft.com/office/drawing/2010/main" xmlns="" w="9525">
                 <a:solidFill>
                   <a:srgbClr val="000000"/>
                 </a:solidFill>
@@ -2784,14 +2774,14 @@
           <a:ln/>
           <a:extLst>
             <a:ext uri="{909E8E84-426E-40dd-AFC4-6F175D3DCCD1}">
-              <a14:hiddenFill xmlns:a14="http://schemas.microsoft.com/office/drawing/2010/main">
+              <a14:hiddenFill xmlns:a14="http://schemas.microsoft.com/office/drawing/2010/main" xmlns="">
                 <a:solidFill>
                   <a:srgbClr val="FFFFFF"/>
                 </a:solidFill>
               </a14:hiddenFill>
             </a:ext>
             <a:ext uri="{91240B29-F687-4f45-9708-019B960494DF}">
-              <a14:hiddenLine xmlns:a14="http://schemas.microsoft.com/office/drawing/2010/main" w="9525">
+              <a14:hiddenLine xmlns:a14="http://schemas.microsoft.com/office/drawing/2010/main" xmlns="" w="9525">
                 <a:solidFill>
                   <a:srgbClr val="000000"/>
                 </a:solidFill>
@@ -2815,13 +2805,8 @@
             </a:pPr>
             <a:r>
               <a:rPr lang="en-US" dirty="0"/>
-              <a:t>Section </a:t>
-            </a:r>
-            <a:r>
-              <a:rPr lang="en-US" dirty="0" smtClean="0"/>
-              <a:t>5.1.2.3</a:t>
-            </a:r>
-            <a:endParaRPr lang="en-US" dirty="0"/>
+              <a:t>Section 5.1.2.3</a:t>
+            </a:r>
           </a:p>
         </p:txBody>
       </p:sp>
@@ -2865,14 +2850,14 @@
           <a:ln/>
           <a:extLst>
             <a:ext uri="{909E8E84-426E-40dd-AFC4-6F175D3DCCD1}">
-              <a14:hiddenFill xmlns:a14="http://schemas.microsoft.com/office/drawing/2010/main">
+              <a14:hiddenFill xmlns:a14="http://schemas.microsoft.com/office/drawing/2010/main" xmlns="">
                 <a:solidFill>
                   <a:srgbClr val="FFFFFF"/>
                 </a:solidFill>
               </a14:hiddenFill>
             </a:ext>
             <a:ext uri="{91240B29-F687-4f45-9708-019B960494DF}">
-              <a14:hiddenLine xmlns:a14="http://schemas.microsoft.com/office/drawing/2010/main" w="9525">
+              <a14:hiddenLine xmlns:a14="http://schemas.microsoft.com/office/drawing/2010/main" xmlns="" w="9525">
                 <a:solidFill>
                   <a:srgbClr val="000000"/>
                 </a:solidFill>
@@ -3044,14 +3029,14 @@
           <a:ln/>
           <a:extLst>
             <a:ext uri="{909E8E84-426E-40dd-AFC4-6F175D3DCCD1}">
-              <a14:hiddenFill xmlns:a14="http://schemas.microsoft.com/office/drawing/2010/main">
+              <a14:hiddenFill xmlns:a14="http://schemas.microsoft.com/office/drawing/2010/main" xmlns="">
                 <a:solidFill>
                   <a:srgbClr val="FFFFFF"/>
                 </a:solidFill>
               </a14:hiddenFill>
             </a:ext>
             <a:ext uri="{91240B29-F687-4f45-9708-019B960494DF}">
-              <a14:hiddenLine xmlns:a14="http://schemas.microsoft.com/office/drawing/2010/main" w="9525">
+              <a14:hiddenLine xmlns:a14="http://schemas.microsoft.com/office/drawing/2010/main" xmlns="" w="9525">
                 <a:solidFill>
                   <a:srgbClr val="000000"/>
                 </a:solidFill>
@@ -3075,11 +3060,7 @@
             </a:pPr>
             <a:r>
               <a:rPr lang="en-US"/>
-              <a:t>Section </a:t>
-            </a:r>
-            <a:r>
-              <a:rPr lang="en-US" smtClean="0"/>
-              <a:t>5.1.1.4</a:t>
+              <a:t>Section 5.1.1.4</a:t>
             </a:r>
             <a:endParaRPr lang="en-US" dirty="0"/>
           </a:p>
@@ -3125,14 +3106,14 @@
           <a:ln/>
           <a:extLst>
             <a:ext uri="{909E8E84-426E-40dd-AFC4-6F175D3DCCD1}">
-              <a14:hiddenFill xmlns:a14="http://schemas.microsoft.com/office/drawing/2010/main">
+              <a14:hiddenFill xmlns:a14="http://schemas.microsoft.com/office/drawing/2010/main" xmlns="">
                 <a:solidFill>
                   <a:srgbClr val="FFFFFF"/>
                 </a:solidFill>
               </a14:hiddenFill>
             </a:ext>
             <a:ext uri="{91240B29-F687-4f45-9708-019B960494DF}">
-              <a14:hiddenLine xmlns:a14="http://schemas.microsoft.com/office/drawing/2010/main" w="9525">
+              <a14:hiddenLine xmlns:a14="http://schemas.microsoft.com/office/drawing/2010/main" xmlns="" w="9525">
                 <a:solidFill>
                   <a:srgbClr val="000000"/>
                 </a:solidFill>
@@ -3304,14 +3285,14 @@
           <a:ln/>
           <a:extLst>
             <a:ext uri="{909E8E84-426E-40dd-AFC4-6F175D3DCCD1}">
-              <a14:hiddenFill xmlns:a14="http://schemas.microsoft.com/office/drawing/2010/main">
+              <a14:hiddenFill xmlns:a14="http://schemas.microsoft.com/office/drawing/2010/main" xmlns="">
                 <a:solidFill>
                   <a:srgbClr val="FFFFFF"/>
                 </a:solidFill>
               </a14:hiddenFill>
             </a:ext>
             <a:ext uri="{91240B29-F687-4f45-9708-019B960494DF}">
-              <a14:hiddenLine xmlns:a14="http://schemas.microsoft.com/office/drawing/2010/main" w="9525">
+              <a14:hiddenLine xmlns:a14="http://schemas.microsoft.com/office/drawing/2010/main" xmlns="" w="9525">
                 <a:solidFill>
                   <a:srgbClr val="000000"/>
                 </a:solidFill>
@@ -3334,11 +3315,11 @@
               <a:buNone/>
             </a:pPr>
             <a:r>
-              <a:rPr lang="en-US" dirty="0" smtClean="0"/>
+              <a:rPr lang="en-US" dirty="0"/>
               <a:t>Section</a:t>
             </a:r>
             <a:r>
-              <a:rPr lang="en-US" baseline="0" dirty="0" smtClean="0"/>
+              <a:rPr lang="en-US" baseline="0" dirty="0"/>
               <a:t> 5.1.1.5</a:t>
             </a:r>
             <a:endParaRPr lang="en-US" dirty="0"/>
@@ -3385,14 +3366,14 @@
           <a:ln/>
           <a:extLst>
             <a:ext uri="{909E8E84-426E-40dd-AFC4-6F175D3DCCD1}">
-              <a14:hiddenFill xmlns:a14="http://schemas.microsoft.com/office/drawing/2010/main">
+              <a14:hiddenFill xmlns:a14="http://schemas.microsoft.com/office/drawing/2010/main" xmlns="">
                 <a:solidFill>
                   <a:srgbClr val="FFFFFF"/>
                 </a:solidFill>
               </a14:hiddenFill>
             </a:ext>
             <a:ext uri="{91240B29-F687-4f45-9708-019B960494DF}">
-              <a14:hiddenLine xmlns:a14="http://schemas.microsoft.com/office/drawing/2010/main" w="9525">
+              <a14:hiddenLine xmlns:a14="http://schemas.microsoft.com/office/drawing/2010/main" xmlns="" w="9525">
                 <a:solidFill>
                   <a:srgbClr val="000000"/>
                 </a:solidFill>
@@ -3564,14 +3545,14 @@
           <a:ln/>
           <a:extLst>
             <a:ext uri="{909E8E84-426E-40dd-AFC4-6F175D3DCCD1}">
-              <a14:hiddenFill xmlns:a14="http://schemas.microsoft.com/office/drawing/2010/main">
+              <a14:hiddenFill xmlns:a14="http://schemas.microsoft.com/office/drawing/2010/main" xmlns="">
                 <a:solidFill>
                   <a:srgbClr val="FFFFFF"/>
                 </a:solidFill>
               </a14:hiddenFill>
             </a:ext>
             <a:ext uri="{91240B29-F687-4f45-9708-019B960494DF}">
-              <a14:hiddenLine xmlns:a14="http://schemas.microsoft.com/office/drawing/2010/main" w="9525">
+              <a14:hiddenLine xmlns:a14="http://schemas.microsoft.com/office/drawing/2010/main" xmlns="" w="9525">
                 <a:solidFill>
                   <a:srgbClr val="000000"/>
                 </a:solidFill>
@@ -3595,13 +3576,8 @@
             </a:pPr>
             <a:r>
               <a:rPr lang="en-US" dirty="0"/>
-              <a:t>Section </a:t>
-            </a:r>
-            <a:r>
-              <a:rPr lang="en-US" dirty="0" smtClean="0"/>
-              <a:t>5.1.3.1</a:t>
-            </a:r>
-            <a:endParaRPr lang="en-US" dirty="0"/>
+              <a:t>Section 5.1.3.1</a:t>
+            </a:r>
           </a:p>
         </p:txBody>
       </p:sp>
@@ -3645,14 +3621,14 @@
           <a:ln/>
           <a:extLst>
             <a:ext uri="{909E8E84-426E-40dd-AFC4-6F175D3DCCD1}">
-              <a14:hiddenFill xmlns:a14="http://schemas.microsoft.com/office/drawing/2010/main">
+              <a14:hiddenFill xmlns:a14="http://schemas.microsoft.com/office/drawing/2010/main" xmlns="">
                 <a:solidFill>
                   <a:srgbClr val="FFFFFF"/>
                 </a:solidFill>
               </a14:hiddenFill>
             </a:ext>
             <a:ext uri="{91240B29-F687-4f45-9708-019B960494DF}">
-              <a14:hiddenLine xmlns:a14="http://schemas.microsoft.com/office/drawing/2010/main" w="9525">
+              <a14:hiddenLine xmlns:a14="http://schemas.microsoft.com/office/drawing/2010/main" xmlns="" w="9525">
                 <a:solidFill>
                   <a:srgbClr val="000000"/>
                 </a:solidFill>
@@ -3824,14 +3800,14 @@
           <a:ln/>
           <a:extLst>
             <a:ext uri="{909E8E84-426E-40dd-AFC4-6F175D3DCCD1}">
-              <a14:hiddenFill xmlns:a14="http://schemas.microsoft.com/office/drawing/2010/main">
+              <a14:hiddenFill xmlns:a14="http://schemas.microsoft.com/office/drawing/2010/main" xmlns="">
                 <a:solidFill>
                   <a:srgbClr val="FFFFFF"/>
                 </a:solidFill>
               </a14:hiddenFill>
             </a:ext>
             <a:ext uri="{91240B29-F687-4f45-9708-019B960494DF}">
-              <a14:hiddenLine xmlns:a14="http://schemas.microsoft.com/office/drawing/2010/main" w="9525">
+              <a14:hiddenLine xmlns:a14="http://schemas.microsoft.com/office/drawing/2010/main" xmlns="" w="9525">
                 <a:solidFill>
                   <a:srgbClr val="000000"/>
                 </a:solidFill>
@@ -3855,13 +3831,8 @@
             </a:pPr>
             <a:r>
               <a:rPr lang="en-US" dirty="0"/>
-              <a:t>Section </a:t>
-            </a:r>
-            <a:r>
-              <a:rPr lang="en-US" dirty="0" smtClean="0"/>
-              <a:t>5.1.3.2</a:t>
-            </a:r>
-            <a:endParaRPr lang="en-US" dirty="0"/>
+              <a:t>Section 5.1.3.2</a:t>
+            </a:r>
           </a:p>
         </p:txBody>
       </p:sp>
@@ -3905,14 +3876,14 @@
           <a:ln/>
           <a:extLst>
             <a:ext uri="{909E8E84-426E-40dd-AFC4-6F175D3DCCD1}">
-              <a14:hiddenFill xmlns:a14="http://schemas.microsoft.com/office/drawing/2010/main">
+              <a14:hiddenFill xmlns:a14="http://schemas.microsoft.com/office/drawing/2010/main" xmlns="">
                 <a:solidFill>
                   <a:srgbClr val="FFFFFF"/>
                 </a:solidFill>
               </a14:hiddenFill>
             </a:ext>
             <a:ext uri="{91240B29-F687-4f45-9708-019B960494DF}">
-              <a14:hiddenLine xmlns:a14="http://schemas.microsoft.com/office/drawing/2010/main" w="9525">
+              <a14:hiddenLine xmlns:a14="http://schemas.microsoft.com/office/drawing/2010/main" xmlns="" w="9525">
                 <a:solidFill>
                   <a:srgbClr val="000000"/>
                 </a:solidFill>
@@ -4084,14 +4055,14 @@
           <a:ln/>
           <a:extLst>
             <a:ext uri="{909E8E84-426E-40dd-AFC4-6F175D3DCCD1}">
-              <a14:hiddenFill xmlns:a14="http://schemas.microsoft.com/office/drawing/2010/main">
+              <a14:hiddenFill xmlns:a14="http://schemas.microsoft.com/office/drawing/2010/main" xmlns="">
                 <a:solidFill>
                   <a:srgbClr val="FFFFFF"/>
                 </a:solidFill>
               </a14:hiddenFill>
             </a:ext>
             <a:ext uri="{91240B29-F687-4f45-9708-019B960494DF}">
-              <a14:hiddenLine xmlns:a14="http://schemas.microsoft.com/office/drawing/2010/main" w="9525">
+              <a14:hiddenLine xmlns:a14="http://schemas.microsoft.com/office/drawing/2010/main" xmlns="" w="9525">
                 <a:solidFill>
                   <a:srgbClr val="000000"/>
                 </a:solidFill>
@@ -4112,15 +4083,7 @@
             </a:pPr>
             <a:r>
               <a:rPr lang="en-US" b="1" dirty="0"/>
-              <a:t>Chapter </a:t>
-            </a:r>
-            <a:r>
-              <a:rPr lang="en-US" b="1" dirty="0" smtClean="0"/>
-              <a:t>7 </a:t>
-            </a:r>
-            <a:r>
-              <a:rPr lang="en-US" b="1" dirty="0"/>
-              <a:t>Sections</a:t>
+              <a:t>Chapter 7 Sections</a:t>
             </a:r>
           </a:p>
         </p:txBody>
@@ -4165,14 +4128,14 @@
           <a:ln/>
           <a:extLst>
             <a:ext uri="{909E8E84-426E-40dd-AFC4-6F175D3DCCD1}">
-              <a14:hiddenFill xmlns:a14="http://schemas.microsoft.com/office/drawing/2010/main">
+              <a14:hiddenFill xmlns:a14="http://schemas.microsoft.com/office/drawing/2010/main" xmlns="">
                 <a:solidFill>
                   <a:srgbClr val="FFFFFF"/>
                 </a:solidFill>
               </a14:hiddenFill>
             </a:ext>
             <a:ext uri="{91240B29-F687-4f45-9708-019B960494DF}">
-              <a14:hiddenLine xmlns:a14="http://schemas.microsoft.com/office/drawing/2010/main" w="9525">
+              <a14:hiddenLine xmlns:a14="http://schemas.microsoft.com/office/drawing/2010/main" xmlns="" w="9525">
                 <a:solidFill>
                   <a:srgbClr val="000000"/>
                 </a:solidFill>
@@ -4344,14 +4307,14 @@
           <a:ln/>
           <a:extLst>
             <a:ext uri="{909E8E84-426E-40dd-AFC4-6F175D3DCCD1}">
-              <a14:hiddenFill xmlns:a14="http://schemas.microsoft.com/office/drawing/2010/main">
+              <a14:hiddenFill xmlns:a14="http://schemas.microsoft.com/office/drawing/2010/main" xmlns="">
                 <a:solidFill>
                   <a:srgbClr val="FFFFFF"/>
                 </a:solidFill>
               </a14:hiddenFill>
             </a:ext>
             <a:ext uri="{91240B29-F687-4f45-9708-019B960494DF}">
-              <a14:hiddenLine xmlns:a14="http://schemas.microsoft.com/office/drawing/2010/main" w="9525">
+              <a14:hiddenLine xmlns:a14="http://schemas.microsoft.com/office/drawing/2010/main" xmlns="" w="9525">
                 <a:solidFill>
                   <a:srgbClr val="000000"/>
                 </a:solidFill>
@@ -4374,11 +4337,11 @@
               <a:buNone/>
             </a:pPr>
             <a:r>
-              <a:rPr lang="en-US" dirty="0" smtClean="0"/>
+              <a:rPr lang="en-US" dirty="0"/>
               <a:t>Section</a:t>
             </a:r>
             <a:r>
-              <a:rPr lang="en-US" baseline="0" dirty="0" smtClean="0"/>
+              <a:rPr lang="en-US" baseline="0" dirty="0"/>
               <a:t> 5.1.3.3</a:t>
             </a:r>
             <a:endParaRPr lang="en-US" dirty="0"/>
@@ -4425,14 +4388,14 @@
           <a:ln/>
           <a:extLst>
             <a:ext uri="{909E8E84-426E-40dd-AFC4-6F175D3DCCD1}">
-              <a14:hiddenFill xmlns:a14="http://schemas.microsoft.com/office/drawing/2010/main">
+              <a14:hiddenFill xmlns:a14="http://schemas.microsoft.com/office/drawing/2010/main" xmlns="">
                 <a:solidFill>
                   <a:srgbClr val="FFFFFF"/>
                 </a:solidFill>
               </a14:hiddenFill>
             </a:ext>
             <a:ext uri="{91240B29-F687-4f45-9708-019B960494DF}">
-              <a14:hiddenLine xmlns:a14="http://schemas.microsoft.com/office/drawing/2010/main" w="9525">
+              <a14:hiddenLine xmlns:a14="http://schemas.microsoft.com/office/drawing/2010/main" xmlns="" w="9525">
                 <a:solidFill>
                   <a:srgbClr val="000000"/>
                 </a:solidFill>
@@ -4604,14 +4567,14 @@
           <a:ln/>
           <a:extLst>
             <a:ext uri="{909E8E84-426E-40dd-AFC4-6F175D3DCCD1}">
-              <a14:hiddenFill xmlns:a14="http://schemas.microsoft.com/office/drawing/2010/main">
+              <a14:hiddenFill xmlns:a14="http://schemas.microsoft.com/office/drawing/2010/main" xmlns="">
                 <a:solidFill>
                   <a:srgbClr val="FFFFFF"/>
                 </a:solidFill>
               </a14:hiddenFill>
             </a:ext>
             <a:ext uri="{91240B29-F687-4f45-9708-019B960494DF}">
-              <a14:hiddenLine xmlns:a14="http://schemas.microsoft.com/office/drawing/2010/main" w="9525">
+              <a14:hiddenLine xmlns:a14="http://schemas.microsoft.com/office/drawing/2010/main" xmlns="" w="9525">
                 <a:solidFill>
                   <a:srgbClr val="000000"/>
                 </a:solidFill>
@@ -4635,13 +4598,8 @@
             </a:pPr>
             <a:r>
               <a:rPr lang="en-US" dirty="0"/>
-              <a:t>Section </a:t>
-            </a:r>
-            <a:r>
-              <a:rPr lang="en-US" dirty="0" smtClean="0"/>
-              <a:t>5.1.3.4</a:t>
-            </a:r>
-            <a:endParaRPr lang="en-US" dirty="0"/>
+              <a:t>Section 5.1.3.4</a:t>
+            </a:r>
           </a:p>
         </p:txBody>
       </p:sp>
@@ -4685,14 +4643,14 @@
           <a:ln/>
           <a:extLst>
             <a:ext uri="{909E8E84-426E-40dd-AFC4-6F175D3DCCD1}">
-              <a14:hiddenFill xmlns:a14="http://schemas.microsoft.com/office/drawing/2010/main">
+              <a14:hiddenFill xmlns:a14="http://schemas.microsoft.com/office/drawing/2010/main" xmlns="">
                 <a:solidFill>
                   <a:srgbClr val="FFFFFF"/>
                 </a:solidFill>
               </a14:hiddenFill>
             </a:ext>
             <a:ext uri="{91240B29-F687-4f45-9708-019B960494DF}">
-              <a14:hiddenLine xmlns:a14="http://schemas.microsoft.com/office/drawing/2010/main" w="9525">
+              <a14:hiddenLine xmlns:a14="http://schemas.microsoft.com/office/drawing/2010/main" xmlns="" w="9525">
                 <a:solidFill>
                   <a:srgbClr val="000000"/>
                 </a:solidFill>
@@ -4864,14 +4822,14 @@
           <a:ln/>
           <a:extLst>
             <a:ext uri="{909E8E84-426E-40dd-AFC4-6F175D3DCCD1}">
-              <a14:hiddenFill xmlns:a14="http://schemas.microsoft.com/office/drawing/2010/main">
+              <a14:hiddenFill xmlns:a14="http://schemas.microsoft.com/office/drawing/2010/main" xmlns="">
                 <a:solidFill>
                   <a:srgbClr val="FFFFFF"/>
                 </a:solidFill>
               </a14:hiddenFill>
             </a:ext>
             <a:ext uri="{91240B29-F687-4f45-9708-019B960494DF}">
-              <a14:hiddenLine xmlns:a14="http://schemas.microsoft.com/office/drawing/2010/main" w="9525">
+              <a14:hiddenLine xmlns:a14="http://schemas.microsoft.com/office/drawing/2010/main" xmlns="" w="9525">
                 <a:solidFill>
                   <a:srgbClr val="000000"/>
                 </a:solidFill>
@@ -4894,10 +4852,9 @@
               <a:buNone/>
             </a:pPr>
             <a:r>
-              <a:rPr lang="en-US" dirty="0" smtClean="0"/>
+              <a:rPr lang="en-US" dirty="0"/>
               <a:t>Section 5.1.3.5</a:t>
             </a:r>
-            <a:endParaRPr lang="en-US" dirty="0"/>
           </a:p>
         </p:txBody>
       </p:sp>
@@ -4941,14 +4898,14 @@
           <a:ln/>
           <a:extLst>
             <a:ext uri="{909E8E84-426E-40dd-AFC4-6F175D3DCCD1}">
-              <a14:hiddenFill xmlns:a14="http://schemas.microsoft.com/office/drawing/2010/main">
+              <a14:hiddenFill xmlns:a14="http://schemas.microsoft.com/office/drawing/2010/main" xmlns="">
                 <a:solidFill>
                   <a:srgbClr val="FFFFFF"/>
                 </a:solidFill>
               </a14:hiddenFill>
             </a:ext>
             <a:ext uri="{91240B29-F687-4f45-9708-019B960494DF}">
-              <a14:hiddenLine xmlns:a14="http://schemas.microsoft.com/office/drawing/2010/main" w="9525">
+              <a14:hiddenLine xmlns:a14="http://schemas.microsoft.com/office/drawing/2010/main" xmlns="" w="9525">
                 <a:solidFill>
                   <a:srgbClr val="000000"/>
                 </a:solidFill>
@@ -5120,14 +5077,14 @@
           <a:ln/>
           <a:extLst>
             <a:ext uri="{909E8E84-426E-40dd-AFC4-6F175D3DCCD1}">
-              <a14:hiddenFill xmlns:a14="http://schemas.microsoft.com/office/drawing/2010/main">
+              <a14:hiddenFill xmlns:a14="http://schemas.microsoft.com/office/drawing/2010/main" xmlns="">
                 <a:solidFill>
                   <a:srgbClr val="FFFFFF"/>
                 </a:solidFill>
               </a14:hiddenFill>
             </a:ext>
             <a:ext uri="{91240B29-F687-4f45-9708-019B960494DF}">
-              <a14:hiddenLine xmlns:a14="http://schemas.microsoft.com/office/drawing/2010/main" w="9525">
+              <a14:hiddenLine xmlns:a14="http://schemas.microsoft.com/office/drawing/2010/main" xmlns="" w="9525">
                 <a:solidFill>
                   <a:srgbClr val="000000"/>
                 </a:solidFill>
@@ -5151,13 +5108,8 @@
             </a:pPr>
             <a:r>
               <a:rPr lang="en-US" dirty="0"/>
-              <a:t>Section </a:t>
-            </a:r>
-            <a:r>
-              <a:rPr lang="en-US" dirty="0" smtClean="0"/>
-              <a:t>5.1.4.1</a:t>
-            </a:r>
-            <a:endParaRPr lang="en-US" dirty="0"/>
+              <a:t>Section 5.1.4.1</a:t>
+            </a:r>
           </a:p>
         </p:txBody>
       </p:sp>
@@ -5201,14 +5153,14 @@
           <a:ln/>
           <a:extLst>
             <a:ext uri="{909E8E84-426E-40dd-AFC4-6F175D3DCCD1}">
-              <a14:hiddenFill xmlns:a14="http://schemas.microsoft.com/office/drawing/2010/main">
+              <a14:hiddenFill xmlns:a14="http://schemas.microsoft.com/office/drawing/2010/main" xmlns="">
                 <a:solidFill>
                   <a:srgbClr val="FFFFFF"/>
                 </a:solidFill>
               </a14:hiddenFill>
             </a:ext>
             <a:ext uri="{91240B29-F687-4f45-9708-019B960494DF}">
-              <a14:hiddenLine xmlns:a14="http://schemas.microsoft.com/office/drawing/2010/main" w="9525">
+              <a14:hiddenLine xmlns:a14="http://schemas.microsoft.com/office/drawing/2010/main" xmlns="" w="9525">
                 <a:solidFill>
                   <a:srgbClr val="000000"/>
                 </a:solidFill>
@@ -5380,14 +5332,14 @@
           <a:ln/>
           <a:extLst>
             <a:ext uri="{909E8E84-426E-40dd-AFC4-6F175D3DCCD1}">
-              <a14:hiddenFill xmlns:a14="http://schemas.microsoft.com/office/drawing/2010/main">
+              <a14:hiddenFill xmlns:a14="http://schemas.microsoft.com/office/drawing/2010/main" xmlns="">
                 <a:solidFill>
                   <a:srgbClr val="FFFFFF"/>
                 </a:solidFill>
               </a14:hiddenFill>
             </a:ext>
             <a:ext uri="{91240B29-F687-4f45-9708-019B960494DF}">
-              <a14:hiddenLine xmlns:a14="http://schemas.microsoft.com/office/drawing/2010/main" w="9525">
+              <a14:hiddenLine xmlns:a14="http://schemas.microsoft.com/office/drawing/2010/main" xmlns="" w="9525">
                 <a:solidFill>
                   <a:srgbClr val="000000"/>
                 </a:solidFill>
@@ -5411,13 +5363,8 @@
             </a:pPr>
             <a:r>
               <a:rPr lang="en-US" dirty="0"/>
-              <a:t>Section </a:t>
-            </a:r>
-            <a:r>
-              <a:rPr lang="en-US" dirty="0" smtClean="0"/>
-              <a:t>5.1.4.2</a:t>
-            </a:r>
-            <a:endParaRPr lang="en-US" dirty="0"/>
+              <a:t>Section 5.1.4.2</a:t>
+            </a:r>
           </a:p>
         </p:txBody>
       </p:sp>
@@ -5461,14 +5408,14 @@
           <a:ln/>
           <a:extLst>
             <a:ext uri="{909E8E84-426E-40dd-AFC4-6F175D3DCCD1}">
-              <a14:hiddenFill xmlns:a14="http://schemas.microsoft.com/office/drawing/2010/main">
+              <a14:hiddenFill xmlns:a14="http://schemas.microsoft.com/office/drawing/2010/main" xmlns="">
                 <a:solidFill>
                   <a:srgbClr val="FFFFFF"/>
                 </a:solidFill>
               </a14:hiddenFill>
             </a:ext>
             <a:ext uri="{91240B29-F687-4f45-9708-019B960494DF}">
-              <a14:hiddenLine xmlns:a14="http://schemas.microsoft.com/office/drawing/2010/main" w="9525">
+              <a14:hiddenLine xmlns:a14="http://schemas.microsoft.com/office/drawing/2010/main" xmlns="" w="9525">
                 <a:solidFill>
                   <a:srgbClr val="000000"/>
                 </a:solidFill>
@@ -5640,14 +5587,14 @@
           <a:ln/>
           <a:extLst>
             <a:ext uri="{909E8E84-426E-40dd-AFC4-6F175D3DCCD1}">
-              <a14:hiddenFill xmlns:a14="http://schemas.microsoft.com/office/drawing/2010/main">
+              <a14:hiddenFill xmlns:a14="http://schemas.microsoft.com/office/drawing/2010/main" xmlns="">
                 <a:solidFill>
                   <a:srgbClr val="FFFFFF"/>
                 </a:solidFill>
               </a14:hiddenFill>
             </a:ext>
             <a:ext uri="{91240B29-F687-4f45-9708-019B960494DF}">
-              <a14:hiddenLine xmlns:a14="http://schemas.microsoft.com/office/drawing/2010/main" w="9525">
+              <a14:hiddenLine xmlns:a14="http://schemas.microsoft.com/office/drawing/2010/main" xmlns="" w="9525">
                 <a:solidFill>
                   <a:srgbClr val="000000"/>
                 </a:solidFill>
@@ -5671,13 +5618,8 @@
             </a:pPr>
             <a:r>
               <a:rPr lang="en-US" dirty="0"/>
-              <a:t>Section </a:t>
-            </a:r>
-            <a:r>
-              <a:rPr lang="en-US" dirty="0" smtClean="0"/>
-              <a:t>5.2.1.1</a:t>
-            </a:r>
-            <a:endParaRPr lang="en-US" dirty="0"/>
+              <a:t>Section 5.2.1.1</a:t>
+            </a:r>
           </a:p>
         </p:txBody>
       </p:sp>
@@ -5721,14 +5663,14 @@
           <a:ln/>
           <a:extLst>
             <a:ext uri="{909E8E84-426E-40dd-AFC4-6F175D3DCCD1}">
-              <a14:hiddenFill xmlns:a14="http://schemas.microsoft.com/office/drawing/2010/main">
+              <a14:hiddenFill xmlns:a14="http://schemas.microsoft.com/office/drawing/2010/main" xmlns="">
                 <a:solidFill>
                   <a:srgbClr val="FFFFFF"/>
                 </a:solidFill>
               </a14:hiddenFill>
             </a:ext>
             <a:ext uri="{91240B29-F687-4f45-9708-019B960494DF}">
-              <a14:hiddenLine xmlns:a14="http://schemas.microsoft.com/office/drawing/2010/main" w="9525">
+              <a14:hiddenLine xmlns:a14="http://schemas.microsoft.com/office/drawing/2010/main" xmlns="" w="9525">
                 <a:solidFill>
                   <a:srgbClr val="000000"/>
                 </a:solidFill>
@@ -5900,14 +5842,14 @@
           <a:ln/>
           <a:extLst>
             <a:ext uri="{909E8E84-426E-40dd-AFC4-6F175D3DCCD1}">
-              <a14:hiddenFill xmlns:a14="http://schemas.microsoft.com/office/drawing/2010/main">
+              <a14:hiddenFill xmlns:a14="http://schemas.microsoft.com/office/drawing/2010/main" xmlns="">
                 <a:solidFill>
                   <a:srgbClr val="FFFFFF"/>
                 </a:solidFill>
               </a14:hiddenFill>
             </a:ext>
             <a:ext uri="{91240B29-F687-4f45-9708-019B960494DF}">
-              <a14:hiddenLine xmlns:a14="http://schemas.microsoft.com/office/drawing/2010/main" w="9525">
+              <a14:hiddenLine xmlns:a14="http://schemas.microsoft.com/office/drawing/2010/main" xmlns="" w="9525">
                 <a:solidFill>
                   <a:srgbClr val="000000"/>
                 </a:solidFill>
@@ -5931,11 +5873,7 @@
             </a:pPr>
             <a:r>
               <a:rPr lang="en-US"/>
-              <a:t>Section </a:t>
-            </a:r>
-            <a:r>
-              <a:rPr lang="en-US" smtClean="0"/>
-              <a:t>5.2.1.1</a:t>
+              <a:t>Section 5.2.1.1</a:t>
             </a:r>
             <a:endParaRPr lang="en-US" dirty="0"/>
           </a:p>
@@ -5981,14 +5919,14 @@
           <a:ln/>
           <a:extLst>
             <a:ext uri="{909E8E84-426E-40dd-AFC4-6F175D3DCCD1}">
-              <a14:hiddenFill xmlns:a14="http://schemas.microsoft.com/office/drawing/2010/main">
+              <a14:hiddenFill xmlns:a14="http://schemas.microsoft.com/office/drawing/2010/main" xmlns="">
                 <a:solidFill>
                   <a:srgbClr val="FFFFFF"/>
                 </a:solidFill>
               </a14:hiddenFill>
             </a:ext>
             <a:ext uri="{91240B29-F687-4f45-9708-019B960494DF}">
-              <a14:hiddenLine xmlns:a14="http://schemas.microsoft.com/office/drawing/2010/main" w="9525">
+              <a14:hiddenLine xmlns:a14="http://schemas.microsoft.com/office/drawing/2010/main" xmlns="" w="9525">
                 <a:solidFill>
                   <a:srgbClr val="000000"/>
                 </a:solidFill>
@@ -6160,14 +6098,14 @@
           <a:ln/>
           <a:extLst>
             <a:ext uri="{909E8E84-426E-40dd-AFC4-6F175D3DCCD1}">
-              <a14:hiddenFill xmlns:a14="http://schemas.microsoft.com/office/drawing/2010/main">
+              <a14:hiddenFill xmlns:a14="http://schemas.microsoft.com/office/drawing/2010/main" xmlns="">
                 <a:solidFill>
                   <a:srgbClr val="FFFFFF"/>
                 </a:solidFill>
               </a14:hiddenFill>
             </a:ext>
             <a:ext uri="{91240B29-F687-4f45-9708-019B960494DF}">
-              <a14:hiddenLine xmlns:a14="http://schemas.microsoft.com/office/drawing/2010/main" w="9525">
+              <a14:hiddenLine xmlns:a14="http://schemas.microsoft.com/office/drawing/2010/main" xmlns="" w="9525">
                 <a:solidFill>
                   <a:srgbClr val="000000"/>
                 </a:solidFill>
@@ -6191,13 +6129,8 @@
             </a:pPr>
             <a:r>
               <a:rPr lang="en-US" dirty="0"/>
-              <a:t>Section </a:t>
-            </a:r>
-            <a:r>
-              <a:rPr lang="en-US" dirty="0" smtClean="0"/>
-              <a:t>5.2.1.2/5.2.1.3</a:t>
-            </a:r>
-            <a:endParaRPr lang="en-US" dirty="0"/>
+              <a:t>Section 5.2.1.2/5.2.1.3</a:t>
+            </a:r>
           </a:p>
         </p:txBody>
       </p:sp>
@@ -6241,14 +6174,14 @@
           <a:ln/>
           <a:extLst>
             <a:ext uri="{909E8E84-426E-40dd-AFC4-6F175D3DCCD1}">
-              <a14:hiddenFill xmlns:a14="http://schemas.microsoft.com/office/drawing/2010/main">
+              <a14:hiddenFill xmlns:a14="http://schemas.microsoft.com/office/drawing/2010/main" xmlns="">
                 <a:solidFill>
                   <a:srgbClr val="FFFFFF"/>
                 </a:solidFill>
               </a14:hiddenFill>
             </a:ext>
             <a:ext uri="{91240B29-F687-4f45-9708-019B960494DF}">
-              <a14:hiddenLine xmlns:a14="http://schemas.microsoft.com/office/drawing/2010/main" w="9525">
+              <a14:hiddenLine xmlns:a14="http://schemas.microsoft.com/office/drawing/2010/main" xmlns="" w="9525">
                 <a:solidFill>
                   <a:srgbClr val="000000"/>
                 </a:solidFill>
@@ -6420,14 +6353,14 @@
           <a:ln/>
           <a:extLst>
             <a:ext uri="{909E8E84-426E-40dd-AFC4-6F175D3DCCD1}">
-              <a14:hiddenFill xmlns:a14="http://schemas.microsoft.com/office/drawing/2010/main">
+              <a14:hiddenFill xmlns:a14="http://schemas.microsoft.com/office/drawing/2010/main" xmlns="">
                 <a:solidFill>
                   <a:srgbClr val="FFFFFF"/>
                 </a:solidFill>
               </a14:hiddenFill>
             </a:ext>
             <a:ext uri="{91240B29-F687-4f45-9708-019B960494DF}">
-              <a14:hiddenLine xmlns:a14="http://schemas.microsoft.com/office/drawing/2010/main" w="9525">
+              <a14:hiddenLine xmlns:a14="http://schemas.microsoft.com/office/drawing/2010/main" xmlns="" w="9525">
                 <a:solidFill>
                   <a:srgbClr val="000000"/>
                 </a:solidFill>
@@ -6451,13 +6384,8 @@
             </a:pPr>
             <a:r>
               <a:rPr lang="en-US" dirty="0"/>
-              <a:t>Section </a:t>
-            </a:r>
-            <a:r>
-              <a:rPr lang="en-US" dirty="0" smtClean="0"/>
-              <a:t>5.2.1.3</a:t>
-            </a:r>
-            <a:endParaRPr lang="en-US" dirty="0"/>
+              <a:t>Section 5.2.1.3</a:t>
+            </a:r>
           </a:p>
         </p:txBody>
       </p:sp>
@@ -6501,14 +6429,14 @@
           <a:ln/>
           <a:extLst>
             <a:ext uri="{909E8E84-426E-40dd-AFC4-6F175D3DCCD1}">
-              <a14:hiddenFill xmlns:a14="http://schemas.microsoft.com/office/drawing/2010/main">
+              <a14:hiddenFill xmlns:a14="http://schemas.microsoft.com/office/drawing/2010/main" xmlns="">
                 <a:solidFill>
                   <a:srgbClr val="FFFFFF"/>
                 </a:solidFill>
               </a14:hiddenFill>
             </a:ext>
             <a:ext uri="{91240B29-F687-4f45-9708-019B960494DF}">
-              <a14:hiddenLine xmlns:a14="http://schemas.microsoft.com/office/drawing/2010/main" w="9525">
+              <a14:hiddenLine xmlns:a14="http://schemas.microsoft.com/office/drawing/2010/main" xmlns="" w="9525">
                 <a:solidFill>
                   <a:srgbClr val="000000"/>
                 </a:solidFill>
@@ -6680,14 +6608,14 @@
           <a:ln/>
           <a:extLst>
             <a:ext uri="{909E8E84-426E-40dd-AFC4-6F175D3DCCD1}">
-              <a14:hiddenFill xmlns:a14="http://schemas.microsoft.com/office/drawing/2010/main">
+              <a14:hiddenFill xmlns:a14="http://schemas.microsoft.com/office/drawing/2010/main" xmlns="">
                 <a:solidFill>
                   <a:srgbClr val="FFFFFF"/>
                 </a:solidFill>
               </a14:hiddenFill>
             </a:ext>
             <a:ext uri="{91240B29-F687-4f45-9708-019B960494DF}">
-              <a14:hiddenLine xmlns:a14="http://schemas.microsoft.com/office/drawing/2010/main" w="9525">
+              <a14:hiddenLine xmlns:a14="http://schemas.microsoft.com/office/drawing/2010/main" xmlns="" w="9525">
                 <a:solidFill>
                   <a:srgbClr val="000000"/>
                 </a:solidFill>
@@ -6711,13 +6639,8 @@
             </a:pPr>
             <a:r>
               <a:rPr lang="en-US" dirty="0"/>
-              <a:t>Section </a:t>
-            </a:r>
-            <a:r>
-              <a:rPr lang="en-US" dirty="0" smtClean="0"/>
-              <a:t>5.2.1.2/5.2.1.3</a:t>
-            </a:r>
-            <a:endParaRPr lang="en-US" dirty="0"/>
+              <a:t>Section 5.2.1.2/5.2.1.3</a:t>
+            </a:r>
           </a:p>
         </p:txBody>
       </p:sp>
@@ -6761,14 +6684,14 @@
           <a:ln/>
           <a:extLst>
             <a:ext uri="{909E8E84-426E-40dd-AFC4-6F175D3DCCD1}">
-              <a14:hiddenFill xmlns:a14="http://schemas.microsoft.com/office/drawing/2010/main">
+              <a14:hiddenFill xmlns:a14="http://schemas.microsoft.com/office/drawing/2010/main" xmlns="">
                 <a:solidFill>
                   <a:srgbClr val="FFFFFF"/>
                 </a:solidFill>
               </a14:hiddenFill>
             </a:ext>
             <a:ext uri="{91240B29-F687-4f45-9708-019B960494DF}">
-              <a14:hiddenLine xmlns:a14="http://schemas.microsoft.com/office/drawing/2010/main" w="9525">
+              <a14:hiddenLine xmlns:a14="http://schemas.microsoft.com/office/drawing/2010/main" xmlns="" w="9525">
                 <a:solidFill>
                   <a:srgbClr val="000000"/>
                 </a:solidFill>
@@ -6940,14 +6863,14 @@
           <a:ln/>
           <a:extLst>
             <a:ext uri="{909E8E84-426E-40dd-AFC4-6F175D3DCCD1}">
-              <a14:hiddenFill xmlns:a14="http://schemas.microsoft.com/office/drawing/2010/main">
+              <a14:hiddenFill xmlns:a14="http://schemas.microsoft.com/office/drawing/2010/main" xmlns="">
                 <a:solidFill>
                   <a:srgbClr val="FFFFFF"/>
                 </a:solidFill>
               </a14:hiddenFill>
             </a:ext>
             <a:ext uri="{91240B29-F687-4f45-9708-019B960494DF}">
-              <a14:hiddenLine xmlns:a14="http://schemas.microsoft.com/office/drawing/2010/main" w="9525">
+              <a14:hiddenLine xmlns:a14="http://schemas.microsoft.com/office/drawing/2010/main" xmlns="" w="9525">
                 <a:solidFill>
                   <a:srgbClr val="000000"/>
                 </a:solidFill>
@@ -6971,13 +6894,8 @@
             </a:pPr>
             <a:r>
               <a:rPr lang="en-US" dirty="0"/>
-              <a:t>Section </a:t>
-            </a:r>
-            <a:r>
-              <a:rPr lang="en-US" dirty="0" smtClean="0"/>
-              <a:t>5.1.1.1</a:t>
-            </a:r>
-            <a:endParaRPr lang="en-US" dirty="0"/>
+              <a:t>Section 5.1.1.1</a:t>
+            </a:r>
           </a:p>
         </p:txBody>
       </p:sp>
@@ -7021,14 +6939,14 @@
           <a:ln/>
           <a:extLst>
             <a:ext uri="{909E8E84-426E-40dd-AFC4-6F175D3DCCD1}">
-              <a14:hiddenFill xmlns:a14="http://schemas.microsoft.com/office/drawing/2010/main">
+              <a14:hiddenFill xmlns:a14="http://schemas.microsoft.com/office/drawing/2010/main" xmlns="">
                 <a:solidFill>
                   <a:srgbClr val="FFFFFF"/>
                 </a:solidFill>
               </a14:hiddenFill>
             </a:ext>
             <a:ext uri="{91240B29-F687-4f45-9708-019B960494DF}">
-              <a14:hiddenLine xmlns:a14="http://schemas.microsoft.com/office/drawing/2010/main" w="9525">
+              <a14:hiddenLine xmlns:a14="http://schemas.microsoft.com/office/drawing/2010/main" xmlns="" w="9525">
                 <a:solidFill>
                   <a:srgbClr val="000000"/>
                 </a:solidFill>
@@ -7200,14 +7118,14 @@
           <a:ln/>
           <a:extLst>
             <a:ext uri="{909E8E84-426E-40dd-AFC4-6F175D3DCCD1}">
-              <a14:hiddenFill xmlns:a14="http://schemas.microsoft.com/office/drawing/2010/main">
+              <a14:hiddenFill xmlns:a14="http://schemas.microsoft.com/office/drawing/2010/main" xmlns="">
                 <a:solidFill>
                   <a:srgbClr val="FFFFFF"/>
                 </a:solidFill>
               </a14:hiddenFill>
             </a:ext>
             <a:ext uri="{91240B29-F687-4f45-9708-019B960494DF}">
-              <a14:hiddenLine xmlns:a14="http://schemas.microsoft.com/office/drawing/2010/main" w="9525">
+              <a14:hiddenLine xmlns:a14="http://schemas.microsoft.com/office/drawing/2010/main" xmlns="" w="9525">
                 <a:solidFill>
                   <a:srgbClr val="000000"/>
                 </a:solidFill>
@@ -7231,13 +7149,8 @@
             </a:pPr>
             <a:r>
               <a:rPr lang="en-US" dirty="0"/>
-              <a:t>Section </a:t>
-            </a:r>
-            <a:r>
-              <a:rPr lang="en-US" dirty="0" smtClean="0"/>
-              <a:t>5.2.1.3</a:t>
-            </a:r>
-            <a:endParaRPr lang="en-US" dirty="0"/>
+              <a:t>Section 5.2.1.3</a:t>
+            </a:r>
           </a:p>
         </p:txBody>
       </p:sp>
@@ -7281,14 +7194,14 @@
           <a:ln/>
           <a:extLst>
             <a:ext uri="{909E8E84-426E-40dd-AFC4-6F175D3DCCD1}">
-              <a14:hiddenFill xmlns:a14="http://schemas.microsoft.com/office/drawing/2010/main">
+              <a14:hiddenFill xmlns:a14="http://schemas.microsoft.com/office/drawing/2010/main" xmlns="">
                 <a:solidFill>
                   <a:srgbClr val="FFFFFF"/>
                 </a:solidFill>
               </a14:hiddenFill>
             </a:ext>
             <a:ext uri="{91240B29-F687-4f45-9708-019B960494DF}">
-              <a14:hiddenLine xmlns:a14="http://schemas.microsoft.com/office/drawing/2010/main" w="9525">
+              <a14:hiddenLine xmlns:a14="http://schemas.microsoft.com/office/drawing/2010/main" xmlns="" w="9525">
                 <a:solidFill>
                   <a:srgbClr val="000000"/>
                 </a:solidFill>
@@ -7460,14 +7373,14 @@
           <a:ln/>
           <a:extLst>
             <a:ext uri="{909E8E84-426E-40dd-AFC4-6F175D3DCCD1}">
-              <a14:hiddenFill xmlns:a14="http://schemas.microsoft.com/office/drawing/2010/main">
+              <a14:hiddenFill xmlns:a14="http://schemas.microsoft.com/office/drawing/2010/main" xmlns="">
                 <a:solidFill>
                   <a:srgbClr val="FFFFFF"/>
                 </a:solidFill>
               </a14:hiddenFill>
             </a:ext>
             <a:ext uri="{91240B29-F687-4f45-9708-019B960494DF}">
-              <a14:hiddenLine xmlns:a14="http://schemas.microsoft.com/office/drawing/2010/main" w="9525">
+              <a14:hiddenLine xmlns:a14="http://schemas.microsoft.com/office/drawing/2010/main" xmlns="" w="9525">
                 <a:solidFill>
                   <a:srgbClr val="000000"/>
                 </a:solidFill>
@@ -7491,13 +7404,8 @@
             </a:pPr>
             <a:r>
               <a:rPr lang="en-US" dirty="0"/>
-              <a:t>Section </a:t>
-            </a:r>
-            <a:r>
-              <a:rPr lang="en-US" dirty="0" smtClean="0"/>
-              <a:t>5.2.1.3</a:t>
-            </a:r>
-            <a:endParaRPr lang="en-US" dirty="0"/>
+              <a:t>Section 5.2.1.3</a:t>
+            </a:r>
           </a:p>
         </p:txBody>
       </p:sp>
@@ -7541,14 +7449,14 @@
           <a:ln/>
           <a:extLst>
             <a:ext uri="{909E8E84-426E-40dd-AFC4-6F175D3DCCD1}">
-              <a14:hiddenFill xmlns:a14="http://schemas.microsoft.com/office/drawing/2010/main">
+              <a14:hiddenFill xmlns:a14="http://schemas.microsoft.com/office/drawing/2010/main" xmlns="">
                 <a:solidFill>
                   <a:srgbClr val="FFFFFF"/>
                 </a:solidFill>
               </a14:hiddenFill>
             </a:ext>
             <a:ext uri="{91240B29-F687-4f45-9708-019B960494DF}">
-              <a14:hiddenLine xmlns:a14="http://schemas.microsoft.com/office/drawing/2010/main" w="9525">
+              <a14:hiddenLine xmlns:a14="http://schemas.microsoft.com/office/drawing/2010/main" xmlns="" w="9525">
                 <a:solidFill>
                   <a:srgbClr val="000000"/>
                 </a:solidFill>
@@ -7720,14 +7628,14 @@
           <a:ln/>
           <a:extLst>
             <a:ext uri="{909E8E84-426E-40dd-AFC4-6F175D3DCCD1}">
-              <a14:hiddenFill xmlns:a14="http://schemas.microsoft.com/office/drawing/2010/main">
+              <a14:hiddenFill xmlns:a14="http://schemas.microsoft.com/office/drawing/2010/main" xmlns="">
                 <a:solidFill>
                   <a:srgbClr val="FFFFFF"/>
                 </a:solidFill>
               </a14:hiddenFill>
             </a:ext>
             <a:ext uri="{91240B29-F687-4f45-9708-019B960494DF}">
-              <a14:hiddenLine xmlns:a14="http://schemas.microsoft.com/office/drawing/2010/main" w="9525">
+              <a14:hiddenLine xmlns:a14="http://schemas.microsoft.com/office/drawing/2010/main" xmlns="" w="9525">
                 <a:solidFill>
                   <a:srgbClr val="000000"/>
                 </a:solidFill>
@@ -7751,13 +7659,8 @@
             </a:pPr>
             <a:r>
               <a:rPr lang="en-US" dirty="0"/>
-              <a:t>Section </a:t>
-            </a:r>
-            <a:r>
-              <a:rPr lang="en-US" dirty="0" smtClean="0"/>
-              <a:t>5.2.1.3</a:t>
-            </a:r>
-            <a:endParaRPr lang="en-US" dirty="0"/>
+              <a:t>Section 5.2.1.3</a:t>
+            </a:r>
           </a:p>
         </p:txBody>
       </p:sp>
@@ -7801,14 +7704,14 @@
           <a:ln/>
           <a:extLst>
             <a:ext uri="{909E8E84-426E-40dd-AFC4-6F175D3DCCD1}">
-              <a14:hiddenFill xmlns:a14="http://schemas.microsoft.com/office/drawing/2010/main">
+              <a14:hiddenFill xmlns:a14="http://schemas.microsoft.com/office/drawing/2010/main" xmlns="">
                 <a:solidFill>
                   <a:srgbClr val="FFFFFF"/>
                 </a:solidFill>
               </a14:hiddenFill>
             </a:ext>
             <a:ext uri="{91240B29-F687-4f45-9708-019B960494DF}">
-              <a14:hiddenLine xmlns:a14="http://schemas.microsoft.com/office/drawing/2010/main" w="9525">
+              <a14:hiddenLine xmlns:a14="http://schemas.microsoft.com/office/drawing/2010/main" xmlns="" w="9525">
                 <a:solidFill>
                   <a:srgbClr val="000000"/>
                 </a:solidFill>
@@ -7980,14 +7883,14 @@
           <a:ln/>
           <a:extLst>
             <a:ext uri="{909E8E84-426E-40dd-AFC4-6F175D3DCCD1}">
-              <a14:hiddenFill xmlns:a14="http://schemas.microsoft.com/office/drawing/2010/main">
+              <a14:hiddenFill xmlns:a14="http://schemas.microsoft.com/office/drawing/2010/main" xmlns="">
                 <a:solidFill>
                   <a:srgbClr val="FFFFFF"/>
                 </a:solidFill>
               </a14:hiddenFill>
             </a:ext>
             <a:ext uri="{91240B29-F687-4f45-9708-019B960494DF}">
-              <a14:hiddenLine xmlns:a14="http://schemas.microsoft.com/office/drawing/2010/main" w="9525">
+              <a14:hiddenLine xmlns:a14="http://schemas.microsoft.com/office/drawing/2010/main" xmlns="" w="9525">
                 <a:solidFill>
                   <a:srgbClr val="000000"/>
                 </a:solidFill>
@@ -8011,13 +7914,8 @@
             </a:pPr>
             <a:r>
               <a:rPr lang="en-US" dirty="0"/>
-              <a:t>Section </a:t>
-            </a:r>
-            <a:r>
-              <a:rPr lang="en-US" dirty="0" smtClean="0"/>
-              <a:t>5.2.1.4</a:t>
-            </a:r>
-            <a:endParaRPr lang="en-US" dirty="0"/>
+              <a:t>Section 5.2.1.4</a:t>
+            </a:r>
           </a:p>
         </p:txBody>
       </p:sp>
@@ -8061,14 +7959,14 @@
           <a:ln/>
           <a:extLst>
             <a:ext uri="{909E8E84-426E-40dd-AFC4-6F175D3DCCD1}">
-              <a14:hiddenFill xmlns:a14="http://schemas.microsoft.com/office/drawing/2010/main">
+              <a14:hiddenFill xmlns:a14="http://schemas.microsoft.com/office/drawing/2010/main" xmlns="">
                 <a:solidFill>
                   <a:srgbClr val="FFFFFF"/>
                 </a:solidFill>
               </a14:hiddenFill>
             </a:ext>
             <a:ext uri="{91240B29-F687-4f45-9708-019B960494DF}">
-              <a14:hiddenLine xmlns:a14="http://schemas.microsoft.com/office/drawing/2010/main" w="9525">
+              <a14:hiddenLine xmlns:a14="http://schemas.microsoft.com/office/drawing/2010/main" xmlns="" w="9525">
                 <a:solidFill>
                   <a:srgbClr val="000000"/>
                 </a:solidFill>
@@ -8240,14 +8138,14 @@
           <a:ln/>
           <a:extLst>
             <a:ext uri="{909E8E84-426E-40dd-AFC4-6F175D3DCCD1}">
-              <a14:hiddenFill xmlns:a14="http://schemas.microsoft.com/office/drawing/2010/main">
+              <a14:hiddenFill xmlns:a14="http://schemas.microsoft.com/office/drawing/2010/main" xmlns="">
                 <a:solidFill>
                   <a:srgbClr val="FFFFFF"/>
                 </a:solidFill>
               </a14:hiddenFill>
             </a:ext>
             <a:ext uri="{91240B29-F687-4f45-9708-019B960494DF}">
-              <a14:hiddenLine xmlns:a14="http://schemas.microsoft.com/office/drawing/2010/main" w="9525">
+              <a14:hiddenLine xmlns:a14="http://schemas.microsoft.com/office/drawing/2010/main" xmlns="" w="9525">
                 <a:solidFill>
                   <a:srgbClr val="000000"/>
                 </a:solidFill>
@@ -8271,13 +8169,8 @@
             </a:pPr>
             <a:r>
               <a:rPr lang="en-US" dirty="0"/>
-              <a:t>Section </a:t>
-            </a:r>
-            <a:r>
-              <a:rPr lang="en-US" dirty="0" smtClean="0"/>
-              <a:t>5.3.1.1</a:t>
-            </a:r>
-            <a:endParaRPr lang="en-US" dirty="0"/>
+              <a:t>Section 5.3.1.1</a:t>
+            </a:r>
           </a:p>
         </p:txBody>
       </p:sp>
@@ -8321,14 +8214,14 @@
           <a:ln/>
           <a:extLst>
             <a:ext uri="{909E8E84-426E-40dd-AFC4-6F175D3DCCD1}">
-              <a14:hiddenFill xmlns:a14="http://schemas.microsoft.com/office/drawing/2010/main">
+              <a14:hiddenFill xmlns:a14="http://schemas.microsoft.com/office/drawing/2010/main" xmlns="">
                 <a:solidFill>
                   <a:srgbClr val="FFFFFF"/>
                 </a:solidFill>
               </a14:hiddenFill>
             </a:ext>
             <a:ext uri="{91240B29-F687-4f45-9708-019B960494DF}">
-              <a14:hiddenLine xmlns:a14="http://schemas.microsoft.com/office/drawing/2010/main" w="9525">
+              <a14:hiddenLine xmlns:a14="http://schemas.microsoft.com/office/drawing/2010/main" xmlns="" w="9525">
                 <a:solidFill>
                   <a:srgbClr val="000000"/>
                 </a:solidFill>
@@ -8500,14 +8393,14 @@
           <a:ln/>
           <a:extLst>
             <a:ext uri="{909E8E84-426E-40dd-AFC4-6F175D3DCCD1}">
-              <a14:hiddenFill xmlns:a14="http://schemas.microsoft.com/office/drawing/2010/main">
+              <a14:hiddenFill xmlns:a14="http://schemas.microsoft.com/office/drawing/2010/main" xmlns="">
                 <a:solidFill>
                   <a:srgbClr val="FFFFFF"/>
                 </a:solidFill>
               </a14:hiddenFill>
             </a:ext>
             <a:ext uri="{91240B29-F687-4f45-9708-019B960494DF}">
-              <a14:hiddenLine xmlns:a14="http://schemas.microsoft.com/office/drawing/2010/main" w="9525">
+              <a14:hiddenLine xmlns:a14="http://schemas.microsoft.com/office/drawing/2010/main" xmlns="" w="9525">
                 <a:solidFill>
                   <a:srgbClr val="000000"/>
                 </a:solidFill>
@@ -8531,13 +8424,8 @@
             </a:pPr>
             <a:r>
               <a:rPr lang="en-US" dirty="0"/>
-              <a:t>Section </a:t>
-            </a:r>
-            <a:r>
-              <a:rPr lang="en-US" dirty="0" smtClean="0"/>
-              <a:t>5.3.1.2</a:t>
-            </a:r>
-            <a:endParaRPr lang="en-US" dirty="0"/>
+              <a:t>Section 5.3.1.2</a:t>
+            </a:r>
           </a:p>
         </p:txBody>
       </p:sp>
@@ -8581,14 +8469,14 @@
           <a:ln/>
           <a:extLst>
             <a:ext uri="{909E8E84-426E-40dd-AFC4-6F175D3DCCD1}">
-              <a14:hiddenFill xmlns:a14="http://schemas.microsoft.com/office/drawing/2010/main">
+              <a14:hiddenFill xmlns:a14="http://schemas.microsoft.com/office/drawing/2010/main" xmlns="">
                 <a:solidFill>
                   <a:srgbClr val="FFFFFF"/>
                 </a:solidFill>
               </a14:hiddenFill>
             </a:ext>
             <a:ext uri="{91240B29-F687-4f45-9708-019B960494DF}">
-              <a14:hiddenLine xmlns:a14="http://schemas.microsoft.com/office/drawing/2010/main" w="9525">
+              <a14:hiddenLine xmlns:a14="http://schemas.microsoft.com/office/drawing/2010/main" xmlns="" w="9525">
                 <a:solidFill>
                   <a:srgbClr val="000000"/>
                 </a:solidFill>
@@ -8760,14 +8648,14 @@
           <a:ln/>
           <a:extLst>
             <a:ext uri="{909E8E84-426E-40dd-AFC4-6F175D3DCCD1}">
-              <a14:hiddenFill xmlns:a14="http://schemas.microsoft.com/office/drawing/2010/main">
+              <a14:hiddenFill xmlns:a14="http://schemas.microsoft.com/office/drawing/2010/main" xmlns="">
                 <a:solidFill>
                   <a:srgbClr val="FFFFFF"/>
                 </a:solidFill>
               </a14:hiddenFill>
             </a:ext>
             <a:ext uri="{91240B29-F687-4f45-9708-019B960494DF}">
-              <a14:hiddenLine xmlns:a14="http://schemas.microsoft.com/office/drawing/2010/main" w="9525">
+              <a14:hiddenLine xmlns:a14="http://schemas.microsoft.com/office/drawing/2010/main" xmlns="" w="9525">
                 <a:solidFill>
                   <a:srgbClr val="000000"/>
                 </a:solidFill>
@@ -8791,13 +8679,8 @@
             </a:pPr>
             <a:r>
               <a:rPr lang="en-US" dirty="0"/>
-              <a:t>Section </a:t>
-            </a:r>
-            <a:r>
-              <a:rPr lang="en-US" dirty="0" smtClean="0"/>
-              <a:t>5.3.1.2</a:t>
-            </a:r>
-            <a:endParaRPr lang="en-US" dirty="0"/>
+              <a:t>Section 5.3.1.2</a:t>
+            </a:r>
           </a:p>
         </p:txBody>
       </p:sp>
@@ -8841,14 +8724,14 @@
           <a:ln/>
           <a:extLst>
             <a:ext uri="{909E8E84-426E-40dd-AFC4-6F175D3DCCD1}">
-              <a14:hiddenFill xmlns:a14="http://schemas.microsoft.com/office/drawing/2010/main">
+              <a14:hiddenFill xmlns:a14="http://schemas.microsoft.com/office/drawing/2010/main" xmlns="">
                 <a:solidFill>
                   <a:srgbClr val="FFFFFF"/>
                 </a:solidFill>
               </a14:hiddenFill>
             </a:ext>
             <a:ext uri="{91240B29-F687-4f45-9708-019B960494DF}">
-              <a14:hiddenLine xmlns:a14="http://schemas.microsoft.com/office/drawing/2010/main" w="9525">
+              <a14:hiddenLine xmlns:a14="http://schemas.microsoft.com/office/drawing/2010/main" xmlns="" w="9525">
                 <a:solidFill>
                   <a:srgbClr val="000000"/>
                 </a:solidFill>
@@ -9020,14 +8903,14 @@
           <a:ln/>
           <a:extLst>
             <a:ext uri="{909E8E84-426E-40dd-AFC4-6F175D3DCCD1}">
-              <a14:hiddenFill xmlns:a14="http://schemas.microsoft.com/office/drawing/2010/main">
+              <a14:hiddenFill xmlns:a14="http://schemas.microsoft.com/office/drawing/2010/main" xmlns="">
                 <a:solidFill>
                   <a:srgbClr val="FFFFFF"/>
                 </a:solidFill>
               </a14:hiddenFill>
             </a:ext>
             <a:ext uri="{91240B29-F687-4f45-9708-019B960494DF}">
-              <a14:hiddenLine xmlns:a14="http://schemas.microsoft.com/office/drawing/2010/main" w="9525">
+              <a14:hiddenLine xmlns:a14="http://schemas.microsoft.com/office/drawing/2010/main" xmlns="" w="9525">
                 <a:solidFill>
                   <a:srgbClr val="000000"/>
                 </a:solidFill>
@@ -9051,13 +8934,8 @@
             </a:pPr>
             <a:r>
               <a:rPr lang="en-US" dirty="0"/>
-              <a:t>Section </a:t>
-            </a:r>
-            <a:r>
-              <a:rPr lang="en-US" dirty="0" smtClean="0"/>
-              <a:t>5.3.1.3</a:t>
-            </a:r>
-            <a:endParaRPr lang="en-US" dirty="0"/>
+              <a:t>Section 5.3.1.3</a:t>
+            </a:r>
           </a:p>
         </p:txBody>
       </p:sp>
@@ -9101,14 +8979,14 @@
           <a:ln/>
           <a:extLst>
             <a:ext uri="{909E8E84-426E-40dd-AFC4-6F175D3DCCD1}">
-              <a14:hiddenFill xmlns:a14="http://schemas.microsoft.com/office/drawing/2010/main">
+              <a14:hiddenFill xmlns:a14="http://schemas.microsoft.com/office/drawing/2010/main" xmlns="">
                 <a:solidFill>
                   <a:srgbClr val="FFFFFF"/>
                 </a:solidFill>
               </a14:hiddenFill>
             </a:ext>
             <a:ext uri="{91240B29-F687-4f45-9708-019B960494DF}">
-              <a14:hiddenLine xmlns:a14="http://schemas.microsoft.com/office/drawing/2010/main" w="9525">
+              <a14:hiddenLine xmlns:a14="http://schemas.microsoft.com/office/drawing/2010/main" xmlns="" w="9525">
                 <a:solidFill>
                   <a:srgbClr val="000000"/>
                 </a:solidFill>
@@ -9280,14 +9158,14 @@
           <a:ln/>
           <a:extLst>
             <a:ext uri="{909E8E84-426E-40dd-AFC4-6F175D3DCCD1}">
-              <a14:hiddenFill xmlns:a14="http://schemas.microsoft.com/office/drawing/2010/main">
+              <a14:hiddenFill xmlns:a14="http://schemas.microsoft.com/office/drawing/2010/main" xmlns="">
                 <a:solidFill>
                   <a:srgbClr val="FFFFFF"/>
                 </a:solidFill>
               </a14:hiddenFill>
             </a:ext>
             <a:ext uri="{91240B29-F687-4f45-9708-019B960494DF}">
-              <a14:hiddenLine xmlns:a14="http://schemas.microsoft.com/office/drawing/2010/main" w="9525">
+              <a14:hiddenLine xmlns:a14="http://schemas.microsoft.com/office/drawing/2010/main" xmlns="" w="9525">
                 <a:solidFill>
                   <a:srgbClr val="000000"/>
                 </a:solidFill>
@@ -9311,13 +9189,8 @@
             </a:pPr>
             <a:r>
               <a:rPr lang="en-US" dirty="0"/>
-              <a:t>Section </a:t>
-            </a:r>
-            <a:r>
-              <a:rPr lang="en-US" dirty="0" smtClean="0"/>
-              <a:t>5.3.1.4</a:t>
-            </a:r>
-            <a:endParaRPr lang="en-US" dirty="0"/>
+              <a:t>Section 5.3.1.4</a:t>
+            </a:r>
           </a:p>
         </p:txBody>
       </p:sp>
@@ -9361,14 +9234,14 @@
           <a:ln/>
           <a:extLst>
             <a:ext uri="{909E8E84-426E-40dd-AFC4-6F175D3DCCD1}">
-              <a14:hiddenFill xmlns:a14="http://schemas.microsoft.com/office/drawing/2010/main">
+              <a14:hiddenFill xmlns:a14="http://schemas.microsoft.com/office/drawing/2010/main" xmlns="">
                 <a:solidFill>
                   <a:srgbClr val="FFFFFF"/>
                 </a:solidFill>
               </a14:hiddenFill>
             </a:ext>
             <a:ext uri="{91240B29-F687-4f45-9708-019B960494DF}">
-              <a14:hiddenLine xmlns:a14="http://schemas.microsoft.com/office/drawing/2010/main" w="9525">
+              <a14:hiddenLine xmlns:a14="http://schemas.microsoft.com/office/drawing/2010/main" xmlns="" w="9525">
                 <a:solidFill>
                   <a:srgbClr val="000000"/>
                 </a:solidFill>
@@ -9540,14 +9413,14 @@
           <a:ln/>
           <a:extLst>
             <a:ext uri="{909E8E84-426E-40dd-AFC4-6F175D3DCCD1}">
-              <a14:hiddenFill xmlns:a14="http://schemas.microsoft.com/office/drawing/2010/main">
+              <a14:hiddenFill xmlns:a14="http://schemas.microsoft.com/office/drawing/2010/main" xmlns="">
                 <a:solidFill>
                   <a:srgbClr val="FFFFFF"/>
                 </a:solidFill>
               </a14:hiddenFill>
             </a:ext>
             <a:ext uri="{91240B29-F687-4f45-9708-019B960494DF}">
-              <a14:hiddenLine xmlns:a14="http://schemas.microsoft.com/office/drawing/2010/main" w="9525">
+              <a14:hiddenLine xmlns:a14="http://schemas.microsoft.com/office/drawing/2010/main" xmlns="" w="9525">
                 <a:solidFill>
                   <a:srgbClr val="000000"/>
                 </a:solidFill>
@@ -9571,13 +9444,8 @@
             </a:pPr>
             <a:r>
               <a:rPr lang="en-US" dirty="0"/>
-              <a:t>Section </a:t>
-            </a:r>
-            <a:r>
-              <a:rPr lang="en-US" dirty="0" smtClean="0"/>
-              <a:t>5.1.1.1</a:t>
-            </a:r>
-            <a:endParaRPr lang="en-US" dirty="0"/>
+              <a:t>Section 5.1.1.1</a:t>
+            </a:r>
           </a:p>
         </p:txBody>
       </p:sp>
@@ -9621,14 +9489,14 @@
           <a:ln/>
           <a:extLst>
             <a:ext uri="{909E8E84-426E-40dd-AFC4-6F175D3DCCD1}">
-              <a14:hiddenFill xmlns:a14="http://schemas.microsoft.com/office/drawing/2010/main">
+              <a14:hiddenFill xmlns:a14="http://schemas.microsoft.com/office/drawing/2010/main" xmlns="">
                 <a:solidFill>
                   <a:srgbClr val="FFFFFF"/>
                 </a:solidFill>
               </a14:hiddenFill>
             </a:ext>
             <a:ext uri="{91240B29-F687-4f45-9708-019B960494DF}">
-              <a14:hiddenLine xmlns:a14="http://schemas.microsoft.com/office/drawing/2010/main" w="9525">
+              <a14:hiddenLine xmlns:a14="http://schemas.microsoft.com/office/drawing/2010/main" xmlns="" w="9525">
                 <a:solidFill>
                   <a:srgbClr val="000000"/>
                 </a:solidFill>
@@ -9800,14 +9668,14 @@
           <a:ln/>
           <a:extLst>
             <a:ext uri="{909E8E84-426E-40dd-AFC4-6F175D3DCCD1}">
-              <a14:hiddenFill xmlns:a14="http://schemas.microsoft.com/office/drawing/2010/main">
+              <a14:hiddenFill xmlns:a14="http://schemas.microsoft.com/office/drawing/2010/main" xmlns="">
                 <a:solidFill>
                   <a:srgbClr val="FFFFFF"/>
                 </a:solidFill>
               </a14:hiddenFill>
             </a:ext>
             <a:ext uri="{91240B29-F687-4f45-9708-019B960494DF}">
-              <a14:hiddenLine xmlns:a14="http://schemas.microsoft.com/office/drawing/2010/main" w="9525">
+              <a14:hiddenLine xmlns:a14="http://schemas.microsoft.com/office/drawing/2010/main" xmlns="" w="9525">
                 <a:solidFill>
                   <a:srgbClr val="000000"/>
                 </a:solidFill>
@@ -9831,13 +9699,8 @@
             </a:pPr>
             <a:r>
               <a:rPr lang="en-US" dirty="0"/>
-              <a:t>Section </a:t>
-            </a:r>
-            <a:r>
-              <a:rPr lang="en-US" dirty="0" smtClean="0"/>
-              <a:t>5.1.1.1</a:t>
-            </a:r>
-            <a:endParaRPr lang="en-US" dirty="0"/>
+              <a:t>Section 5.1.1.1</a:t>
+            </a:r>
           </a:p>
         </p:txBody>
       </p:sp>
@@ -9881,14 +9744,14 @@
           <a:ln/>
           <a:extLst>
             <a:ext uri="{909E8E84-426E-40dd-AFC4-6F175D3DCCD1}">
-              <a14:hiddenFill xmlns:a14="http://schemas.microsoft.com/office/drawing/2010/main">
+              <a14:hiddenFill xmlns:a14="http://schemas.microsoft.com/office/drawing/2010/main" xmlns="">
                 <a:solidFill>
                   <a:srgbClr val="FFFFFF"/>
                 </a:solidFill>
               </a14:hiddenFill>
             </a:ext>
             <a:ext uri="{91240B29-F687-4f45-9708-019B960494DF}">
-              <a14:hiddenLine xmlns:a14="http://schemas.microsoft.com/office/drawing/2010/main" w="9525">
+              <a14:hiddenLine xmlns:a14="http://schemas.microsoft.com/office/drawing/2010/main" xmlns="" w="9525">
                 <a:solidFill>
                   <a:srgbClr val="000000"/>
                 </a:solidFill>
@@ -10060,14 +9923,14 @@
           <a:ln/>
           <a:extLst>
             <a:ext uri="{909E8E84-426E-40dd-AFC4-6F175D3DCCD1}">
-              <a14:hiddenFill xmlns:a14="http://schemas.microsoft.com/office/drawing/2010/main">
+              <a14:hiddenFill xmlns:a14="http://schemas.microsoft.com/office/drawing/2010/main" xmlns="">
                 <a:solidFill>
                   <a:srgbClr val="FFFFFF"/>
                 </a:solidFill>
               </a14:hiddenFill>
             </a:ext>
             <a:ext uri="{91240B29-F687-4f45-9708-019B960494DF}">
-              <a14:hiddenLine xmlns:a14="http://schemas.microsoft.com/office/drawing/2010/main" w="9525">
+              <a14:hiddenLine xmlns:a14="http://schemas.microsoft.com/office/drawing/2010/main" xmlns="" w="9525">
                 <a:solidFill>
                   <a:srgbClr val="000000"/>
                 </a:solidFill>
@@ -10091,13 +9954,8 @@
             </a:pPr>
             <a:r>
               <a:rPr lang="en-US" dirty="0"/>
-              <a:t>Section </a:t>
-            </a:r>
-            <a:r>
-              <a:rPr lang="en-US" dirty="0" smtClean="0"/>
-              <a:t>5.1.1.2</a:t>
-            </a:r>
-            <a:endParaRPr lang="en-US" dirty="0"/>
+              <a:t>Section 5.1.1.2</a:t>
+            </a:r>
           </a:p>
         </p:txBody>
       </p:sp>
@@ -10141,14 +9999,14 @@
           <a:ln/>
           <a:extLst>
             <a:ext uri="{909E8E84-426E-40dd-AFC4-6F175D3DCCD1}">
-              <a14:hiddenFill xmlns:a14="http://schemas.microsoft.com/office/drawing/2010/main">
+              <a14:hiddenFill xmlns:a14="http://schemas.microsoft.com/office/drawing/2010/main" xmlns="">
                 <a:solidFill>
                   <a:srgbClr val="FFFFFF"/>
                 </a:solidFill>
               </a14:hiddenFill>
             </a:ext>
             <a:ext uri="{91240B29-F687-4f45-9708-019B960494DF}">
-              <a14:hiddenLine xmlns:a14="http://schemas.microsoft.com/office/drawing/2010/main" w="9525">
+              <a14:hiddenLine xmlns:a14="http://schemas.microsoft.com/office/drawing/2010/main" xmlns="" w="9525">
                 <a:solidFill>
                   <a:srgbClr val="000000"/>
                 </a:solidFill>
@@ -10320,14 +10178,14 @@
           <a:ln/>
           <a:extLst>
             <a:ext uri="{909E8E84-426E-40dd-AFC4-6F175D3DCCD1}">
-              <a14:hiddenFill xmlns:a14="http://schemas.microsoft.com/office/drawing/2010/main">
+              <a14:hiddenFill xmlns:a14="http://schemas.microsoft.com/office/drawing/2010/main" xmlns="">
                 <a:solidFill>
                   <a:srgbClr val="FFFFFF"/>
                 </a:solidFill>
               </a14:hiddenFill>
             </a:ext>
             <a:ext uri="{91240B29-F687-4f45-9708-019B960494DF}">
-              <a14:hiddenLine xmlns:a14="http://schemas.microsoft.com/office/drawing/2010/main" w="9525">
+              <a14:hiddenLine xmlns:a14="http://schemas.microsoft.com/office/drawing/2010/main" xmlns="" w="9525">
                 <a:solidFill>
                   <a:srgbClr val="000000"/>
                 </a:solidFill>
@@ -10351,13 +10209,8 @@
             </a:pPr>
             <a:r>
               <a:rPr lang="en-US" dirty="0"/>
-              <a:t>Section </a:t>
-            </a:r>
-            <a:r>
-              <a:rPr lang="en-US" dirty="0" smtClean="0"/>
-              <a:t>5.1.1.2</a:t>
-            </a:r>
-            <a:endParaRPr lang="en-US" dirty="0"/>
+              <a:t>Section 5.1.1.2</a:t>
+            </a:r>
           </a:p>
         </p:txBody>
       </p:sp>
@@ -10401,14 +10254,14 @@
           <a:ln/>
           <a:extLst>
             <a:ext uri="{909E8E84-426E-40dd-AFC4-6F175D3DCCD1}">
-              <a14:hiddenFill xmlns:a14="http://schemas.microsoft.com/office/drawing/2010/main">
+              <a14:hiddenFill xmlns:a14="http://schemas.microsoft.com/office/drawing/2010/main" xmlns="">
                 <a:solidFill>
                   <a:srgbClr val="FFFFFF"/>
                 </a:solidFill>
               </a14:hiddenFill>
             </a:ext>
             <a:ext uri="{91240B29-F687-4f45-9708-019B960494DF}">
-              <a14:hiddenLine xmlns:a14="http://schemas.microsoft.com/office/drawing/2010/main" w="9525">
+              <a14:hiddenLine xmlns:a14="http://schemas.microsoft.com/office/drawing/2010/main" xmlns="" w="9525">
                 <a:solidFill>
                   <a:srgbClr val="000000"/>
                 </a:solidFill>
@@ -10580,14 +10433,14 @@
           <a:ln/>
           <a:extLst>
             <a:ext uri="{909E8E84-426E-40dd-AFC4-6F175D3DCCD1}">
-              <a14:hiddenFill xmlns:a14="http://schemas.microsoft.com/office/drawing/2010/main">
+              <a14:hiddenFill xmlns:a14="http://schemas.microsoft.com/office/drawing/2010/main" xmlns="">
                 <a:solidFill>
                   <a:srgbClr val="FFFFFF"/>
                 </a:solidFill>
               </a14:hiddenFill>
             </a:ext>
             <a:ext uri="{91240B29-F687-4f45-9708-019B960494DF}">
-              <a14:hiddenLine xmlns:a14="http://schemas.microsoft.com/office/drawing/2010/main" w="9525">
+              <a14:hiddenLine xmlns:a14="http://schemas.microsoft.com/office/drawing/2010/main" xmlns="" w="9525">
                 <a:solidFill>
                   <a:srgbClr val="000000"/>
                 </a:solidFill>
@@ -10611,13 +10464,8 @@
             </a:pPr>
             <a:r>
               <a:rPr lang="en-US" dirty="0"/>
-              <a:t>Section </a:t>
-            </a:r>
-            <a:r>
-              <a:rPr lang="en-US" dirty="0" smtClean="0"/>
-              <a:t>5.1.1.3</a:t>
-            </a:r>
-            <a:endParaRPr lang="en-US" dirty="0"/>
+              <a:t>Section 5.1.1.3</a:t>
+            </a:r>
           </a:p>
         </p:txBody>
       </p:sp>
@@ -10661,14 +10509,14 @@
           <a:ln/>
           <a:extLst>
             <a:ext uri="{909E8E84-426E-40dd-AFC4-6F175D3DCCD1}">
-              <a14:hiddenFill xmlns:a14="http://schemas.microsoft.com/office/drawing/2010/main">
+              <a14:hiddenFill xmlns:a14="http://schemas.microsoft.com/office/drawing/2010/main" xmlns="">
                 <a:solidFill>
                   <a:srgbClr val="FFFFFF"/>
                 </a:solidFill>
               </a14:hiddenFill>
             </a:ext>
             <a:ext uri="{91240B29-F687-4f45-9708-019B960494DF}">
-              <a14:hiddenLine xmlns:a14="http://schemas.microsoft.com/office/drawing/2010/main" w="9525">
+              <a14:hiddenLine xmlns:a14="http://schemas.microsoft.com/office/drawing/2010/main" xmlns="" w="9525">
                 <a:solidFill>
                   <a:srgbClr val="000000"/>
                 </a:solidFill>
@@ -10840,14 +10688,14 @@
           <a:ln/>
           <a:extLst>
             <a:ext uri="{909E8E84-426E-40dd-AFC4-6F175D3DCCD1}">
-              <a14:hiddenFill xmlns:a14="http://schemas.microsoft.com/office/drawing/2010/main">
+              <a14:hiddenFill xmlns:a14="http://schemas.microsoft.com/office/drawing/2010/main" xmlns="">
                 <a:solidFill>
                   <a:srgbClr val="FFFFFF"/>
                 </a:solidFill>
               </a14:hiddenFill>
             </a:ext>
             <a:ext uri="{91240B29-F687-4f45-9708-019B960494DF}">
-              <a14:hiddenLine xmlns:a14="http://schemas.microsoft.com/office/drawing/2010/main" w="9525">
+              <a14:hiddenLine xmlns:a14="http://schemas.microsoft.com/office/drawing/2010/main" xmlns="" w="9525">
                 <a:solidFill>
                   <a:srgbClr val="000000"/>
                 </a:solidFill>
@@ -10871,13 +10719,8 @@
             </a:pPr>
             <a:r>
               <a:rPr lang="en-US" dirty="0"/>
-              <a:t>Section </a:t>
-            </a:r>
-            <a:r>
-              <a:rPr lang="en-US" dirty="0" smtClean="0"/>
-              <a:t>5.1.1.3</a:t>
-            </a:r>
-            <a:endParaRPr lang="en-US" dirty="0"/>
+              <a:t>Section 5.1.1.3</a:t>
+            </a:r>
           </a:p>
         </p:txBody>
       </p:sp>
@@ -10941,14 +10784,14 @@
           </a:ln>
           <a:extLst>
             <a:ext uri="{909E8E84-426E-40dd-AFC4-6F175D3DCCD1}">
-              <a14:hiddenFill xmlns:a14="http://schemas.microsoft.com/office/drawing/2010/main">
+              <a14:hiddenFill xmlns:a14="http://schemas.microsoft.com/office/drawing/2010/main" xmlns="">
                 <a:solidFill>
                   <a:srgbClr val="FFFFFF"/>
                 </a:solidFill>
               </a14:hiddenFill>
             </a:ext>
             <a:ext uri="{91240B29-F687-4f45-9708-019B960494DF}">
-              <a14:hiddenLine xmlns:a14="http://schemas.microsoft.com/office/drawing/2010/main" w="9525">
+              <a14:hiddenLine xmlns:a14="http://schemas.microsoft.com/office/drawing/2010/main" xmlns="" w="9525">
                 <a:solidFill>
                   <a:srgbClr val="000000"/>
                 </a:solidFill>
@@ -10982,14 +10825,14 @@
           </a:ln>
           <a:extLst>
             <a:ext uri="{909E8E84-426E-40dd-AFC4-6F175D3DCCD1}">
-              <a14:hiddenFill xmlns:a14="http://schemas.microsoft.com/office/drawing/2010/main">
+              <a14:hiddenFill xmlns:a14="http://schemas.microsoft.com/office/drawing/2010/main" xmlns="">
                 <a:solidFill>
                   <a:srgbClr val="FFFFFF"/>
                 </a:solidFill>
               </a14:hiddenFill>
             </a:ext>
             <a:ext uri="{91240B29-F687-4f45-9708-019B960494DF}">
-              <a14:hiddenLine xmlns:a14="http://schemas.microsoft.com/office/drawing/2010/main" w="9525">
+              <a14:hiddenLine xmlns:a14="http://schemas.microsoft.com/office/drawing/2010/main" xmlns="" w="9525">
                 <a:solidFill>
                   <a:srgbClr val="000000"/>
                 </a:solidFill>
@@ -11044,14 +10887,14 @@
           </a:ln>
           <a:extLst>
             <a:ext uri="{909E8E84-426E-40dd-AFC4-6F175D3DCCD1}">
-              <a14:hiddenFill xmlns:a14="http://schemas.microsoft.com/office/drawing/2010/main">
+              <a14:hiddenFill xmlns:a14="http://schemas.microsoft.com/office/drawing/2010/main" xmlns="">
                 <a:solidFill>
                   <a:srgbClr val="FFFFFF"/>
                 </a:solidFill>
               </a14:hiddenFill>
             </a:ext>
             <a:ext uri="{91240B29-F687-4f45-9708-019B960494DF}">
-              <a14:hiddenLine xmlns:a14="http://schemas.microsoft.com/office/drawing/2010/main" w="9525">
+              <a14:hiddenLine xmlns:a14="http://schemas.microsoft.com/office/drawing/2010/main" xmlns="" w="9525">
                 <a:solidFill>
                   <a:srgbClr val="000000"/>
                 </a:solidFill>
@@ -11106,14 +10949,14 @@
           </a:ln>
           <a:extLst>
             <a:ext uri="{909E8E84-426E-40dd-AFC4-6F175D3DCCD1}">
-              <a14:hiddenFill xmlns:a14="http://schemas.microsoft.com/office/drawing/2010/main">
+              <a14:hiddenFill xmlns:a14="http://schemas.microsoft.com/office/drawing/2010/main" xmlns="">
                 <a:solidFill>
                   <a:srgbClr val="FFFFFF"/>
                 </a:solidFill>
               </a14:hiddenFill>
             </a:ext>
             <a:ext uri="{91240B29-F687-4f45-9708-019B960494DF}">
-              <a14:hiddenLine xmlns:a14="http://schemas.microsoft.com/office/drawing/2010/main" w="9525">
+              <a14:hiddenLine xmlns:a14="http://schemas.microsoft.com/office/drawing/2010/main" xmlns="" w="9525">
                 <a:solidFill>
                   <a:srgbClr val="000000"/>
                 </a:solidFill>
@@ -11183,14 +11026,14 @@
           </a:ln>
           <a:extLst>
             <a:ext uri="{909E8E84-426E-40dd-AFC4-6F175D3DCCD1}">
-              <a14:hiddenFill xmlns:a14="http://schemas.microsoft.com/office/drawing/2010/main">
+              <a14:hiddenFill xmlns:a14="http://schemas.microsoft.com/office/drawing/2010/main" xmlns="">
                 <a:solidFill>
                   <a:srgbClr val="FFFFFF"/>
                 </a:solidFill>
               </a14:hiddenFill>
             </a:ext>
             <a:ext uri="{91240B29-F687-4f45-9708-019B960494DF}">
-              <a14:hiddenLine xmlns:a14="http://schemas.microsoft.com/office/drawing/2010/main" w="9525">
+              <a14:hiddenLine xmlns:a14="http://schemas.microsoft.com/office/drawing/2010/main" xmlns="" w="9525">
                 <a:solidFill>
                   <a:srgbClr val="000000"/>
                 </a:solidFill>
@@ -11268,14 +11111,14 @@
           </a:ln>
           <a:extLst>
             <a:ext uri="{909E8E84-426E-40dd-AFC4-6F175D3DCCD1}">
-              <a14:hiddenFill xmlns:a14="http://schemas.microsoft.com/office/drawing/2010/main">
+              <a14:hiddenFill xmlns:a14="http://schemas.microsoft.com/office/drawing/2010/main" xmlns="">
                 <a:solidFill>
                   <a:srgbClr val="FFFFFF"/>
                 </a:solidFill>
               </a14:hiddenFill>
             </a:ext>
             <a:ext uri="{91240B29-F687-4f45-9708-019B960494DF}">
-              <a14:hiddenLine xmlns:a14="http://schemas.microsoft.com/office/drawing/2010/main" w="9525">
+              <a14:hiddenLine xmlns:a14="http://schemas.microsoft.com/office/drawing/2010/main" xmlns="" w="9525">
                 <a:solidFill>
                   <a:srgbClr val="000000"/>
                 </a:solidFill>
@@ -11322,14 +11165,14 @@
           </a:ln>
           <a:extLst>
             <a:ext uri="{909E8E84-426E-40dd-AFC4-6F175D3DCCD1}">
-              <a14:hiddenFill xmlns:a14="http://schemas.microsoft.com/office/drawing/2010/main">
+              <a14:hiddenFill xmlns:a14="http://schemas.microsoft.com/office/drawing/2010/main" xmlns="">
                 <a:solidFill>
                   <a:srgbClr val="FFFFFF"/>
                 </a:solidFill>
               </a14:hiddenFill>
             </a:ext>
             <a:ext uri="{91240B29-F687-4f45-9708-019B960494DF}">
-              <a14:hiddenLine xmlns:a14="http://schemas.microsoft.com/office/drawing/2010/main" w="9525">
+              <a14:hiddenLine xmlns:a14="http://schemas.microsoft.com/office/drawing/2010/main" xmlns="" w="9525">
                 <a:solidFill>
                   <a:srgbClr val="000000"/>
                 </a:solidFill>
@@ -11464,10 +11307,9 @@
           <a:lstStyle/>
           <a:p>
             <a:r>
-              <a:rPr lang="en-US" smtClean="0"/>
+              <a:rPr lang="en-US"/>
               <a:t>Click to edit Master title style</a:t>
             </a:r>
-            <a:endParaRPr lang="en-US"/>
           </a:p>
         </p:txBody>
       </p:sp>
@@ -11488,38 +11330,37 @@
           <a:p>
             <a:pPr lvl="0"/>
             <a:r>
-              <a:rPr lang="en-US" smtClean="0"/>
+              <a:rPr lang="en-US"/>
               <a:t>Click to edit Master text styles</a:t>
             </a:r>
           </a:p>
           <a:p>
             <a:pPr lvl="1"/>
             <a:r>
-              <a:rPr lang="en-US" smtClean="0"/>
+              <a:rPr lang="en-US"/>
               <a:t>Second level</a:t>
             </a:r>
           </a:p>
           <a:p>
             <a:pPr lvl="2"/>
             <a:r>
-              <a:rPr lang="en-US" smtClean="0"/>
+              <a:rPr lang="en-US"/>
               <a:t>Third level</a:t>
             </a:r>
           </a:p>
           <a:p>
             <a:pPr lvl="3"/>
             <a:r>
-              <a:rPr lang="en-US" smtClean="0"/>
+              <a:rPr lang="en-US"/>
               <a:t>Fourth level</a:t>
             </a:r>
           </a:p>
           <a:p>
             <a:pPr lvl="4"/>
             <a:r>
-              <a:rPr lang="en-US" smtClean="0"/>
+              <a:rPr lang="en-US"/>
               <a:t>Fifth level</a:t>
             </a:r>
-            <a:endParaRPr lang="en-US"/>
           </a:p>
         </p:txBody>
       </p:sp>
@@ -11574,10 +11415,9 @@
           <a:lstStyle/>
           <a:p>
             <a:r>
-              <a:rPr lang="en-US" smtClean="0"/>
+              <a:rPr lang="en-US"/>
               <a:t>Click to edit Master title style</a:t>
             </a:r>
-            <a:endParaRPr lang="en-US"/>
           </a:p>
         </p:txBody>
       </p:sp>
@@ -11603,38 +11443,37 @@
           <a:p>
             <a:pPr lvl="0"/>
             <a:r>
-              <a:rPr lang="en-US" smtClean="0"/>
+              <a:rPr lang="en-US"/>
               <a:t>Click to edit Master text styles</a:t>
             </a:r>
           </a:p>
           <a:p>
             <a:pPr lvl="1"/>
             <a:r>
-              <a:rPr lang="en-US" smtClean="0"/>
+              <a:rPr lang="en-US"/>
               <a:t>Second level</a:t>
             </a:r>
           </a:p>
           <a:p>
             <a:pPr lvl="2"/>
             <a:r>
-              <a:rPr lang="en-US" smtClean="0"/>
+              <a:rPr lang="en-US"/>
               <a:t>Third level</a:t>
             </a:r>
           </a:p>
           <a:p>
             <a:pPr lvl="3"/>
             <a:r>
-              <a:rPr lang="en-US" smtClean="0"/>
+              <a:rPr lang="en-US"/>
               <a:t>Fourth level</a:t>
             </a:r>
           </a:p>
           <a:p>
             <a:pPr lvl="4"/>
             <a:r>
-              <a:rPr lang="en-US" smtClean="0"/>
+              <a:rPr lang="en-US"/>
               <a:t>Fifth level</a:t>
             </a:r>
-            <a:endParaRPr lang="en-US"/>
           </a:p>
         </p:txBody>
       </p:sp>
@@ -11689,10 +11528,9 @@
           <a:lstStyle/>
           <a:p>
             <a:r>
-              <a:rPr lang="en-US" smtClean="0"/>
+              <a:rPr lang="en-US"/>
               <a:t>Click to edit Master title style</a:t>
             </a:r>
-            <a:endParaRPr lang="en-US"/>
           </a:p>
         </p:txBody>
       </p:sp>
@@ -11717,7 +11555,7 @@
           <a:lstStyle/>
           <a:p>
             <a:pPr lvl="0"/>
-            <a:endParaRPr lang="en-US" noProof="0" dirty="0" smtClean="0"/>
+            <a:endParaRPr lang="en-US" noProof="0" dirty="0"/>
           </a:p>
         </p:txBody>
       </p:sp>
@@ -11786,14 +11624,14 @@
           </a:ln>
           <a:extLst>
             <a:ext uri="{909E8E84-426E-40dd-AFC4-6F175D3DCCD1}">
-              <a14:hiddenFill xmlns:a14="http://schemas.microsoft.com/office/drawing/2010/main">
+              <a14:hiddenFill xmlns:a14="http://schemas.microsoft.com/office/drawing/2010/main" xmlns="">
                 <a:solidFill>
                   <a:srgbClr val="FFFFFF"/>
                 </a:solidFill>
               </a14:hiddenFill>
             </a:ext>
             <a:ext uri="{91240B29-F687-4f45-9708-019B960494DF}">
-              <a14:hiddenLine xmlns:a14="http://schemas.microsoft.com/office/drawing/2010/main" w="9525">
+              <a14:hiddenLine xmlns:a14="http://schemas.microsoft.com/office/drawing/2010/main" xmlns="" w="9525">
                 <a:solidFill>
                   <a:srgbClr val="000000"/>
                 </a:solidFill>
@@ -11827,14 +11665,14 @@
           </a:ln>
           <a:extLst>
             <a:ext uri="{909E8E84-426E-40dd-AFC4-6F175D3DCCD1}">
-              <a14:hiddenFill xmlns:a14="http://schemas.microsoft.com/office/drawing/2010/main">
+              <a14:hiddenFill xmlns:a14="http://schemas.microsoft.com/office/drawing/2010/main" xmlns="">
                 <a:solidFill>
                   <a:srgbClr val="FFFFFF"/>
                 </a:solidFill>
               </a14:hiddenFill>
             </a:ext>
             <a:ext uri="{91240B29-F687-4f45-9708-019B960494DF}">
-              <a14:hiddenLine xmlns:a14="http://schemas.microsoft.com/office/drawing/2010/main" w="9525">
+              <a14:hiddenLine xmlns:a14="http://schemas.microsoft.com/office/drawing/2010/main" xmlns="" w="9525">
                 <a:solidFill>
                   <a:srgbClr val="000000"/>
                 </a:solidFill>
@@ -11889,14 +11727,14 @@
           </a:ln>
           <a:extLst>
             <a:ext uri="{909E8E84-426E-40dd-AFC4-6F175D3DCCD1}">
-              <a14:hiddenFill xmlns:a14="http://schemas.microsoft.com/office/drawing/2010/main">
+              <a14:hiddenFill xmlns:a14="http://schemas.microsoft.com/office/drawing/2010/main" xmlns="">
                 <a:solidFill>
                   <a:srgbClr val="FFFFFF"/>
                 </a:solidFill>
               </a14:hiddenFill>
             </a:ext>
             <a:ext uri="{91240B29-F687-4f45-9708-019B960494DF}">
-              <a14:hiddenLine xmlns:a14="http://schemas.microsoft.com/office/drawing/2010/main" w="9525">
+              <a14:hiddenLine xmlns:a14="http://schemas.microsoft.com/office/drawing/2010/main" xmlns="" w="9525">
                 <a:solidFill>
                   <a:srgbClr val="000000"/>
                 </a:solidFill>
@@ -11951,14 +11789,14 @@
           </a:ln>
           <a:extLst>
             <a:ext uri="{909E8E84-426E-40dd-AFC4-6F175D3DCCD1}">
-              <a14:hiddenFill xmlns:a14="http://schemas.microsoft.com/office/drawing/2010/main">
+              <a14:hiddenFill xmlns:a14="http://schemas.microsoft.com/office/drawing/2010/main" xmlns="">
                 <a:solidFill>
                   <a:srgbClr val="FFFFFF"/>
                 </a:solidFill>
               </a14:hiddenFill>
             </a:ext>
             <a:ext uri="{91240B29-F687-4f45-9708-019B960494DF}">
-              <a14:hiddenLine xmlns:a14="http://schemas.microsoft.com/office/drawing/2010/main" w="9525">
+              <a14:hiddenLine xmlns:a14="http://schemas.microsoft.com/office/drawing/2010/main" xmlns="" w="9525">
                 <a:solidFill>
                   <a:srgbClr val="000000"/>
                 </a:solidFill>
@@ -12013,14 +11851,14 @@
           </a:ln>
           <a:extLst>
             <a:ext uri="{909E8E84-426E-40dd-AFC4-6F175D3DCCD1}">
-              <a14:hiddenFill xmlns:a14="http://schemas.microsoft.com/office/drawing/2010/main">
+              <a14:hiddenFill xmlns:a14="http://schemas.microsoft.com/office/drawing/2010/main" xmlns="">
                 <a:solidFill>
                   <a:srgbClr val="FFFFFF"/>
                 </a:solidFill>
               </a14:hiddenFill>
             </a:ext>
             <a:ext uri="{91240B29-F687-4f45-9708-019B960494DF}">
-              <a14:hiddenLine xmlns:a14="http://schemas.microsoft.com/office/drawing/2010/main" w="9525">
+              <a14:hiddenLine xmlns:a14="http://schemas.microsoft.com/office/drawing/2010/main" xmlns="" w="9525">
                 <a:solidFill>
                   <a:srgbClr val="000000"/>
                 </a:solidFill>
@@ -12098,14 +11936,14 @@
           </a:ln>
           <a:extLst>
             <a:ext uri="{909E8E84-426E-40dd-AFC4-6F175D3DCCD1}">
-              <a14:hiddenFill xmlns:a14="http://schemas.microsoft.com/office/drawing/2010/main">
+              <a14:hiddenFill xmlns:a14="http://schemas.microsoft.com/office/drawing/2010/main" xmlns="">
                 <a:solidFill>
                   <a:srgbClr val="FFFFFF"/>
                 </a:solidFill>
               </a14:hiddenFill>
             </a:ext>
             <a:ext uri="{91240B29-F687-4f45-9708-019B960494DF}">
-              <a14:hiddenLine xmlns:a14="http://schemas.microsoft.com/office/drawing/2010/main" w="9525">
+              <a14:hiddenLine xmlns:a14="http://schemas.microsoft.com/office/drawing/2010/main" xmlns="" w="9525">
                 <a:solidFill>
                   <a:srgbClr val="000000"/>
                 </a:solidFill>
@@ -12152,14 +11990,14 @@
           </a:ln>
           <a:extLst>
             <a:ext uri="{909E8E84-426E-40dd-AFC4-6F175D3DCCD1}">
-              <a14:hiddenFill xmlns:a14="http://schemas.microsoft.com/office/drawing/2010/main">
+              <a14:hiddenFill xmlns:a14="http://schemas.microsoft.com/office/drawing/2010/main" xmlns="">
                 <a:solidFill>
                   <a:srgbClr val="FFFFFF"/>
                 </a:solidFill>
               </a14:hiddenFill>
             </a:ext>
             <a:ext uri="{91240B29-F687-4f45-9708-019B960494DF}">
-              <a14:hiddenLine xmlns:a14="http://schemas.microsoft.com/office/drawing/2010/main" w="9525">
+              <a14:hiddenLine xmlns:a14="http://schemas.microsoft.com/office/drawing/2010/main" xmlns="" w="9525">
                 <a:solidFill>
                   <a:srgbClr val="000000"/>
                 </a:solidFill>
@@ -12201,10 +12039,9 @@
           </a:lstStyle>
           <a:p>
             <a:r>
-              <a:rPr lang="en-US" smtClean="0"/>
+              <a:rPr lang="en-US"/>
               <a:t>Click to edit Master title style</a:t>
             </a:r>
-            <a:endParaRPr lang="en-US"/>
           </a:p>
         </p:txBody>
       </p:sp>
@@ -12243,10 +12080,9 @@
           </a:lstStyle>
           <a:p>
             <a:r>
-              <a:rPr lang="en-US" smtClean="0"/>
+              <a:rPr lang="en-US"/>
               <a:t>Click to edit Master subtitle style</a:t>
             </a:r>
-            <a:endParaRPr lang="en-US"/>
           </a:p>
         </p:txBody>
       </p:sp>
@@ -12296,10 +12132,9 @@
           <a:lstStyle/>
           <a:p>
             <a:r>
-              <a:rPr lang="en-US" dirty="0" smtClean="0"/>
+              <a:rPr lang="en-US" dirty="0"/>
               <a:t>Click to edit Master title style</a:t>
             </a:r>
-            <a:endParaRPr lang="en-US" dirty="0"/>
           </a:p>
         </p:txBody>
       </p:sp>
@@ -12320,38 +12155,37 @@
           <a:p>
             <a:pPr lvl="0"/>
             <a:r>
-              <a:rPr lang="en-US" smtClean="0"/>
+              <a:rPr lang="en-US"/>
               <a:t>Click to edit Master text styles</a:t>
             </a:r>
           </a:p>
           <a:p>
             <a:pPr lvl="1"/>
             <a:r>
-              <a:rPr lang="en-US" smtClean="0"/>
+              <a:rPr lang="en-US"/>
               <a:t>Second level</a:t>
             </a:r>
           </a:p>
           <a:p>
             <a:pPr lvl="2"/>
             <a:r>
-              <a:rPr lang="en-US" smtClean="0"/>
+              <a:rPr lang="en-US"/>
               <a:t>Third level</a:t>
             </a:r>
           </a:p>
           <a:p>
             <a:pPr lvl="3"/>
             <a:r>
-              <a:rPr lang="en-US" smtClean="0"/>
+              <a:rPr lang="en-US"/>
               <a:t>Fourth level</a:t>
             </a:r>
           </a:p>
           <a:p>
             <a:pPr lvl="4"/>
             <a:r>
-              <a:rPr lang="en-US" smtClean="0"/>
+              <a:rPr lang="en-US"/>
               <a:t>Fifth level</a:t>
             </a:r>
-            <a:endParaRPr lang="en-US"/>
           </a:p>
         </p:txBody>
       </p:sp>
@@ -12410,10 +12244,9 @@
           </a:lstStyle>
           <a:p>
             <a:r>
-              <a:rPr lang="en-US" smtClean="0"/>
+              <a:rPr lang="en-US"/>
               <a:t>Click to edit Master title style</a:t>
             </a:r>
-            <a:endParaRPr lang="en-US"/>
           </a:p>
         </p:txBody>
       </p:sp>
@@ -12476,7 +12309,7 @@
           <a:p>
             <a:pPr lvl="0"/>
             <a:r>
-              <a:rPr lang="en-US" smtClean="0"/>
+              <a:rPr lang="en-US"/>
               <a:t>Click to edit Master text styles</a:t>
             </a:r>
           </a:p>
@@ -12528,10 +12361,9 @@
           <a:lstStyle/>
           <a:p>
             <a:r>
-              <a:rPr lang="en-US" smtClean="0"/>
+              <a:rPr lang="en-US"/>
               <a:t>Click to edit Master title style</a:t>
             </a:r>
-            <a:endParaRPr lang="en-US"/>
           </a:p>
         </p:txBody>
       </p:sp>
@@ -12585,38 +12417,37 @@
           <a:p>
             <a:pPr lvl="0"/>
             <a:r>
-              <a:rPr lang="en-US" smtClean="0"/>
+              <a:rPr lang="en-US"/>
               <a:t>Click to edit Master text styles</a:t>
             </a:r>
           </a:p>
           <a:p>
             <a:pPr lvl="1"/>
             <a:r>
-              <a:rPr lang="en-US" smtClean="0"/>
+              <a:rPr lang="en-US"/>
               <a:t>Second level</a:t>
             </a:r>
           </a:p>
           <a:p>
             <a:pPr lvl="2"/>
             <a:r>
-              <a:rPr lang="en-US" smtClean="0"/>
+              <a:rPr lang="en-US"/>
               <a:t>Third level</a:t>
             </a:r>
           </a:p>
           <a:p>
             <a:pPr lvl="3"/>
             <a:r>
-              <a:rPr lang="en-US" smtClean="0"/>
+              <a:rPr lang="en-US"/>
               <a:t>Fourth level</a:t>
             </a:r>
           </a:p>
           <a:p>
             <a:pPr lvl="4"/>
             <a:r>
-              <a:rPr lang="en-US" smtClean="0"/>
+              <a:rPr lang="en-US"/>
               <a:t>Fifth level</a:t>
             </a:r>
-            <a:endParaRPr lang="en-US"/>
           </a:p>
         </p:txBody>
       </p:sp>
@@ -12670,38 +12501,37 @@
           <a:p>
             <a:pPr lvl="0"/>
             <a:r>
-              <a:rPr lang="en-US" smtClean="0"/>
+              <a:rPr lang="en-US"/>
               <a:t>Click to edit Master text styles</a:t>
             </a:r>
           </a:p>
           <a:p>
             <a:pPr lvl="1"/>
             <a:r>
-              <a:rPr lang="en-US" smtClean="0"/>
+              <a:rPr lang="en-US"/>
               <a:t>Second level</a:t>
             </a:r>
           </a:p>
           <a:p>
             <a:pPr lvl="2"/>
             <a:r>
-              <a:rPr lang="en-US" smtClean="0"/>
+              <a:rPr lang="en-US"/>
               <a:t>Third level</a:t>
             </a:r>
           </a:p>
           <a:p>
             <a:pPr lvl="3"/>
             <a:r>
-              <a:rPr lang="en-US" smtClean="0"/>
+              <a:rPr lang="en-US"/>
               <a:t>Fourth level</a:t>
             </a:r>
           </a:p>
           <a:p>
             <a:pPr lvl="4"/>
             <a:r>
-              <a:rPr lang="en-US" smtClean="0"/>
+              <a:rPr lang="en-US"/>
               <a:t>Fifth level</a:t>
             </a:r>
-            <a:endParaRPr lang="en-US"/>
           </a:p>
         </p:txBody>
       </p:sp>
@@ -12760,10 +12590,9 @@
           </a:lstStyle>
           <a:p>
             <a:r>
-              <a:rPr lang="en-US" smtClean="0"/>
+              <a:rPr lang="en-US"/>
               <a:t>Click to edit Master title style</a:t>
             </a:r>
-            <a:endParaRPr lang="en-US"/>
           </a:p>
         </p:txBody>
       </p:sp>
@@ -12826,7 +12655,7 @@
           <a:p>
             <a:pPr lvl="0"/>
             <a:r>
-              <a:rPr lang="en-US" smtClean="0"/>
+              <a:rPr lang="en-US"/>
               <a:t>Click to edit Master text styles</a:t>
             </a:r>
           </a:p>
@@ -12882,38 +12711,37 @@
           <a:p>
             <a:pPr lvl="0"/>
             <a:r>
-              <a:rPr lang="en-US" smtClean="0"/>
+              <a:rPr lang="en-US"/>
               <a:t>Click to edit Master text styles</a:t>
             </a:r>
           </a:p>
           <a:p>
             <a:pPr lvl="1"/>
             <a:r>
-              <a:rPr lang="en-US" smtClean="0"/>
+              <a:rPr lang="en-US"/>
               <a:t>Second level</a:t>
             </a:r>
           </a:p>
           <a:p>
             <a:pPr lvl="2"/>
             <a:r>
-              <a:rPr lang="en-US" smtClean="0"/>
+              <a:rPr lang="en-US"/>
               <a:t>Third level</a:t>
             </a:r>
           </a:p>
           <a:p>
             <a:pPr lvl="3"/>
             <a:r>
-              <a:rPr lang="en-US" smtClean="0"/>
+              <a:rPr lang="en-US"/>
               <a:t>Fourth level</a:t>
             </a:r>
           </a:p>
           <a:p>
             <a:pPr lvl="4"/>
             <a:r>
-              <a:rPr lang="en-US" smtClean="0"/>
+              <a:rPr lang="en-US"/>
               <a:t>Fifth level</a:t>
             </a:r>
-            <a:endParaRPr lang="en-US"/>
           </a:p>
         </p:txBody>
       </p:sp>
@@ -12976,7 +12804,7 @@
           <a:p>
             <a:pPr lvl="0"/>
             <a:r>
-              <a:rPr lang="en-US" smtClean="0"/>
+              <a:rPr lang="en-US"/>
               <a:t>Click to edit Master text styles</a:t>
             </a:r>
           </a:p>
@@ -13032,38 +12860,37 @@
           <a:p>
             <a:pPr lvl="0"/>
             <a:r>
-              <a:rPr lang="en-US" smtClean="0"/>
+              <a:rPr lang="en-US"/>
               <a:t>Click to edit Master text styles</a:t>
             </a:r>
           </a:p>
           <a:p>
             <a:pPr lvl="1"/>
             <a:r>
-              <a:rPr lang="en-US" smtClean="0"/>
+              <a:rPr lang="en-US"/>
               <a:t>Second level</a:t>
             </a:r>
           </a:p>
           <a:p>
             <a:pPr lvl="2"/>
             <a:r>
-              <a:rPr lang="en-US" smtClean="0"/>
+              <a:rPr lang="en-US"/>
               <a:t>Third level</a:t>
             </a:r>
           </a:p>
           <a:p>
             <a:pPr lvl="3"/>
             <a:r>
-              <a:rPr lang="en-US" smtClean="0"/>
+              <a:rPr lang="en-US"/>
               <a:t>Fourth level</a:t>
             </a:r>
           </a:p>
           <a:p>
             <a:pPr lvl="4"/>
             <a:r>
-              <a:rPr lang="en-US" smtClean="0"/>
+              <a:rPr lang="en-US"/>
               <a:t>Fifth level</a:t>
             </a:r>
-            <a:endParaRPr lang="en-US"/>
           </a:p>
         </p:txBody>
       </p:sp>
@@ -13113,10 +12940,9 @@
           <a:lstStyle/>
           <a:p>
             <a:r>
-              <a:rPr lang="en-US" smtClean="0"/>
+              <a:rPr lang="en-US"/>
               <a:t>Click to edit Master title style</a:t>
             </a:r>
-            <a:endParaRPr lang="en-US"/>
           </a:p>
         </p:txBody>
       </p:sp>
@@ -13201,10 +13027,9 @@
           <a:lstStyle/>
           <a:p>
             <a:r>
-              <a:rPr lang="en-US" smtClean="0"/>
+              <a:rPr lang="en-US"/>
               <a:t>Click to edit Master title style</a:t>
             </a:r>
-            <a:endParaRPr lang="en-US"/>
           </a:p>
         </p:txBody>
       </p:sp>
@@ -13230,38 +13055,37 @@
           <a:p>
             <a:pPr lvl="0"/>
             <a:r>
-              <a:rPr lang="en-US" smtClean="0"/>
+              <a:rPr lang="en-US"/>
               <a:t>Click to edit Master text styles</a:t>
             </a:r>
           </a:p>
           <a:p>
             <a:pPr lvl="1"/>
             <a:r>
-              <a:rPr lang="en-US" smtClean="0"/>
+              <a:rPr lang="en-US"/>
               <a:t>Second level</a:t>
             </a:r>
           </a:p>
           <a:p>
             <a:pPr lvl="2"/>
             <a:r>
-              <a:rPr lang="en-US" smtClean="0"/>
+              <a:rPr lang="en-US"/>
               <a:t>Third level</a:t>
             </a:r>
           </a:p>
           <a:p>
             <a:pPr lvl="3"/>
             <a:r>
-              <a:rPr lang="en-US" smtClean="0"/>
+              <a:rPr lang="en-US"/>
               <a:t>Fourth level</a:t>
             </a:r>
           </a:p>
           <a:p>
             <a:pPr lvl="4"/>
             <a:r>
-              <a:rPr lang="en-US" smtClean="0"/>
+              <a:rPr lang="en-US"/>
               <a:t>Fifth level</a:t>
             </a:r>
-            <a:endParaRPr lang="en-US"/>
           </a:p>
         </p:txBody>
       </p:sp>
@@ -13320,10 +13144,9 @@
           </a:lstStyle>
           <a:p>
             <a:r>
-              <a:rPr lang="en-US" smtClean="0"/>
+              <a:rPr lang="en-US"/>
               <a:t>Click to edit Master title style</a:t>
             </a:r>
-            <a:endParaRPr lang="en-US"/>
           </a:p>
         </p:txBody>
       </p:sp>
@@ -13377,38 +13200,37 @@
           <a:p>
             <a:pPr lvl="0"/>
             <a:r>
-              <a:rPr lang="en-US" smtClean="0"/>
+              <a:rPr lang="en-US"/>
               <a:t>Click to edit Master text styles</a:t>
             </a:r>
           </a:p>
           <a:p>
             <a:pPr lvl="1"/>
             <a:r>
-              <a:rPr lang="en-US" smtClean="0"/>
+              <a:rPr lang="en-US"/>
               <a:t>Second level</a:t>
             </a:r>
           </a:p>
           <a:p>
             <a:pPr lvl="2"/>
             <a:r>
-              <a:rPr lang="en-US" smtClean="0"/>
+              <a:rPr lang="en-US"/>
               <a:t>Third level</a:t>
             </a:r>
           </a:p>
           <a:p>
             <a:pPr lvl="3"/>
             <a:r>
-              <a:rPr lang="en-US" smtClean="0"/>
+              <a:rPr lang="en-US"/>
               <a:t>Fourth level</a:t>
             </a:r>
           </a:p>
           <a:p>
             <a:pPr lvl="4"/>
             <a:r>
-              <a:rPr lang="en-US" smtClean="0"/>
+              <a:rPr lang="en-US"/>
               <a:t>Fifth level</a:t>
             </a:r>
-            <a:endParaRPr lang="en-US"/>
           </a:p>
         </p:txBody>
       </p:sp>
@@ -13471,7 +13293,7 @@
           <a:p>
             <a:pPr lvl="0"/>
             <a:r>
-              <a:rPr lang="en-US" smtClean="0"/>
+              <a:rPr lang="en-US"/>
               <a:t>Click to edit Master text styles</a:t>
             </a:r>
           </a:p>
@@ -13532,10 +13354,9 @@
           </a:lstStyle>
           <a:p>
             <a:r>
-              <a:rPr lang="en-US" smtClean="0"/>
+              <a:rPr lang="en-US"/>
               <a:t>Click to edit Master title style</a:t>
             </a:r>
-            <a:endParaRPr lang="en-US"/>
           </a:p>
         </p:txBody>
       </p:sp>
@@ -13598,7 +13419,7 @@
           <a:p>
             <a:pPr lvl="0"/>
             <a:r>
-              <a:rPr lang="en-US" noProof="0" smtClean="0"/>
+              <a:rPr lang="en-US" noProof="0"/>
               <a:t>Click icon to add picture</a:t>
             </a:r>
           </a:p>
@@ -13663,7 +13484,7 @@
           <a:p>
             <a:pPr lvl="0"/>
             <a:r>
-              <a:rPr lang="en-US" smtClean="0"/>
+              <a:rPr lang="en-US"/>
               <a:t>Click to edit Master text styles</a:t>
             </a:r>
           </a:p>
@@ -13715,10 +13536,9 @@
           <a:lstStyle/>
           <a:p>
             <a:r>
-              <a:rPr lang="en-US" smtClean="0"/>
+              <a:rPr lang="en-US"/>
               <a:t>Click to edit Master title style</a:t>
             </a:r>
-            <a:endParaRPr lang="en-US"/>
           </a:p>
         </p:txBody>
       </p:sp>
@@ -13739,38 +13559,37 @@
           <a:p>
             <a:pPr lvl="0"/>
             <a:r>
-              <a:rPr lang="en-US" smtClean="0"/>
+              <a:rPr lang="en-US"/>
               <a:t>Click to edit Master text styles</a:t>
             </a:r>
           </a:p>
           <a:p>
             <a:pPr lvl="1"/>
             <a:r>
-              <a:rPr lang="en-US" smtClean="0"/>
+              <a:rPr lang="en-US"/>
               <a:t>Second level</a:t>
             </a:r>
           </a:p>
           <a:p>
             <a:pPr lvl="2"/>
             <a:r>
-              <a:rPr lang="en-US" smtClean="0"/>
+              <a:rPr lang="en-US"/>
               <a:t>Third level</a:t>
             </a:r>
           </a:p>
           <a:p>
             <a:pPr lvl="3"/>
             <a:r>
-              <a:rPr lang="en-US" smtClean="0"/>
+              <a:rPr lang="en-US"/>
               <a:t>Fourth level</a:t>
             </a:r>
           </a:p>
           <a:p>
             <a:pPr lvl="4"/>
             <a:r>
-              <a:rPr lang="en-US" smtClean="0"/>
+              <a:rPr lang="en-US"/>
               <a:t>Fifth level</a:t>
             </a:r>
-            <a:endParaRPr lang="en-US"/>
           </a:p>
         </p:txBody>
       </p:sp>
@@ -13825,10 +13644,9 @@
           <a:lstStyle/>
           <a:p>
             <a:r>
-              <a:rPr lang="en-US" smtClean="0"/>
+              <a:rPr lang="en-US"/>
               <a:t>Click to edit Master title style</a:t>
             </a:r>
-            <a:endParaRPr lang="en-US"/>
           </a:p>
         </p:txBody>
       </p:sp>
@@ -13854,38 +13672,37 @@
           <a:p>
             <a:pPr lvl="0"/>
             <a:r>
-              <a:rPr lang="en-US" smtClean="0"/>
+              <a:rPr lang="en-US"/>
               <a:t>Click to edit Master text styles</a:t>
             </a:r>
           </a:p>
           <a:p>
             <a:pPr lvl="1"/>
             <a:r>
-              <a:rPr lang="en-US" smtClean="0"/>
+              <a:rPr lang="en-US"/>
               <a:t>Second level</a:t>
             </a:r>
           </a:p>
           <a:p>
             <a:pPr lvl="2"/>
             <a:r>
-              <a:rPr lang="en-US" smtClean="0"/>
+              <a:rPr lang="en-US"/>
               <a:t>Third level</a:t>
             </a:r>
           </a:p>
           <a:p>
             <a:pPr lvl="3"/>
             <a:r>
-              <a:rPr lang="en-US" smtClean="0"/>
+              <a:rPr lang="en-US"/>
               <a:t>Fourth level</a:t>
             </a:r>
           </a:p>
           <a:p>
             <a:pPr lvl="4"/>
             <a:r>
-              <a:rPr lang="en-US" smtClean="0"/>
+              <a:rPr lang="en-US"/>
               <a:t>Fifth level</a:t>
             </a:r>
-            <a:endParaRPr lang="en-US"/>
           </a:p>
         </p:txBody>
       </p:sp>
@@ -13944,10 +13761,9 @@
           </a:lstStyle>
           <a:p>
             <a:r>
-              <a:rPr lang="en-US" smtClean="0"/>
+              <a:rPr lang="en-US"/>
               <a:t>Click to edit Master title style</a:t>
             </a:r>
-            <a:endParaRPr lang="en-US"/>
           </a:p>
         </p:txBody>
       </p:sp>
@@ -14010,7 +13826,7 @@
           <a:p>
             <a:pPr lvl="0"/>
             <a:r>
-              <a:rPr lang="en-US" smtClean="0"/>
+              <a:rPr lang="en-US"/>
               <a:t>Click to edit Master text styles</a:t>
             </a:r>
           </a:p>
@@ -14062,10 +13878,9 @@
           <a:lstStyle/>
           <a:p>
             <a:r>
-              <a:rPr lang="en-US" smtClean="0"/>
+              <a:rPr lang="en-US"/>
               <a:t>Click to edit Master title style</a:t>
             </a:r>
-            <a:endParaRPr lang="en-US"/>
           </a:p>
         </p:txBody>
       </p:sp>
@@ -14119,38 +13934,37 @@
           <a:p>
             <a:pPr lvl="0"/>
             <a:r>
-              <a:rPr lang="en-US" smtClean="0"/>
+              <a:rPr lang="en-US"/>
               <a:t>Click to edit Master text styles</a:t>
             </a:r>
           </a:p>
           <a:p>
             <a:pPr lvl="1"/>
             <a:r>
-              <a:rPr lang="en-US" smtClean="0"/>
+              <a:rPr lang="en-US"/>
               <a:t>Second level</a:t>
             </a:r>
           </a:p>
           <a:p>
             <a:pPr lvl="2"/>
             <a:r>
-              <a:rPr lang="en-US" smtClean="0"/>
+              <a:rPr lang="en-US"/>
               <a:t>Third level</a:t>
             </a:r>
           </a:p>
           <a:p>
             <a:pPr lvl="3"/>
             <a:r>
-              <a:rPr lang="en-US" smtClean="0"/>
+              <a:rPr lang="en-US"/>
               <a:t>Fourth level</a:t>
             </a:r>
           </a:p>
           <a:p>
             <a:pPr lvl="4"/>
             <a:r>
-              <a:rPr lang="en-US" smtClean="0"/>
+              <a:rPr lang="en-US"/>
               <a:t>Fifth level</a:t>
             </a:r>
-            <a:endParaRPr lang="en-US"/>
           </a:p>
         </p:txBody>
       </p:sp>
@@ -14204,38 +14018,37 @@
           <a:p>
             <a:pPr lvl="0"/>
             <a:r>
-              <a:rPr lang="en-US" smtClean="0"/>
+              <a:rPr lang="en-US"/>
               <a:t>Click to edit Master text styles</a:t>
             </a:r>
           </a:p>
           <a:p>
             <a:pPr lvl="1"/>
             <a:r>
-              <a:rPr lang="en-US" smtClean="0"/>
+              <a:rPr lang="en-US"/>
               <a:t>Second level</a:t>
             </a:r>
           </a:p>
           <a:p>
             <a:pPr lvl="2"/>
             <a:r>
-              <a:rPr lang="en-US" smtClean="0"/>
+              <a:rPr lang="en-US"/>
               <a:t>Third level</a:t>
             </a:r>
           </a:p>
           <a:p>
             <a:pPr lvl="3"/>
             <a:r>
-              <a:rPr lang="en-US" smtClean="0"/>
+              <a:rPr lang="en-US"/>
               <a:t>Fourth level</a:t>
             </a:r>
           </a:p>
           <a:p>
             <a:pPr lvl="4"/>
             <a:r>
-              <a:rPr lang="en-US" smtClean="0"/>
+              <a:rPr lang="en-US"/>
               <a:t>Fifth level</a:t>
             </a:r>
-            <a:endParaRPr lang="en-US"/>
           </a:p>
         </p:txBody>
       </p:sp>
@@ -14294,10 +14107,9 @@
           </a:lstStyle>
           <a:p>
             <a:r>
-              <a:rPr lang="en-US" smtClean="0"/>
+              <a:rPr lang="en-US"/>
               <a:t>Click to edit Master title style</a:t>
             </a:r>
-            <a:endParaRPr lang="en-US"/>
           </a:p>
         </p:txBody>
       </p:sp>
@@ -14360,7 +14172,7 @@
           <a:p>
             <a:pPr lvl="0"/>
             <a:r>
-              <a:rPr lang="en-US" smtClean="0"/>
+              <a:rPr lang="en-US"/>
               <a:t>Click to edit Master text styles</a:t>
             </a:r>
           </a:p>
@@ -14416,38 +14228,37 @@
           <a:p>
             <a:pPr lvl="0"/>
             <a:r>
-              <a:rPr lang="en-US" smtClean="0"/>
+              <a:rPr lang="en-US"/>
               <a:t>Click to edit Master text styles</a:t>
             </a:r>
           </a:p>
           <a:p>
             <a:pPr lvl="1"/>
             <a:r>
-              <a:rPr lang="en-US" smtClean="0"/>
+              <a:rPr lang="en-US"/>
               <a:t>Second level</a:t>
             </a:r>
           </a:p>
           <a:p>
             <a:pPr lvl="2"/>
             <a:r>
-              <a:rPr lang="en-US" smtClean="0"/>
+              <a:rPr lang="en-US"/>
               <a:t>Third level</a:t>
             </a:r>
           </a:p>
           <a:p>
             <a:pPr lvl="3"/>
             <a:r>
-              <a:rPr lang="en-US" smtClean="0"/>
+              <a:rPr lang="en-US"/>
               <a:t>Fourth level</a:t>
             </a:r>
           </a:p>
           <a:p>
             <a:pPr lvl="4"/>
             <a:r>
-              <a:rPr lang="en-US" smtClean="0"/>
+              <a:rPr lang="en-US"/>
               <a:t>Fifth level</a:t>
             </a:r>
-            <a:endParaRPr lang="en-US"/>
           </a:p>
         </p:txBody>
       </p:sp>
@@ -14510,7 +14321,7 @@
           <a:p>
             <a:pPr lvl="0"/>
             <a:r>
-              <a:rPr lang="en-US" smtClean="0"/>
+              <a:rPr lang="en-US"/>
               <a:t>Click to edit Master text styles</a:t>
             </a:r>
           </a:p>
@@ -14566,38 +14377,37 @@
           <a:p>
             <a:pPr lvl="0"/>
             <a:r>
-              <a:rPr lang="en-US" smtClean="0"/>
+              <a:rPr lang="en-US"/>
               <a:t>Click to edit Master text styles</a:t>
             </a:r>
           </a:p>
           <a:p>
             <a:pPr lvl="1"/>
             <a:r>
-              <a:rPr lang="en-US" smtClean="0"/>
+              <a:rPr lang="en-US"/>
               <a:t>Second level</a:t>
             </a:r>
           </a:p>
           <a:p>
             <a:pPr lvl="2"/>
             <a:r>
-              <a:rPr lang="en-US" smtClean="0"/>
+              <a:rPr lang="en-US"/>
               <a:t>Third level</a:t>
             </a:r>
           </a:p>
           <a:p>
             <a:pPr lvl="3"/>
             <a:r>
-              <a:rPr lang="en-US" smtClean="0"/>
+              <a:rPr lang="en-US"/>
               <a:t>Fourth level</a:t>
             </a:r>
           </a:p>
           <a:p>
             <a:pPr lvl="4"/>
             <a:r>
-              <a:rPr lang="en-US" smtClean="0"/>
+              <a:rPr lang="en-US"/>
               <a:t>Fifth level</a:t>
             </a:r>
-            <a:endParaRPr lang="en-US"/>
           </a:p>
         </p:txBody>
       </p:sp>
@@ -14647,10 +14457,9 @@
           <a:lstStyle/>
           <a:p>
             <a:r>
-              <a:rPr lang="en-US" smtClean="0"/>
+              <a:rPr lang="en-US"/>
               <a:t>Click to edit Master title style</a:t>
             </a:r>
-            <a:endParaRPr lang="en-US"/>
           </a:p>
         </p:txBody>
       </p:sp>
@@ -14739,10 +14548,9 @@
           </a:lstStyle>
           <a:p>
             <a:r>
-              <a:rPr lang="en-US" smtClean="0"/>
+              <a:rPr lang="en-US"/>
               <a:t>Click to edit Master title style</a:t>
             </a:r>
-            <a:endParaRPr lang="en-US"/>
           </a:p>
         </p:txBody>
       </p:sp>
@@ -14796,38 +14604,37 @@
           <a:p>
             <a:pPr lvl="0"/>
             <a:r>
-              <a:rPr lang="en-US" smtClean="0"/>
+              <a:rPr lang="en-US"/>
               <a:t>Click to edit Master text styles</a:t>
             </a:r>
           </a:p>
           <a:p>
             <a:pPr lvl="1"/>
             <a:r>
-              <a:rPr lang="en-US" smtClean="0"/>
+              <a:rPr lang="en-US"/>
               <a:t>Second level</a:t>
             </a:r>
           </a:p>
           <a:p>
             <a:pPr lvl="2"/>
             <a:r>
-              <a:rPr lang="en-US" smtClean="0"/>
+              <a:rPr lang="en-US"/>
               <a:t>Third level</a:t>
             </a:r>
           </a:p>
           <a:p>
             <a:pPr lvl="3"/>
             <a:r>
-              <a:rPr lang="en-US" smtClean="0"/>
+              <a:rPr lang="en-US"/>
               <a:t>Fourth level</a:t>
             </a:r>
           </a:p>
           <a:p>
             <a:pPr lvl="4"/>
             <a:r>
-              <a:rPr lang="en-US" smtClean="0"/>
+              <a:rPr lang="en-US"/>
               <a:t>Fifth level</a:t>
             </a:r>
-            <a:endParaRPr lang="en-US"/>
           </a:p>
         </p:txBody>
       </p:sp>
@@ -14890,7 +14697,7 @@
           <a:p>
             <a:pPr lvl="0"/>
             <a:r>
-              <a:rPr lang="en-US" smtClean="0"/>
+              <a:rPr lang="en-US"/>
               <a:t>Click to edit Master text styles</a:t>
             </a:r>
           </a:p>
@@ -14951,10 +14758,9 @@
           </a:lstStyle>
           <a:p>
             <a:r>
-              <a:rPr lang="en-US" smtClean="0"/>
+              <a:rPr lang="en-US"/>
               <a:t>Click to edit Master title style</a:t>
             </a:r>
-            <a:endParaRPr lang="en-US"/>
           </a:p>
         </p:txBody>
       </p:sp>
@@ -15016,7 +14822,7 @@
           </a:lstStyle>
           <a:p>
             <a:pPr lvl="0"/>
-            <a:endParaRPr lang="en-US" noProof="0" dirty="0" smtClean="0"/>
+            <a:endParaRPr lang="en-US" noProof="0" dirty="0"/>
           </a:p>
         </p:txBody>
       </p:sp>
@@ -15079,7 +14885,7 @@
           <a:p>
             <a:pPr lvl="0"/>
             <a:r>
-              <a:rPr lang="en-US" smtClean="0"/>
+              <a:rPr lang="en-US"/>
               <a:t>Click to edit Master text styles</a:t>
             </a:r>
           </a:p>
@@ -15147,14 +14953,14 @@
           </a:ln>
           <a:extLst>
             <a:ext uri="{909E8E84-426E-40dd-AFC4-6F175D3DCCD1}">
-              <a14:hiddenFill xmlns:a14="http://schemas.microsoft.com/office/drawing/2010/main">
+              <a14:hiddenFill xmlns:a14="http://schemas.microsoft.com/office/drawing/2010/main" xmlns="">
                 <a:solidFill>
                   <a:srgbClr val="FFFFFF"/>
                 </a:solidFill>
               </a14:hiddenFill>
             </a:ext>
             <a:ext uri="{91240B29-F687-4f45-9708-019B960494DF}">
-              <a14:hiddenLine xmlns:a14="http://schemas.microsoft.com/office/drawing/2010/main" w="9525">
+              <a14:hiddenLine xmlns:a14="http://schemas.microsoft.com/office/drawing/2010/main" xmlns="" w="9525">
                 <a:solidFill>
                   <a:srgbClr val="000000"/>
                 </a:solidFill>
@@ -15164,7 +14970,7 @@
               </a14:hiddenLine>
             </a:ext>
             <a:ext uri="{FAA26D3D-D897-4be2-8F04-BA451C77F1D7}">
-              <ma14:placeholderFlag xmlns:ma14="http://schemas.microsoft.com/office/mac/drawingml/2011/main" val="1"/>
+              <ma14:placeholderFlag xmlns:ma14="http://schemas.microsoft.com/office/mac/drawingml/2011/main" xmlns="" val="1"/>
             </a:ext>
           </a:extLst>
         </p:spPr>
@@ -15206,14 +15012,14 @@
           </a:ln>
           <a:extLst>
             <a:ext uri="{909E8E84-426E-40dd-AFC4-6F175D3DCCD1}">
-              <a14:hiddenFill xmlns:a14="http://schemas.microsoft.com/office/drawing/2010/main">
+              <a14:hiddenFill xmlns:a14="http://schemas.microsoft.com/office/drawing/2010/main" xmlns="">
                 <a:solidFill>
                   <a:srgbClr val="FFFFFF"/>
                 </a:solidFill>
               </a14:hiddenFill>
             </a:ext>
             <a:ext uri="{91240B29-F687-4f45-9708-019B960494DF}">
-              <a14:hiddenLine xmlns:a14="http://schemas.microsoft.com/office/drawing/2010/main" w="9525">
+              <a14:hiddenLine xmlns:a14="http://schemas.microsoft.com/office/drawing/2010/main" xmlns="" w="9525">
                 <a:solidFill>
                   <a:srgbClr val="000000"/>
                 </a:solidFill>
@@ -15283,14 +15089,14 @@
           </a:ln>
           <a:extLst>
             <a:ext uri="{909E8E84-426E-40dd-AFC4-6F175D3DCCD1}">
-              <a14:hiddenFill xmlns:a14="http://schemas.microsoft.com/office/drawing/2010/main">
+              <a14:hiddenFill xmlns:a14="http://schemas.microsoft.com/office/drawing/2010/main" xmlns="">
                 <a:solidFill>
                   <a:srgbClr val="FFFFFF"/>
                 </a:solidFill>
               </a14:hiddenFill>
             </a:ext>
             <a:ext uri="{91240B29-F687-4f45-9708-019B960494DF}">
-              <a14:hiddenLine xmlns:a14="http://schemas.microsoft.com/office/drawing/2010/main" w="9525">
+              <a14:hiddenLine xmlns:a14="http://schemas.microsoft.com/office/drawing/2010/main" xmlns="" w="9525">
                 <a:solidFill>
                   <a:srgbClr val="000000"/>
                 </a:solidFill>
@@ -15357,14 +15163,14 @@
           </a:ln>
           <a:extLst>
             <a:ext uri="{909E8E84-426E-40dd-AFC4-6F175D3DCCD1}">
-              <a14:hiddenFill xmlns:a14="http://schemas.microsoft.com/office/drawing/2010/main">
+              <a14:hiddenFill xmlns:a14="http://schemas.microsoft.com/office/drawing/2010/main" xmlns="">
                 <a:solidFill>
                   <a:srgbClr val="FFFFFF"/>
                 </a:solidFill>
               </a14:hiddenFill>
             </a:ext>
             <a:ext uri="{91240B29-F687-4f45-9708-019B960494DF}">
-              <a14:hiddenLine xmlns:a14="http://schemas.microsoft.com/office/drawing/2010/main" w="9525">
+              <a14:hiddenLine xmlns:a14="http://schemas.microsoft.com/office/drawing/2010/main" xmlns="" w="9525">
                 <a:solidFill>
                   <a:srgbClr val="000000"/>
                 </a:solidFill>
@@ -15374,7 +15180,7 @@
               </a14:hiddenLine>
             </a:ext>
             <a:ext uri="{FAA26D3D-D897-4be2-8F04-BA451C77F1D7}">
-              <ma14:placeholderFlag xmlns:ma14="http://schemas.microsoft.com/office/mac/drawingml/2011/main" val="1"/>
+              <ma14:placeholderFlag xmlns:ma14="http://schemas.microsoft.com/office/mac/drawingml/2011/main" xmlns="" val="1"/>
             </a:ext>
           </a:extLst>
         </p:spPr>
@@ -15457,14 +15263,14 @@
           </a:ln>
           <a:extLst>
             <a:ext uri="{909E8E84-426E-40dd-AFC4-6F175D3DCCD1}">
-              <a14:hiddenFill xmlns:a14="http://schemas.microsoft.com/office/drawing/2010/main">
+              <a14:hiddenFill xmlns:a14="http://schemas.microsoft.com/office/drawing/2010/main" xmlns="">
                 <a:solidFill>
                   <a:srgbClr val="FFFFFF"/>
                 </a:solidFill>
               </a14:hiddenFill>
             </a:ext>
             <a:ext uri="{91240B29-F687-4f45-9708-019B960494DF}">
-              <a14:hiddenLine xmlns:a14="http://schemas.microsoft.com/office/drawing/2010/main" w="9525">
+              <a14:hiddenLine xmlns:a14="http://schemas.microsoft.com/office/drawing/2010/main" xmlns="" w="9525">
                 <a:solidFill>
                   <a:srgbClr val="000000"/>
                 </a:solidFill>
@@ -15498,14 +15304,14 @@
           </a:ln>
           <a:extLst>
             <a:ext uri="{909E8E84-426E-40dd-AFC4-6F175D3DCCD1}">
-              <a14:hiddenFill xmlns:a14="http://schemas.microsoft.com/office/drawing/2010/main">
+              <a14:hiddenFill xmlns:a14="http://schemas.microsoft.com/office/drawing/2010/main" xmlns="">
                 <a:solidFill>
                   <a:srgbClr val="FFFFFF"/>
                 </a:solidFill>
               </a14:hiddenFill>
             </a:ext>
             <a:ext uri="{91240B29-F687-4f45-9708-019B960494DF}">
-              <a14:hiddenLine xmlns:a14="http://schemas.microsoft.com/office/drawing/2010/main" w="9525">
+              <a14:hiddenLine xmlns:a14="http://schemas.microsoft.com/office/drawing/2010/main" xmlns="" w="9525">
                 <a:solidFill>
                   <a:srgbClr val="000000"/>
                 </a:solidFill>
@@ -15560,14 +15366,14 @@
           </a:ln>
           <a:extLst>
             <a:ext uri="{909E8E84-426E-40dd-AFC4-6F175D3DCCD1}">
-              <a14:hiddenFill xmlns:a14="http://schemas.microsoft.com/office/drawing/2010/main">
+              <a14:hiddenFill xmlns:a14="http://schemas.microsoft.com/office/drawing/2010/main" xmlns="">
                 <a:solidFill>
                   <a:srgbClr val="FFFFFF"/>
                 </a:solidFill>
               </a14:hiddenFill>
             </a:ext>
             <a:ext uri="{91240B29-F687-4f45-9708-019B960494DF}">
-              <a14:hiddenLine xmlns:a14="http://schemas.microsoft.com/office/drawing/2010/main" w="9525">
+              <a14:hiddenLine xmlns:a14="http://schemas.microsoft.com/office/drawing/2010/main" xmlns="" w="9525">
                 <a:solidFill>
                   <a:srgbClr val="000000"/>
                 </a:solidFill>
@@ -15617,13 +15423,6 @@
     <p:sldLayoutId id="2147484043" r:id="rId11"/>
     <p:sldLayoutId id="2147484044" r:id="rId12"/>
   </p:sldLayoutIdLst>
-  <p:timing>
-    <p:tnLst>
-      <p:par>
-        <p:cTn xmlns:p14="http://schemas.microsoft.com/office/powerpoint/2010/main" id="1" dur="indefinite" restart="never" nodeType="tmRoot"/>
-      </p:par>
-    </p:tnLst>
-  </p:timing>
   <p:txStyles>
     <p:titleStyle>
       <a:lvl1pPr algn="l" defTabSz="814388" rtl="0" eaLnBrk="0" fontAlgn="base" hangingPunct="0">
@@ -16128,14 +15927,14 @@
           </a:ln>
           <a:extLst>
             <a:ext uri="{909E8E84-426E-40dd-AFC4-6F175D3DCCD1}">
-              <a14:hiddenFill xmlns:a14="http://schemas.microsoft.com/office/drawing/2010/main">
+              <a14:hiddenFill xmlns:a14="http://schemas.microsoft.com/office/drawing/2010/main" xmlns="">
                 <a:solidFill>
                   <a:srgbClr val="FFFFFF"/>
                 </a:solidFill>
               </a14:hiddenFill>
             </a:ext>
             <a:ext uri="{91240B29-F687-4f45-9708-019B960494DF}">
-              <a14:hiddenLine xmlns:a14="http://schemas.microsoft.com/office/drawing/2010/main" w="9525">
+              <a14:hiddenLine xmlns:a14="http://schemas.microsoft.com/office/drawing/2010/main" xmlns="" w="9525">
                 <a:solidFill>
                   <a:srgbClr val="000000"/>
                 </a:solidFill>
@@ -16145,7 +15944,7 @@
               </a14:hiddenLine>
             </a:ext>
             <a:ext uri="{FAA26D3D-D897-4be2-8F04-BA451C77F1D7}">
-              <ma14:placeholderFlag xmlns:ma14="http://schemas.microsoft.com/office/mac/drawingml/2011/main" val="1"/>
+              <ma14:placeholderFlag xmlns:ma14="http://schemas.microsoft.com/office/mac/drawingml/2011/main" xmlns="" val="1"/>
             </a:ext>
           </a:extLst>
         </p:spPr>
@@ -16187,14 +15986,14 @@
           </a:ln>
           <a:extLst>
             <a:ext uri="{909E8E84-426E-40dd-AFC4-6F175D3DCCD1}">
-              <a14:hiddenFill xmlns:a14="http://schemas.microsoft.com/office/drawing/2010/main">
+              <a14:hiddenFill xmlns:a14="http://schemas.microsoft.com/office/drawing/2010/main" xmlns="">
                 <a:solidFill>
                   <a:srgbClr val="FFFFFF"/>
                 </a:solidFill>
               </a14:hiddenFill>
             </a:ext>
             <a:ext uri="{91240B29-F687-4f45-9708-019B960494DF}">
-              <a14:hiddenLine xmlns:a14="http://schemas.microsoft.com/office/drawing/2010/main" w="9525">
+              <a14:hiddenLine xmlns:a14="http://schemas.microsoft.com/office/drawing/2010/main" xmlns="" w="9525">
                 <a:solidFill>
                   <a:srgbClr val="000000"/>
                 </a:solidFill>
@@ -16249,14 +16048,14 @@
           </a:ln>
           <a:extLst>
             <a:ext uri="{909E8E84-426E-40dd-AFC4-6F175D3DCCD1}">
-              <a14:hiddenFill xmlns:a14="http://schemas.microsoft.com/office/drawing/2010/main">
+              <a14:hiddenFill xmlns:a14="http://schemas.microsoft.com/office/drawing/2010/main" xmlns="">
                 <a:solidFill>
                   <a:srgbClr val="FFFFFF"/>
                 </a:solidFill>
               </a14:hiddenFill>
             </a:ext>
             <a:ext uri="{91240B29-F687-4f45-9708-019B960494DF}">
-              <a14:hiddenLine xmlns:a14="http://schemas.microsoft.com/office/drawing/2010/main" w="9525">
+              <a14:hiddenLine xmlns:a14="http://schemas.microsoft.com/office/drawing/2010/main" xmlns="" w="9525">
                 <a:solidFill>
                   <a:srgbClr val="000000"/>
                 </a:solidFill>
@@ -16323,14 +16122,14 @@
           </a:ln>
           <a:extLst>
             <a:ext uri="{909E8E84-426E-40dd-AFC4-6F175D3DCCD1}">
-              <a14:hiddenFill xmlns:a14="http://schemas.microsoft.com/office/drawing/2010/main">
+              <a14:hiddenFill xmlns:a14="http://schemas.microsoft.com/office/drawing/2010/main" xmlns="">
                 <a:solidFill>
                   <a:srgbClr val="FFFFFF"/>
                 </a:solidFill>
               </a14:hiddenFill>
             </a:ext>
             <a:ext uri="{91240B29-F687-4f45-9708-019B960494DF}">
-              <a14:hiddenLine xmlns:a14="http://schemas.microsoft.com/office/drawing/2010/main" w="9525">
+              <a14:hiddenLine xmlns:a14="http://schemas.microsoft.com/office/drawing/2010/main" xmlns="" w="9525">
                 <a:solidFill>
                   <a:srgbClr val="000000"/>
                 </a:solidFill>
@@ -16340,7 +16139,7 @@
               </a14:hiddenLine>
             </a:ext>
             <a:ext uri="{FAA26D3D-D897-4be2-8F04-BA451C77F1D7}">
-              <ma14:placeholderFlag xmlns:ma14="http://schemas.microsoft.com/office/mac/drawingml/2011/main" val="1"/>
+              <ma14:placeholderFlag xmlns:ma14="http://schemas.microsoft.com/office/mac/drawingml/2011/main" xmlns="" val="1"/>
             </a:ext>
           </a:extLst>
         </p:spPr>
@@ -16410,14 +16209,14 @@
           </a:ln>
           <a:extLst>
             <a:ext uri="{909E8E84-426E-40dd-AFC4-6F175D3DCCD1}">
-              <a14:hiddenFill xmlns:a14="http://schemas.microsoft.com/office/drawing/2010/main">
+              <a14:hiddenFill xmlns:a14="http://schemas.microsoft.com/office/drawing/2010/main" xmlns="">
                 <a:solidFill>
                   <a:srgbClr val="FFFFFF"/>
                 </a:solidFill>
               </a14:hiddenFill>
             </a:ext>
             <a:ext uri="{91240B29-F687-4f45-9708-019B960494DF}">
-              <a14:hiddenLine xmlns:a14="http://schemas.microsoft.com/office/drawing/2010/main" w="9525">
+              <a14:hiddenLine xmlns:a14="http://schemas.microsoft.com/office/drawing/2010/main" xmlns="" w="9525">
                 <a:solidFill>
                   <a:srgbClr val="000000"/>
                 </a:solidFill>
@@ -16472,14 +16271,14 @@
           </a:ln>
           <a:extLst>
             <a:ext uri="{909E8E84-426E-40dd-AFC4-6F175D3DCCD1}">
-              <a14:hiddenFill xmlns:a14="http://schemas.microsoft.com/office/drawing/2010/main">
+              <a14:hiddenFill xmlns:a14="http://schemas.microsoft.com/office/drawing/2010/main" xmlns="">
                 <a:solidFill>
                   <a:srgbClr val="FFFFFF"/>
                 </a:solidFill>
               </a14:hiddenFill>
             </a:ext>
             <a:ext uri="{91240B29-F687-4f45-9708-019B960494DF}">
-              <a14:hiddenLine xmlns:a14="http://schemas.microsoft.com/office/drawing/2010/main" w="9525">
+              <a14:hiddenLine xmlns:a14="http://schemas.microsoft.com/office/drawing/2010/main" xmlns="" w="9525">
                 <a:solidFill>
                   <a:srgbClr val="000000"/>
                 </a:solidFill>
@@ -16547,14 +16346,14 @@
           </a:ln>
           <a:extLst>
             <a:ext uri="{909E8E84-426E-40dd-AFC4-6F175D3DCCD1}">
-              <a14:hiddenFill xmlns:a14="http://schemas.microsoft.com/office/drawing/2010/main">
+              <a14:hiddenFill xmlns:a14="http://schemas.microsoft.com/office/drawing/2010/main" xmlns="">
                 <a:solidFill>
                   <a:srgbClr val="FFFFFF"/>
                 </a:solidFill>
               </a14:hiddenFill>
             </a:ext>
             <a:ext uri="{91240B29-F687-4f45-9708-019B960494DF}">
-              <a14:hiddenLine xmlns:a14="http://schemas.microsoft.com/office/drawing/2010/main" w="9525">
+              <a14:hiddenLine xmlns:a14="http://schemas.microsoft.com/office/drawing/2010/main" xmlns="" w="9525">
                 <a:solidFill>
                   <a:srgbClr val="000000"/>
                 </a:solidFill>
@@ -16582,13 +16381,6 @@
     <p:sldLayoutId id="2147484053" r:id="rId10"/>
     <p:sldLayoutId id="2147484054" r:id="rId11"/>
   </p:sldLayoutIdLst>
-  <p:timing>
-    <p:tnLst>
-      <p:par>
-        <p:cTn xmlns:p14="http://schemas.microsoft.com/office/powerpoint/2010/main" id="1" dur="indefinite" restart="never" nodeType="tmRoot"/>
-      </p:par>
-    </p:tnLst>
-  </p:timing>
   <p:txStyles>
     <p:titleStyle>
       <a:lvl1pPr algn="l" defTabSz="814388" rtl="0" eaLnBrk="0" fontAlgn="base" hangingPunct="0">
@@ -17083,24 +16875,18 @@
           <a:p>
             <a:pPr eaLnBrk="1" hangingPunct="1"/>
             <a:r>
-              <a:rPr lang="en-US" sz="2800" smtClean="0">
+              <a:rPr lang="en-US" sz="2800">
                 <a:latin typeface="Arial" charset="0"/>
               </a:rPr>
               <a:t>Chapter 5:</a:t>
             </a:r>
-            <a:r>
-              <a:rPr lang="en-US" sz="2800" dirty="0">
-                <a:latin typeface="Arial" charset="0"/>
-              </a:rPr>
-              <a:t/>
-            </a:r>
             <a:br>
               <a:rPr lang="en-US" sz="2800" dirty="0">
                 <a:latin typeface="Arial" charset="0"/>
               </a:rPr>
             </a:br>
             <a:r>
-              <a:rPr lang="en-US" sz="2800" dirty="0" smtClean="0">
+              <a:rPr lang="en-US" sz="2800" dirty="0">
                 <a:latin typeface="Arial" charset="0"/>
               </a:rPr>
               <a:t>Ethernet</a:t>
@@ -17139,14 +16925,11 @@
               <a:buNone/>
             </a:pPr>
             <a:r>
-              <a:rPr lang="en-US" sz="2400" dirty="0" smtClean="0">
+              <a:rPr lang="en-US" sz="2400" dirty="0">
                 <a:latin typeface="Arial" charset="0"/>
               </a:rPr>
               <a:t>Introduction to Networks</a:t>
             </a:r>
-            <a:endParaRPr lang="en-US" sz="2400" dirty="0">
-              <a:latin typeface="Arial" charset="0"/>
-            </a:endParaRPr>
           </a:p>
         </p:txBody>
       </p:sp>
@@ -17155,16 +16938,9 @@
   <p:clrMapOvr>
     <a:masterClrMapping/>
   </p:clrMapOvr>
-  <p:transition xmlns:p14="http://schemas.microsoft.com/office/powerpoint/2010/main">
+  <p:transition>
     <p:wipe dir="r"/>
   </p:transition>
-  <p:timing>
-    <p:tnLst>
-      <p:par>
-        <p:cTn xmlns:p14="http://schemas.microsoft.com/office/powerpoint/2010/main" id="1" dur="indefinite" restart="never" nodeType="tmRoot"/>
-      </p:par>
-    </p:tnLst>
-  </p:timing>
 </p:sld>
 </file>
 
@@ -17207,26 +16983,17 @@
               </a:rPr>
               <a:t>Ethernet Operation</a:t>
             </a:r>
-            <a:r>
-              <a:rPr lang="en-US" dirty="0">
-                <a:latin typeface="Arial" charset="0"/>
-              </a:rPr>
-              <a:t/>
-            </a:r>
             <a:br>
               <a:rPr lang="en-US" dirty="0">
                 <a:latin typeface="Arial" charset="0"/>
               </a:rPr>
             </a:br>
             <a:r>
-              <a:rPr lang="en-US" dirty="0" smtClean="0">
+              <a:rPr lang="en-US" dirty="0">
                 <a:latin typeface="Arial" charset="0"/>
               </a:rPr>
               <a:t>Media Access Control</a:t>
             </a:r>
-            <a:endParaRPr lang="en-US" dirty="0">
-              <a:latin typeface="Arial" charset="0"/>
-            </a:endParaRPr>
           </a:p>
         </p:txBody>
       </p:sp>
@@ -17254,12 +17021,8 @@
               <a:buNone/>
             </a:pPr>
             <a:r>
-              <a:rPr lang="en-US" dirty="0" smtClean="0"/>
-              <a:t>The </a:t>
-            </a:r>
-            <a:r>
               <a:rPr lang="en-US" dirty="0"/>
-              <a:t>two commonly used methods are:</a:t>
+              <a:t>The two commonly used methods are:</a:t>
             </a:r>
           </a:p>
           <a:p>
@@ -17267,10 +17030,18 @@
               <a:buNone/>
             </a:pPr>
             <a:r>
-              <a:rPr lang="en-US" b="1" dirty="0"/>
+              <a:rPr lang="en-US" b="1" dirty="0">
+                <a:highlight>
+                  <a:srgbClr val="FFFF00"/>
+                </a:highlight>
+              </a:rPr>
               <a:t>CSMA/Collision Detection</a:t>
             </a:r>
-            <a:endParaRPr lang="en-US" dirty="0"/>
+            <a:endParaRPr lang="en-US" dirty="0">
+              <a:highlight>
+                <a:srgbClr val="FFFF00"/>
+              </a:highlight>
+            </a:endParaRPr>
           </a:p>
           <a:p>
             <a:pPr marL="461963" indent="-342900">
@@ -17279,19 +17050,7 @@
             </a:pPr>
             <a:r>
               <a:rPr lang="en-US" sz="2000" dirty="0"/>
-              <a:t>T</a:t>
-            </a:r>
-            <a:r>
-              <a:rPr lang="en-US" sz="2000" dirty="0" smtClean="0"/>
-              <a:t>he </a:t>
-            </a:r>
-            <a:r>
-              <a:rPr lang="en-US" sz="2000" dirty="0"/>
-              <a:t>device monitors the media for the presence of a data </a:t>
-            </a:r>
-            <a:r>
-              <a:rPr lang="en-US" sz="2000" dirty="0" smtClean="0"/>
-              <a:t>signal</a:t>
+              <a:t>The device monitors the media for the presence of a data signal</a:t>
             </a:r>
           </a:p>
           <a:p>
@@ -17300,12 +17059,8 @@
               <a:buChar char="•"/>
             </a:pPr>
             <a:r>
-              <a:rPr lang="en-US" sz="2000" dirty="0" smtClean="0"/>
-              <a:t>If </a:t>
-            </a:r>
-            <a:r>
               <a:rPr lang="en-US" sz="2000" dirty="0"/>
-              <a:t>a data </a:t>
+              <a:t>If a data </a:t>
             </a:r>
             <a:r>
               <a:rPr lang="en-US" sz="2000" b="1" u="sng" dirty="0"/>
@@ -17316,7 +17071,7 @@
               <a:t> is </a:t>
             </a:r>
             <a:r>
-              <a:rPr lang="en-US" sz="2000" b="1" u="sng" dirty="0" smtClean="0">
+              <a:rPr lang="en-US" sz="2000" b="1" u="sng" dirty="0">
                 <a:solidFill>
                   <a:srgbClr val="FF0000"/>
                 </a:solidFill>
@@ -17324,16 +17079,8 @@
               <a:t>idle</a:t>
             </a:r>
             <a:r>
-              <a:rPr lang="en-US" sz="2000" dirty="0" smtClean="0"/>
-              <a:t>, </a:t>
-            </a:r>
-            <a:r>
               <a:rPr lang="en-US" sz="2000" dirty="0"/>
-              <a:t>indicating that the media is free, the device transmits the </a:t>
-            </a:r>
-            <a:r>
-              <a:rPr lang="en-US" sz="2000" dirty="0" smtClean="0"/>
-              <a:t>data</a:t>
+              <a:t>, indicating that the media is free, the device transmits the data</a:t>
             </a:r>
           </a:p>
           <a:p>
@@ -17342,15 +17089,11 @@
               <a:buChar char="•"/>
             </a:pPr>
             <a:r>
-              <a:rPr lang="en-US" sz="2000" dirty="0" smtClean="0"/>
-              <a:t>If signals </a:t>
-            </a:r>
-            <a:r>
               <a:rPr lang="en-US" sz="2000" dirty="0"/>
-              <a:t>are then detected </a:t>
-            </a:r>
-            <a:r>
-              <a:rPr lang="en-US" sz="2000" b="1" dirty="0" smtClean="0">
+              <a:t>If signals are then detected </a:t>
+            </a:r>
+            <a:r>
+              <a:rPr lang="en-US" sz="2000" b="1" dirty="0">
                 <a:solidFill>
                   <a:srgbClr val="FF0000"/>
                 </a:solidFill>
@@ -17358,18 +17101,9 @@
               <a:t>“busy” </a:t>
             </a:r>
             <a:r>
-              <a:rPr lang="en-US" sz="2000" dirty="0" smtClean="0"/>
-              <a:t>that </a:t>
-            </a:r>
-            <a:r>
               <a:rPr lang="en-US" sz="2000" dirty="0"/>
-              <a:t>show another device was transmitting at the same time, all devices stop sending and try again </a:t>
-            </a:r>
-            <a:r>
-              <a:rPr lang="en-US" sz="2000" dirty="0" smtClean="0"/>
-              <a:t>later</a:t>
-            </a:r>
-            <a:endParaRPr lang="en-US" sz="2000" dirty="0"/>
+              <a:t>that show another device was transmitting at the same time, all devices stop sending and try again later</a:t>
+            </a:r>
           </a:p>
           <a:p>
             <a:pPr marL="461963" indent="-342900">
@@ -17378,15 +17112,7 @@
             </a:pPr>
             <a:r>
               <a:rPr lang="en-US" sz="2000" dirty="0"/>
-              <a:t>W</a:t>
-            </a:r>
-            <a:r>
-              <a:rPr lang="en-US" sz="2000" dirty="0" smtClean="0"/>
-              <a:t>hile </a:t>
-            </a:r>
-            <a:r>
-              <a:rPr lang="en-US" sz="2000" dirty="0"/>
-              <a:t>Ethernet networks are designed with CSMA/CD technology, with today’s intermediate devices, </a:t>
+              <a:t>While Ethernet networks are designed with CSMA/CD technology, with today’s intermediate devices, </a:t>
             </a:r>
             <a:r>
               <a:rPr lang="en-US" sz="2000" b="1" u="sng" dirty="0">
@@ -17398,13 +17124,8 @@
             </a:r>
             <a:r>
               <a:rPr lang="en-US" sz="2000" dirty="0"/>
-              <a:t>do not occur and the processes utilized by CSMA/CD are really </a:t>
-            </a:r>
-            <a:r>
-              <a:rPr lang="en-US" sz="2000" dirty="0" smtClean="0"/>
-              <a:t>unnecessary</a:t>
-            </a:r>
-            <a:endParaRPr lang="en-US" sz="2000" dirty="0"/>
+              <a:t>do not occur and the processes utilized by CSMA/CD are really unnecessary</a:t>
+            </a:r>
           </a:p>
           <a:p>
             <a:pPr marL="461963" indent="-342900">
@@ -17413,21 +17134,8 @@
             </a:pPr>
             <a:r>
               <a:rPr lang="en-US" sz="2000" dirty="0"/>
-              <a:t>W</a:t>
-            </a:r>
-            <a:r>
-              <a:rPr lang="en-US" sz="2000" dirty="0" smtClean="0"/>
-              <a:t>ireless </a:t>
-            </a:r>
-            <a:r>
-              <a:rPr lang="en-US" sz="2000" dirty="0"/>
-              <a:t>connections in a LAN environment still have to take collisions into </a:t>
-            </a:r>
-            <a:r>
-              <a:rPr lang="en-US" sz="2000" dirty="0" smtClean="0"/>
-              <a:t>account</a:t>
-            </a:r>
-            <a:endParaRPr lang="en-US" sz="2000" dirty="0"/>
+              <a:t>Wireless connections in a LAN environment still have to take collisions into account</a:t>
+            </a:r>
           </a:p>
         </p:txBody>
       </p:sp>
@@ -17441,16 +17149,9 @@
   <p:clrMapOvr>
     <a:masterClrMapping/>
   </p:clrMapOvr>
-  <p:transition xmlns:p14="http://schemas.microsoft.com/office/powerpoint/2010/main" spd="med">
+  <p:transition spd="med">
     <p:wipe dir="r"/>
   </p:transition>
-  <p:timing>
-    <p:tnLst>
-      <p:par>
-        <p:cTn xmlns:p14="http://schemas.microsoft.com/office/powerpoint/2010/main" id="1" dur="indefinite" restart="never" nodeType="tmRoot"/>
-      </p:par>
-    </p:tnLst>
-  </p:timing>
 </p:sld>
 </file>
 
@@ -17493,26 +17194,17 @@
               </a:rPr>
               <a:t>Ethernet Operation</a:t>
             </a:r>
-            <a:r>
-              <a:rPr lang="en-US" dirty="0">
-                <a:latin typeface="Arial" charset="0"/>
-              </a:rPr>
-              <a:t/>
-            </a:r>
             <a:br>
               <a:rPr lang="en-US" dirty="0">
                 <a:latin typeface="Arial" charset="0"/>
               </a:rPr>
             </a:br>
             <a:r>
-              <a:rPr lang="en-US" dirty="0" smtClean="0">
+              <a:rPr lang="en-US" dirty="0">
                 <a:latin typeface="Arial" charset="0"/>
               </a:rPr>
               <a:t>Media Access Control</a:t>
             </a:r>
-            <a:endParaRPr lang="en-US" dirty="0">
-              <a:latin typeface="Arial" charset="0"/>
-            </a:endParaRPr>
           </a:p>
         </p:txBody>
       </p:sp>
@@ -17549,18 +17241,17 @@
               <a:buNone/>
             </a:pPr>
             <a:r>
-              <a:rPr lang="en-US" b="1" dirty="0" smtClean="0"/>
-              <a:t>CSMA/Collision </a:t>
+              <a:rPr lang="en-US" b="1" dirty="0">
+                <a:highlight>
+                  <a:srgbClr val="FFFF00"/>
+                </a:highlight>
+              </a:rPr>
+              <a:t>CSMA/Collision Avoidance (CSMA/CA) </a:t>
             </a:r>
             <a:r>
               <a:rPr lang="en-US" b="1" dirty="0"/>
-              <a:t>Avoidance (CSMA/CA) media access </a:t>
-            </a:r>
-            <a:r>
-              <a:rPr lang="en-US" b="1" dirty="0" smtClean="0"/>
-              <a:t>method</a:t>
-            </a:r>
-            <a:endParaRPr lang="en-US" b="1" dirty="0"/>
+              <a:t>media access method</a:t>
+            </a:r>
           </a:p>
           <a:p>
             <a:pPr marL="461963" indent="-342900">
@@ -17569,23 +17260,7 @@
             </a:pPr>
             <a:r>
               <a:rPr lang="en-US" sz="2000" dirty="0"/>
-              <a:t>D</a:t>
-            </a:r>
-            <a:r>
-              <a:rPr lang="en-US" sz="2000" dirty="0" smtClean="0"/>
-              <a:t>evice </a:t>
-            </a:r>
-            <a:r>
-              <a:rPr lang="en-US" sz="2000" dirty="0"/>
-              <a:t>examines the media for the presence of </a:t>
-            </a:r>
-            <a:r>
-              <a:rPr lang="en-US" sz="2000" dirty="0" smtClean="0"/>
-              <a:t>data signal - if </a:t>
-            </a:r>
-            <a:r>
-              <a:rPr lang="en-US" sz="2000" dirty="0"/>
-              <a:t>the media is free, the device sends a </a:t>
+              <a:t>Device examines the media for the presence of data signal - if the media is free, the device sends a </a:t>
             </a:r>
             <a:r>
               <a:rPr lang="en-US" sz="2000" b="1" dirty="0">
@@ -17597,11 +17272,7 @@
             </a:r>
             <a:r>
               <a:rPr lang="en-US" sz="2000" dirty="0"/>
-              <a:t>across the media of its intent to use </a:t>
-            </a:r>
-            <a:r>
-              <a:rPr lang="en-US" sz="2000" dirty="0" smtClean="0"/>
-              <a:t>it </a:t>
+              <a:t>across the media of its intent to use it </a:t>
             </a:r>
           </a:p>
           <a:p>
@@ -17610,12 +17281,8 @@
               <a:buChar char="•"/>
             </a:pPr>
             <a:r>
-              <a:rPr lang="en-US" sz="2000" dirty="0" smtClean="0"/>
-              <a:t>The </a:t>
-            </a:r>
-            <a:r>
               <a:rPr lang="en-US" sz="2000" dirty="0"/>
-              <a:t>device then sends the data. </a:t>
+              <a:t>The device then sends the data. </a:t>
             </a:r>
           </a:p>
           <a:p>
@@ -17624,18 +17291,17 @@
               <a:buChar char="•"/>
             </a:pPr>
             <a:r>
-              <a:rPr lang="en-US" sz="2000" dirty="0" smtClean="0"/>
+              <a:rPr lang="en-US" sz="2000" dirty="0"/>
               <a:t>Used by </a:t>
             </a:r>
             <a:r>
-              <a:rPr lang="en-US" sz="2000" dirty="0"/>
-              <a:t>802.11 wireless networking </a:t>
-            </a:r>
-            <a:r>
-              <a:rPr lang="en-US" sz="2000" dirty="0" smtClean="0"/>
-              <a:t>technologies</a:t>
-            </a:r>
-            <a:endParaRPr lang="en-US" sz="2000" dirty="0"/>
+              <a:rPr lang="en-US" sz="2000" dirty="0">
+                <a:highlight>
+                  <a:srgbClr val="FFFF00"/>
+                </a:highlight>
+              </a:rPr>
+              <a:t>802.11 wireless networking technologies</a:t>
+            </a:r>
           </a:p>
           <a:p>
             <a:endParaRPr lang="en-US" dirty="0"/>
@@ -17652,16 +17318,9 @@
   <p:clrMapOvr>
     <a:masterClrMapping/>
   </p:clrMapOvr>
-  <p:transition xmlns:p14="http://schemas.microsoft.com/office/powerpoint/2010/main" spd="med">
+  <p:transition spd="med">
     <p:wipe dir="r"/>
   </p:transition>
-  <p:timing>
-    <p:tnLst>
-      <p:par>
-        <p:cTn xmlns:p14="http://schemas.microsoft.com/office/powerpoint/2010/main" id="1" dur="indefinite" restart="never" nodeType="tmRoot"/>
-      </p:par>
-    </p:tnLst>
-  </p:timing>
 </p:sld>
 </file>
 
@@ -17704,25 +17363,22 @@
           <a:p>
             <a:pPr eaLnBrk="1" hangingPunct="1"/>
             <a:r>
-              <a:rPr lang="en-US" sz="1800" dirty="0" smtClean="0">
+              <a:rPr lang="en-US" sz="1800" dirty="0">
                 <a:latin typeface="Arial" charset="0"/>
               </a:rPr>
               <a:t>Ethernet Frame Attributes</a:t>
             </a:r>
             <a:br>
-              <a:rPr lang="en-US" sz="1800" dirty="0" smtClean="0">
+              <a:rPr lang="en-US" sz="1800" dirty="0">
                 <a:latin typeface="Arial" charset="0"/>
               </a:rPr>
             </a:br>
             <a:r>
-              <a:rPr lang="en-US" sz="2400" dirty="0" smtClean="0">
+              <a:rPr lang="en-US" sz="2400" dirty="0">
                 <a:latin typeface="Arial" charset="0"/>
               </a:rPr>
               <a:t>Ethernet Encapsulation</a:t>
             </a:r>
-            <a:endParaRPr lang="en-US" sz="2400" dirty="0">
-              <a:latin typeface="Arial" charset="0"/>
-            </a:endParaRPr>
           </a:p>
         </p:txBody>
       </p:sp>
@@ -17847,14 +17503,14 @@
           </a:ln>
           <a:extLst>
             <a:ext uri="{909E8E84-426E-40dd-AFC4-6F175D3DCCD1}">
-              <a14:hiddenFill xmlns:a14="http://schemas.microsoft.com/office/drawing/2010/main">
+              <a14:hiddenFill xmlns:a14="http://schemas.microsoft.com/office/drawing/2010/main" xmlns="">
                 <a:solidFill>
                   <a:schemeClr val="accent1"/>
                 </a:solidFill>
               </a14:hiddenFill>
             </a:ext>
             <a:ext uri="{91240B29-F687-4f45-9708-019B960494DF}">
-              <a14:hiddenLine xmlns:a14="http://schemas.microsoft.com/office/drawing/2010/main" w="9525">
+              <a14:hiddenLine xmlns:a14="http://schemas.microsoft.com/office/drawing/2010/main" xmlns="" w="9525">
                 <a:solidFill>
                   <a:schemeClr val="tx1"/>
                 </a:solidFill>
@@ -17906,16 +17562,9 @@
   <p:clrMapOvr>
     <a:masterClrMapping/>
   </p:clrMapOvr>
-  <p:transition xmlns:p14="http://schemas.microsoft.com/office/powerpoint/2010/main" spd="med">
+  <p:transition spd="med">
     <p:wipe dir="r"/>
   </p:transition>
-  <p:timing>
-    <p:tnLst>
-      <p:par>
-        <p:cTn xmlns:p14="http://schemas.microsoft.com/office/powerpoint/2010/main" id="1" dur="indefinite" restart="never" nodeType="tmRoot"/>
-      </p:par>
-    </p:tnLst>
-  </p:timing>
 </p:sld>
 </file>
 
@@ -17963,26 +17612,17 @@
               </a:rPr>
               <a:t>Ethernet Frame Attributes</a:t>
             </a:r>
-            <a:r>
-              <a:rPr lang="en-US" sz="1800" dirty="0" smtClean="0">
-                <a:latin typeface="Arial" charset="0"/>
-              </a:rPr>
-              <a:t/>
-            </a:r>
             <a:br>
-              <a:rPr lang="en-US" sz="1800" dirty="0" smtClean="0">
+              <a:rPr lang="en-US" sz="1800" dirty="0">
                 <a:latin typeface="Arial" charset="0"/>
               </a:rPr>
             </a:br>
             <a:r>
-              <a:rPr lang="en-US" dirty="0" smtClean="0">
+              <a:rPr lang="en-US" dirty="0">
                 <a:latin typeface="Arial" charset="0"/>
               </a:rPr>
               <a:t>Introduction to the Ethernet Frame</a:t>
             </a:r>
-            <a:endParaRPr lang="en-US" dirty="0">
-              <a:latin typeface="Arial" charset="0"/>
-            </a:endParaRPr>
           </a:p>
         </p:txBody>
       </p:sp>
@@ -18009,12 +17649,8 @@
           <a:p>
             <a:pPr algn="l"/>
             <a:r>
-              <a:rPr lang="en-US" b="1" dirty="0" smtClean="0"/>
-              <a:t>Start </a:t>
-            </a:r>
-            <a:r>
               <a:rPr lang="en-US" b="1" dirty="0"/>
-              <a:t>Frame Delimiter Fields</a:t>
+              <a:t>Start Frame Delimiter Fields</a:t>
             </a:r>
             <a:endParaRPr lang="en-US" dirty="0"/>
           </a:p>
@@ -18022,13 +17658,8 @@
             <a:pPr algn="l"/>
             <a:r>
               <a:rPr lang="en-US" dirty="0"/>
-              <a:t>U</a:t>
-            </a:r>
-            <a:r>
-              <a:rPr lang="en-US" dirty="0" smtClean="0"/>
-              <a:t>sed for synchronization between the sending and receiving devices</a:t>
-            </a:r>
-            <a:endParaRPr lang="en-US" dirty="0"/>
+              <a:t>Used for synchronization between the sending and receiving devices</a:t>
+            </a:r>
           </a:p>
         </p:txBody>
       </p:sp>
@@ -18065,29 +17696,8 @@
             <a:pPr algn="l"/>
             <a:r>
               <a:rPr lang="en-US" dirty="0"/>
-              <a:t>D</a:t>
-            </a:r>
-            <a:r>
-              <a:rPr lang="en-US" dirty="0" smtClean="0"/>
-              <a:t>efines </a:t>
-            </a:r>
-            <a:r>
-              <a:rPr lang="en-US" dirty="0"/>
-              <a:t>the exact length of the frame's data </a:t>
-            </a:r>
-            <a:r>
-              <a:rPr lang="en-US" dirty="0" smtClean="0"/>
-              <a:t>field/ describes </a:t>
-            </a:r>
-            <a:r>
-              <a:rPr lang="en-US" dirty="0"/>
-              <a:t>which protocol is </a:t>
-            </a:r>
-            <a:r>
-              <a:rPr lang="en-US" dirty="0" smtClean="0"/>
-              <a:t>implemented</a:t>
-            </a:r>
-            <a:endParaRPr lang="en-US" dirty="0"/>
+              <a:t>Defines the exact length of the frame's data field/ describes which protocol is implemented</a:t>
+            </a:r>
           </a:p>
           <a:p>
             <a:endParaRPr lang="en-US" dirty="0"/>
@@ -18118,7 +17728,7 @@
           <a:p>
             <a:pPr algn="l"/>
             <a:r>
-              <a:rPr lang="en-US" b="1" dirty="0" smtClean="0"/>
+              <a:rPr lang="en-US" b="1" dirty="0"/>
               <a:t>802.2 Header &amp; Data</a:t>
             </a:r>
             <a:endParaRPr lang="en-US" dirty="0"/>
@@ -18126,10 +17736,9 @@
           <a:p>
             <a:pPr algn="l"/>
             <a:r>
-              <a:rPr lang="en-US" dirty="0" smtClean="0"/>
+              <a:rPr lang="en-US" dirty="0"/>
               <a:t>Increase this frame field to at least 64 bytes</a:t>
             </a:r>
-            <a:endParaRPr lang="en-US" dirty="0"/>
           </a:p>
           <a:p>
             <a:endParaRPr lang="en-US" dirty="0"/>
@@ -18171,14 +17780,14 @@
           </a:ln>
           <a:extLst>
             <a:ext uri="{909E8E84-426E-40dd-AFC4-6F175D3DCCD1}">
-              <a14:hiddenFill xmlns:a14="http://schemas.microsoft.com/office/drawing/2010/main">
+              <a14:hiddenFill xmlns:a14="http://schemas.microsoft.com/office/drawing/2010/main" xmlns="">
                 <a:solidFill>
                   <a:schemeClr val="accent1"/>
                 </a:solidFill>
               </a14:hiddenFill>
             </a:ext>
             <a:ext uri="{91240B29-F687-4f45-9708-019B960494DF}">
-              <a14:hiddenLine xmlns:a14="http://schemas.microsoft.com/office/drawing/2010/main" w="9525">
+              <a14:hiddenLine xmlns:a14="http://schemas.microsoft.com/office/drawing/2010/main" xmlns="" w="9525">
                 <a:solidFill>
                   <a:schemeClr val="tx1"/>
                 </a:solidFill>
@@ -18216,12 +17825,11 @@
               <a:rPr lang="en-US" b="1" dirty="0"/>
               <a:t>Preamble </a:t>
             </a:r>
-            <a:endParaRPr lang="en-US" b="1" dirty="0" smtClean="0"/>
           </a:p>
           <a:p>
             <a:pPr algn="l"/>
             <a:r>
-              <a:rPr lang="en-US" b="1" dirty="0" smtClean="0">
+              <a:rPr lang="en-US" b="1" dirty="0">
                 <a:solidFill>
                   <a:srgbClr val="3366FF"/>
                 </a:solidFill>
@@ -18246,16 +17854,9 @@
   <p:clrMapOvr>
     <a:masterClrMapping/>
   </p:clrMapOvr>
-  <p:transition xmlns:p14="http://schemas.microsoft.com/office/powerpoint/2010/main" spd="med">
+  <p:transition spd="med">
     <p:wipe dir="r"/>
   </p:transition>
-  <p:timing>
-    <p:tnLst>
-      <p:par>
-        <p:cTn xmlns:p14="http://schemas.microsoft.com/office/powerpoint/2010/main" id="1" dur="indefinite" restart="never" nodeType="tmRoot"/>
-      </p:par>
-    </p:tnLst>
-  </p:timing>
 </p:sld>
 </file>
 
@@ -18303,26 +17904,17 @@
               </a:rPr>
               <a:t>Ethernet Frame Attributes</a:t>
             </a:r>
-            <a:r>
-              <a:rPr lang="en-US" sz="1800" dirty="0" smtClean="0">
-                <a:latin typeface="Arial" charset="0"/>
-              </a:rPr>
-              <a:t/>
-            </a:r>
             <a:br>
-              <a:rPr lang="en-US" sz="1800" dirty="0" smtClean="0">
+              <a:rPr lang="en-US" sz="1800" dirty="0">
                 <a:latin typeface="Arial" charset="0"/>
               </a:rPr>
             </a:br>
             <a:r>
-              <a:rPr lang="en-US" sz="2400" dirty="0" smtClean="0">
+              <a:rPr lang="en-US" sz="2400" dirty="0">
                 <a:latin typeface="Arial" charset="0"/>
               </a:rPr>
               <a:t>Ethernet Frame Size</a:t>
             </a:r>
-            <a:endParaRPr lang="en-US" sz="2400" dirty="0">
-              <a:latin typeface="Arial" charset="0"/>
-            </a:endParaRPr>
           </a:p>
         </p:txBody>
       </p:sp>
@@ -18479,16 +18071,9 @@
   <p:clrMapOvr>
     <a:masterClrMapping/>
   </p:clrMapOvr>
-  <p:transition xmlns:p14="http://schemas.microsoft.com/office/powerpoint/2010/main" spd="med">
+  <p:transition spd="med">
     <p:wipe dir="r"/>
   </p:transition>
-  <p:timing>
-    <p:tnLst>
-      <p:par>
-        <p:cTn xmlns:p14="http://schemas.microsoft.com/office/powerpoint/2010/main" id="1" dur="indefinite" restart="never" nodeType="tmRoot"/>
-      </p:par>
-    </p:tnLst>
-  </p:timing>
 </p:sld>
 </file>
 
@@ -18536,26 +18121,17 @@
               </a:rPr>
               <a:t>Ethernet Frame Attributes</a:t>
             </a:r>
-            <a:r>
-              <a:rPr lang="en-US" sz="1800" dirty="0" smtClean="0">
-                <a:latin typeface="Arial" charset="0"/>
-              </a:rPr>
-              <a:t/>
-            </a:r>
             <a:br>
-              <a:rPr lang="en-US" sz="1800" dirty="0" smtClean="0">
+              <a:rPr lang="en-US" sz="1800" dirty="0">
                 <a:latin typeface="Arial" charset="0"/>
               </a:rPr>
             </a:br>
             <a:r>
-              <a:rPr lang="en-US" dirty="0" smtClean="0">
+              <a:rPr lang="en-US" dirty="0">
                 <a:latin typeface="Arial" charset="0"/>
               </a:rPr>
               <a:t>Introduction to the Ethernet Frame</a:t>
             </a:r>
-            <a:endParaRPr lang="en-US" dirty="0">
-              <a:latin typeface="Arial" charset="0"/>
-            </a:endParaRPr>
           </a:p>
         </p:txBody>
       </p:sp>
@@ -18590,28 +18166,8 @@
           <a:p>
             <a:pPr algn="l"/>
             <a:r>
-              <a:rPr lang="en-US" dirty="0" smtClean="0"/>
-              <a:t>Used to </a:t>
-            </a:r>
-            <a:r>
               <a:rPr lang="en-US" dirty="0"/>
-              <a:t>detect errors in a </a:t>
-            </a:r>
-            <a:r>
-              <a:rPr lang="en-US" dirty="0" smtClean="0"/>
-              <a:t>frame with cyclic </a:t>
-            </a:r>
-            <a:r>
-              <a:rPr lang="en-US" dirty="0"/>
-              <a:t>redundancy </a:t>
-            </a:r>
-            <a:r>
-              <a:rPr lang="en-US" dirty="0" smtClean="0"/>
-              <a:t>check (4 bytes), if  calculations match at source and receiver, </a:t>
-            </a:r>
-            <a:r>
-              <a:rPr lang="en-US" dirty="0"/>
-              <a:t>no error occurred. </a:t>
+              <a:t>Used to detect errors in a frame with cyclic redundancy check (4 bytes), if  calculations match at source and receiver, no error occurred. </a:t>
             </a:r>
           </a:p>
         </p:txBody>
@@ -18651,14 +18207,14 @@
           </a:ln>
           <a:extLst>
             <a:ext uri="{909E8E84-426E-40dd-AFC4-6F175D3DCCD1}">
-              <a14:hiddenFill xmlns:a14="http://schemas.microsoft.com/office/drawing/2010/main">
+              <a14:hiddenFill xmlns:a14="http://schemas.microsoft.com/office/drawing/2010/main" xmlns="">
                 <a:solidFill>
                   <a:schemeClr val="accent1"/>
                 </a:solidFill>
               </a14:hiddenFill>
             </a:ext>
             <a:ext uri="{91240B29-F687-4f45-9708-019B960494DF}">
-              <a14:hiddenLine xmlns:a14="http://schemas.microsoft.com/office/drawing/2010/main" w="9525">
+              <a14:hiddenLine xmlns:a14="http://schemas.microsoft.com/office/drawing/2010/main" xmlns="" w="9525">
                 <a:solidFill>
                   <a:schemeClr val="tx1"/>
                 </a:solidFill>
@@ -18680,16 +18236,9 @@
   <p:clrMapOvr>
     <a:masterClrMapping/>
   </p:clrMapOvr>
-  <p:transition xmlns:p14="http://schemas.microsoft.com/office/powerpoint/2010/main" spd="med">
+  <p:transition spd="med">
     <p:wipe dir="r"/>
   </p:transition>
-  <p:timing>
-    <p:tnLst>
-      <p:par>
-        <p:cTn xmlns:p14="http://schemas.microsoft.com/office/powerpoint/2010/main" id="1" dur="indefinite" restart="never" nodeType="tmRoot"/>
-      </p:par>
-    </p:tnLst>
-  </p:timing>
 </p:sld>
 </file>
 
@@ -18727,10 +18276,9 @@
           <a:p>
             <a:pPr algn="ctr"/>
             <a:r>
-              <a:rPr lang="en-US" dirty="0" smtClean="0"/>
+              <a:rPr lang="en-US" dirty="0"/>
               <a:t>Cyclic Redundancy Check (CRC)</a:t>
             </a:r>
-            <a:endParaRPr lang="en-US" dirty="0"/>
           </a:p>
         </p:txBody>
       </p:sp>
@@ -18753,12 +18301,8 @@
               <a:buNone/>
             </a:pPr>
             <a:r>
-              <a:rPr lang="en-US" dirty="0" smtClean="0"/>
-              <a:t>http</a:t>
-            </a:r>
-            <a:r>
               <a:rPr lang="en-US" dirty="0"/>
-              <a:t>://</a:t>
+              <a:t>http://</a:t>
             </a:r>
             <a:r>
               <a:rPr lang="en-US" dirty="0" err="1"/>
@@ -18789,13 +18333,6 @@
   <p:clrMapOvr>
     <a:masterClrMapping/>
   </p:clrMapOvr>
-  <p:timing>
-    <p:tnLst>
-      <p:par>
-        <p:cTn xmlns:p14="http://schemas.microsoft.com/office/powerpoint/2010/main" id="1" dur="indefinite" restart="never" nodeType="tmRoot"/>
-      </p:par>
-    </p:tnLst>
-  </p:timing>
 </p:sld>
 </file>
 
@@ -18851,14 +18388,14 @@
           </a:ln>
           <a:extLst>
             <a:ext uri="{909E8E84-426E-40dd-AFC4-6F175D3DCCD1}">
-              <a14:hiddenFill xmlns:a14="http://schemas.microsoft.com/office/drawing/2010/main">
+              <a14:hiddenFill xmlns:a14="http://schemas.microsoft.com/office/drawing/2010/main" xmlns="">
                 <a:solidFill>
                   <a:schemeClr val="accent1"/>
                 </a:solidFill>
               </a14:hiddenFill>
             </a:ext>
             <a:ext uri="{91240B29-F687-4f45-9708-019B960494DF}">
-              <a14:hiddenLine xmlns:a14="http://schemas.microsoft.com/office/drawing/2010/main" w="9525">
+              <a14:hiddenLine xmlns:a14="http://schemas.microsoft.com/office/drawing/2010/main" xmlns="" w="9525">
                 <a:solidFill>
                   <a:schemeClr val="tx1"/>
                 </a:solidFill>
@@ -18892,26 +18429,17 @@
               </a:rPr>
               <a:t>Ethernet Operation</a:t>
             </a:r>
-            <a:r>
-              <a:rPr lang="en-US" dirty="0">
-                <a:latin typeface="Arial" charset="0"/>
-              </a:rPr>
-              <a:t/>
-            </a:r>
             <a:br>
               <a:rPr lang="en-US" dirty="0">
                 <a:latin typeface="Arial" charset="0"/>
               </a:rPr>
             </a:br>
             <a:r>
-              <a:rPr lang="en-US" dirty="0" smtClean="0">
+              <a:rPr lang="en-US" dirty="0">
                 <a:latin typeface="Arial" charset="0"/>
               </a:rPr>
               <a:t>MAC Address: Ethernet Identity</a:t>
             </a:r>
-            <a:endParaRPr lang="en-US" dirty="0">
-              <a:latin typeface="Arial" charset="0"/>
-            </a:endParaRPr>
           </a:p>
         </p:txBody>
       </p:sp>
@@ -18942,24 +18470,8 @@
               <a:buChar char="•"/>
             </a:pPr>
             <a:r>
-              <a:rPr lang="en-US" sz="2000" dirty="0" smtClean="0"/>
-              <a:t>Layer </a:t>
-            </a:r>
-            <a:r>
               <a:rPr lang="en-US" sz="2000" dirty="0"/>
-              <a:t>2 </a:t>
-            </a:r>
-            <a:r>
-              <a:rPr lang="en-US" sz="2000" dirty="0" smtClean="0"/>
-              <a:t>Ethernet </a:t>
-            </a:r>
-            <a:r>
-              <a:rPr lang="en-US" sz="2000" dirty="0"/>
-              <a:t>MAC address is a 48-bit binary value expressed as 12 hexadecimal </a:t>
-            </a:r>
-            <a:r>
-              <a:rPr lang="en-US" sz="2000" dirty="0" smtClean="0"/>
-              <a:t>digits</a:t>
+              <a:t>Layer 2 Ethernet MAC address is a 48-bit binary value expressed as 12 hexadecimal digits</a:t>
             </a:r>
           </a:p>
           <a:p>
@@ -18968,16 +18480,8 @@
               <a:buChar char="§"/>
             </a:pPr>
             <a:r>
-              <a:rPr lang="en-US" sz="2000" dirty="0" smtClean="0"/>
-              <a:t>IEEE </a:t>
-            </a:r>
-            <a:r>
               <a:rPr lang="en-US" sz="2000" dirty="0"/>
-              <a:t>requires a vendor to follow two simple </a:t>
-            </a:r>
-            <a:r>
-              <a:rPr lang="en-US" sz="2000" dirty="0" smtClean="0"/>
-              <a:t>rules:</a:t>
+              <a:t>IEEE requires a vendor to follow two simple rules:</a:t>
             </a:r>
           </a:p>
           <a:p>
@@ -18987,19 +18491,7 @@
             </a:pPr>
             <a:r>
               <a:rPr lang="en-US" sz="2000" dirty="0"/>
-              <a:t>M</a:t>
-            </a:r>
-            <a:r>
-              <a:rPr lang="en-US" sz="2000" dirty="0" smtClean="0"/>
-              <a:t>ust </a:t>
-            </a:r>
-            <a:r>
-              <a:rPr lang="en-US" sz="2000" dirty="0"/>
-              <a:t>use that vendor's assigned OUI as the first 3 </a:t>
-            </a:r>
-            <a:r>
-              <a:rPr lang="en-US" sz="2000" dirty="0" smtClean="0"/>
-              <a:t>bytes</a:t>
+              <a:t>Must use that vendor's assigned OUI as the first 3 bytes</a:t>
             </a:r>
           </a:p>
           <a:p>
@@ -19008,26 +18500,9 @@
               <a:buChar char="•"/>
             </a:pPr>
             <a:r>
-              <a:rPr lang="en-US" sz="2000" dirty="0" smtClean="0"/>
-              <a:t>All </a:t>
-            </a:r>
-            <a:r>
               <a:rPr lang="en-US" sz="2000" dirty="0"/>
-              <a:t>MAC addresses with the same OUI must be assigned a unique value </a:t>
-            </a:r>
-            <a:r>
-              <a:rPr lang="en-US" sz="2000" dirty="0" smtClean="0"/>
-              <a:t>in </a:t>
-            </a:r>
-            <a:r>
-              <a:rPr lang="en-US" sz="2000" dirty="0"/>
-              <a:t>the last 3 </a:t>
-            </a:r>
-            <a:r>
-              <a:rPr lang="en-US" sz="2000" dirty="0" smtClean="0"/>
-              <a:t>bytes</a:t>
-            </a:r>
-            <a:endParaRPr lang="en-US" sz="2000" dirty="0"/>
+              <a:t>All MAC addresses with the same OUI must be assigned a unique value in the last 3 bytes</a:t>
+            </a:r>
           </a:p>
           <a:p>
             <a:endParaRPr lang="en-US" dirty="0"/>
@@ -19039,16 +18514,9 @@
   <p:clrMapOvr>
     <a:masterClrMapping/>
   </p:clrMapOvr>
-  <p:transition xmlns:p14="http://schemas.microsoft.com/office/powerpoint/2010/main" spd="med">
+  <p:transition spd="med">
     <p:wipe dir="r"/>
   </p:transition>
-  <p:timing>
-    <p:tnLst>
-      <p:par>
-        <p:cTn xmlns:p14="http://schemas.microsoft.com/office/powerpoint/2010/main" id="1" dur="indefinite" restart="never" nodeType="tmRoot"/>
-      </p:par>
-    </p:tnLst>
-  </p:timing>
 </p:sld>
 </file>
 
@@ -19091,26 +18559,17 @@
               </a:rPr>
               <a:t>Ethernet Operation</a:t>
             </a:r>
-            <a:r>
-              <a:rPr lang="en-US" dirty="0">
-                <a:latin typeface="Arial" charset="0"/>
-              </a:rPr>
-              <a:t/>
-            </a:r>
             <a:br>
               <a:rPr lang="en-US" dirty="0">
                 <a:latin typeface="Arial" charset="0"/>
               </a:rPr>
             </a:br>
             <a:r>
-              <a:rPr lang="en-US" sz="2800" dirty="0" smtClean="0">
+              <a:rPr lang="en-US" sz="2800" dirty="0">
                 <a:latin typeface="Arial" charset="0"/>
               </a:rPr>
               <a:t>Frame Processing</a:t>
             </a:r>
-            <a:endParaRPr lang="en-US" sz="2800" dirty="0">
-              <a:latin typeface="Arial" charset="0"/>
-            </a:endParaRPr>
           </a:p>
         </p:txBody>
       </p:sp>
@@ -19298,16 +18757,9 @@
   <p:clrMapOvr>
     <a:masterClrMapping/>
   </p:clrMapOvr>
-  <p:transition xmlns:p14="http://schemas.microsoft.com/office/powerpoint/2010/main" spd="med">
+  <p:transition spd="med">
     <p:wipe dir="r"/>
   </p:transition>
-  <p:timing>
-    <p:tnLst>
-      <p:par>
-        <p:cTn xmlns:p14="http://schemas.microsoft.com/office/powerpoint/2010/main" id="1" dur="indefinite" restart="never" nodeType="tmRoot"/>
-      </p:par>
-    </p:tnLst>
-  </p:timing>
 </p:sld>
 </file>
 
@@ -19345,37 +18797,28 @@
           <a:p>
             <a:pPr eaLnBrk="1" hangingPunct="1"/>
             <a:r>
-              <a:rPr lang="en-US" sz="1800" dirty="0" smtClean="0">
+              <a:rPr lang="en-US" sz="1800" dirty="0">
                 <a:latin typeface="Arial" charset="0"/>
               </a:rPr>
               <a:t>Ethernet MAC</a:t>
             </a:r>
-            <a:r>
-              <a:rPr lang="en-US" dirty="0">
-                <a:latin typeface="Arial" charset="0"/>
-              </a:rPr>
-              <a:t/>
-            </a:r>
             <a:br>
               <a:rPr lang="en-US" dirty="0">
                 <a:latin typeface="Arial" charset="0"/>
               </a:rPr>
             </a:br>
             <a:r>
-              <a:rPr lang="en-US" dirty="0" err="1" smtClean="0">
+              <a:rPr lang="en-US" dirty="0" err="1">
                 <a:latin typeface="Arial" charset="0"/>
               </a:rPr>
               <a:t>MAC</a:t>
             </a:r>
             <a:r>
-              <a:rPr lang="en-US" dirty="0" smtClean="0">
+              <a:rPr lang="en-US" dirty="0">
                 <a:latin typeface="Arial" charset="0"/>
               </a:rPr>
               <a:t> Addresses and Hexadecimal</a:t>
             </a:r>
-            <a:endParaRPr lang="en-US" dirty="0">
-              <a:latin typeface="Arial" charset="0"/>
-            </a:endParaRPr>
           </a:p>
         </p:txBody>
       </p:sp>
@@ -19415,14 +18858,14 @@
           <a:effectLst/>
           <a:extLst>
             <a:ext uri="{909E8E84-426E-40dd-AFC4-6F175D3DCCD1}">
-              <a14:hiddenFill xmlns:a14="http://schemas.microsoft.com/office/drawing/2010/main">
+              <a14:hiddenFill xmlns:a14="http://schemas.microsoft.com/office/drawing/2010/main" xmlns="">
                 <a:solidFill>
                   <a:schemeClr val="accent1"/>
                 </a:solidFill>
               </a14:hiddenFill>
             </a:ext>
             <a:ext uri="{91240B29-F687-4f45-9708-019B960494DF}">
-              <a14:hiddenLine xmlns:a14="http://schemas.microsoft.com/office/drawing/2010/main" w="9525">
+              <a14:hiddenLine xmlns:a14="http://schemas.microsoft.com/office/drawing/2010/main" xmlns="" w="9525">
                 <a:solidFill>
                   <a:schemeClr val="tx1"/>
                 </a:solidFill>
@@ -19432,7 +18875,7 @@
               </a14:hiddenLine>
             </a:ext>
             <a:ext uri="{AF507438-7753-43e0-B8FC-AC1667EBCBE1}">
-              <a14:hiddenEffects xmlns:a14="http://schemas.microsoft.com/office/drawing/2010/main">
+              <a14:hiddenEffects xmlns:a14="http://schemas.microsoft.com/office/drawing/2010/main" xmlns="">
                 <a:effectLst>
                   <a:outerShdw dist="35921" dir="2700000" algn="ctr" rotWithShape="0">
                     <a:schemeClr val="bg2"/>
@@ -19479,14 +18922,14 @@
           <a:effectLst/>
           <a:extLst>
             <a:ext uri="{909E8E84-426E-40dd-AFC4-6F175D3DCCD1}">
-              <a14:hiddenFill xmlns:a14="http://schemas.microsoft.com/office/drawing/2010/main">
+              <a14:hiddenFill xmlns:a14="http://schemas.microsoft.com/office/drawing/2010/main" xmlns="">
                 <a:solidFill>
                   <a:schemeClr val="accent1"/>
                 </a:solidFill>
               </a14:hiddenFill>
             </a:ext>
             <a:ext uri="{91240B29-F687-4f45-9708-019B960494DF}">
-              <a14:hiddenLine xmlns:a14="http://schemas.microsoft.com/office/drawing/2010/main" w="9525">
+              <a14:hiddenLine xmlns:a14="http://schemas.microsoft.com/office/drawing/2010/main" xmlns="" w="9525">
                 <a:solidFill>
                   <a:schemeClr val="tx1"/>
                 </a:solidFill>
@@ -19496,7 +18939,7 @@
               </a14:hiddenLine>
             </a:ext>
             <a:ext uri="{AF507438-7753-43e0-B8FC-AC1667EBCBE1}">
-              <a14:hiddenEffects xmlns:a14="http://schemas.microsoft.com/office/drawing/2010/main">
+              <a14:hiddenEffects xmlns:a14="http://schemas.microsoft.com/office/drawing/2010/main" xmlns="">
                 <a:effectLst>
                   <a:outerShdw dist="35921" dir="2700000" algn="ctr" rotWithShape="0">
                     <a:schemeClr val="bg2"/>
@@ -19512,16 +18955,9 @@
   <p:clrMapOvr>
     <a:masterClrMapping/>
   </p:clrMapOvr>
-  <p:transition xmlns:p14="http://schemas.microsoft.com/office/powerpoint/2010/main" spd="med">
+  <p:transition spd="med">
     <p:wipe dir="r"/>
   </p:transition>
-  <p:timing>
-    <p:tnLst>
-      <p:par>
-        <p:cTn xmlns:p14="http://schemas.microsoft.com/office/powerpoint/2010/main" id="1" dur="indefinite" restart="never" nodeType="tmRoot"/>
-      </p:par>
-    </p:tnLst>
-  </p:timing>
 </p:sld>
 </file>
 
@@ -19562,17 +18998,8 @@
               <a:rPr lang="en-US" dirty="0">
                 <a:latin typeface="Arial" charset="0"/>
               </a:rPr>
-              <a:t>Chapter </a:t>
-            </a:r>
-            <a:r>
-              <a:rPr lang="en-US" dirty="0" smtClean="0">
-                <a:latin typeface="Arial" charset="0"/>
-              </a:rPr>
-              <a:t>5</a:t>
-            </a:r>
-            <a:endParaRPr lang="en-US" dirty="0">
-              <a:latin typeface="Arial" charset="0"/>
-            </a:endParaRPr>
+              <a:t>Chapter 5</a:t>
+            </a:r>
           </a:p>
         </p:txBody>
       </p:sp>
@@ -19598,7 +19025,7 @@
           <a:p>
             <a:pPr lvl="1" eaLnBrk="1" hangingPunct="1"/>
             <a:r>
-              <a:rPr lang="en-US" sz="2400" dirty="0" smtClean="0">
+              <a:rPr lang="en-US" sz="2400" dirty="0">
                 <a:latin typeface="Arial" charset="0"/>
               </a:rPr>
               <a:t>5.0  Introduction</a:t>
@@ -19607,50 +19034,38 @@
           <a:p>
             <a:pPr lvl="1" eaLnBrk="1" hangingPunct="1"/>
             <a:r>
-              <a:rPr lang="en-US" sz="2400" dirty="0" smtClean="0">
+              <a:rPr lang="en-US" sz="2400" dirty="0">
                 <a:latin typeface="Arial" charset="0"/>
               </a:rPr>
               <a:t>5.1  Ethernet Protocol</a:t>
             </a:r>
-            <a:endParaRPr lang="en-US" sz="2400" dirty="0">
-              <a:latin typeface="Arial" charset="0"/>
-            </a:endParaRPr>
           </a:p>
           <a:p>
             <a:pPr lvl="1" eaLnBrk="1" hangingPunct="1"/>
             <a:r>
-              <a:rPr lang="en-US" sz="2400" dirty="0" smtClean="0">
+              <a:rPr lang="en-US" sz="2400" dirty="0">
                 <a:latin typeface="Arial" charset="0"/>
               </a:rPr>
               <a:t>5.2  Address Resolution Protocol</a:t>
             </a:r>
-            <a:endParaRPr lang="en-US" sz="2400" dirty="0">
-              <a:latin typeface="Arial" charset="0"/>
-            </a:endParaRPr>
           </a:p>
           <a:p>
             <a:pPr lvl="1" eaLnBrk="1" hangingPunct="1"/>
             <a:r>
-              <a:rPr lang="en-US" sz="2400" dirty="0" smtClean="0">
+              <a:rPr lang="en-US" sz="2400" dirty="0">
                 <a:latin typeface="Arial" charset="0"/>
               </a:rPr>
               <a:t>5.3  LAN Switches</a:t>
             </a:r>
-            <a:endParaRPr lang="en-US" sz="2400" dirty="0">
-              <a:latin typeface="Arial" charset="0"/>
-            </a:endParaRPr>
           </a:p>
           <a:p>
             <a:pPr lvl="1" eaLnBrk="1" hangingPunct="1"/>
             <a:r>
-              <a:rPr lang="en-US" sz="2400" dirty="0" smtClean="0">
+              <a:rPr lang="en-US" sz="2400" dirty="0">
                 <a:latin typeface="Arial" charset="0"/>
               </a:rPr>
               <a:t>5.4  Summary</a:t>
             </a:r>
-            <a:endParaRPr lang="en-US" sz="2400" dirty="0">
-              <a:latin typeface="Arial" charset="0"/>
-            </a:endParaRPr>
           </a:p>
         </p:txBody>
       </p:sp>
@@ -19659,13 +19074,6 @@
   <p:clrMapOvr>
     <a:masterClrMapping/>
   </p:clrMapOvr>
-  <p:timing>
-    <p:tnLst>
-      <p:par>
-        <p:cTn xmlns:p14="http://schemas.microsoft.com/office/powerpoint/2010/main" id="1" dur="indefinite" restart="never" nodeType="tmRoot"/>
-      </p:par>
-    </p:tnLst>
-  </p:timing>
 </p:sld>
 </file>
 
@@ -19713,32 +19121,23 @@
               </a:rPr>
               <a:t>Ethernet MAC</a:t>
             </a:r>
-            <a:r>
-              <a:rPr lang="en-US" sz="1600" dirty="0">
-                <a:latin typeface="Arial" charset="0"/>
-              </a:rPr>
-              <a:t/>
-            </a:r>
             <a:br>
               <a:rPr lang="en-US" sz="1600" dirty="0">
                 <a:latin typeface="Arial" charset="0"/>
               </a:rPr>
             </a:br>
             <a:r>
-              <a:rPr lang="en-US" dirty="0" err="1" smtClean="0">
+              <a:rPr lang="en-US" dirty="0" err="1">
                 <a:latin typeface="Arial" charset="0"/>
               </a:rPr>
               <a:t>MAC</a:t>
             </a:r>
             <a:r>
-              <a:rPr lang="en-US" dirty="0" smtClean="0">
+              <a:rPr lang="en-US" dirty="0">
                 <a:latin typeface="Arial" charset="0"/>
               </a:rPr>
               <a:t> Address Representations</a:t>
             </a:r>
-            <a:endParaRPr lang="en-US" dirty="0">
-              <a:latin typeface="Arial" charset="0"/>
-            </a:endParaRPr>
           </a:p>
         </p:txBody>
       </p:sp>
@@ -19778,14 +19177,14 @@
           <a:effectLst/>
           <a:extLst>
             <a:ext uri="{909E8E84-426E-40dd-AFC4-6F175D3DCCD1}">
-              <a14:hiddenFill xmlns:a14="http://schemas.microsoft.com/office/drawing/2010/main">
+              <a14:hiddenFill xmlns:a14="http://schemas.microsoft.com/office/drawing/2010/main" xmlns="">
                 <a:solidFill>
                   <a:schemeClr val="accent1"/>
                 </a:solidFill>
               </a14:hiddenFill>
             </a:ext>
             <a:ext uri="{91240B29-F687-4f45-9708-019B960494DF}">
-              <a14:hiddenLine xmlns:a14="http://schemas.microsoft.com/office/drawing/2010/main" w="9525">
+              <a14:hiddenLine xmlns:a14="http://schemas.microsoft.com/office/drawing/2010/main" xmlns="" w="9525">
                 <a:solidFill>
                   <a:schemeClr val="tx1"/>
                 </a:solidFill>
@@ -19795,7 +19194,7 @@
               </a14:hiddenLine>
             </a:ext>
             <a:ext uri="{AF507438-7753-43e0-B8FC-AC1667EBCBE1}">
-              <a14:hiddenEffects xmlns:a14="http://schemas.microsoft.com/office/drawing/2010/main">
+              <a14:hiddenEffects xmlns:a14="http://schemas.microsoft.com/office/drawing/2010/main" xmlns="">
                 <a:effectLst>
                   <a:outerShdw dist="35921" dir="2700000" algn="ctr" rotWithShape="0">
                     <a:schemeClr val="bg2"/>
@@ -19841,14 +19240,14 @@
           </a:ln>
           <a:extLst>
             <a:ext uri="{909E8E84-426E-40dd-AFC4-6F175D3DCCD1}">
-              <a14:hiddenFill xmlns:a14="http://schemas.microsoft.com/office/drawing/2010/main">
+              <a14:hiddenFill xmlns:a14="http://schemas.microsoft.com/office/drawing/2010/main" xmlns="">
                 <a:solidFill>
                   <a:schemeClr val="accent1"/>
                 </a:solidFill>
               </a14:hiddenFill>
             </a:ext>
             <a:ext uri="{91240B29-F687-4f45-9708-019B960494DF}">
-              <a14:hiddenLine xmlns:a14="http://schemas.microsoft.com/office/drawing/2010/main" w="9525">
+              <a14:hiddenLine xmlns:a14="http://schemas.microsoft.com/office/drawing/2010/main" xmlns="" w="9525">
                 <a:solidFill>
                   <a:schemeClr val="tx1"/>
                 </a:solidFill>
@@ -19870,16 +19269,9 @@
   <p:clrMapOvr>
     <a:masterClrMapping/>
   </p:clrMapOvr>
-  <p:transition xmlns:p14="http://schemas.microsoft.com/office/powerpoint/2010/main" spd="med">
+  <p:transition spd="med">
     <p:wipe dir="r"/>
   </p:transition>
-  <p:timing>
-    <p:tnLst>
-      <p:par>
-        <p:cTn xmlns:p14="http://schemas.microsoft.com/office/powerpoint/2010/main" id="1" dur="indefinite" restart="never" nodeType="tmRoot"/>
-      </p:par>
-    </p:tnLst>
-  </p:timing>
 </p:sld>
 </file>
 
@@ -19952,7 +19344,7 @@
           <a:p>
             <a:pPr algn="ctr"/>
             <a:r>
-              <a:rPr lang="en-US" b="1" dirty="0" err="1" smtClean="0">
+              <a:rPr lang="en-US" b="1" dirty="0" err="1">
                 <a:solidFill>
                   <a:srgbClr val="0000FF"/>
                 </a:solidFill>
@@ -20014,7 +19406,7 @@
           <a:p>
             <a:pPr algn="ctr"/>
             <a:r>
-              <a:rPr lang="en-US" b="1" dirty="0" err="1" smtClean="0">
+              <a:rPr lang="en-US" b="1" dirty="0" err="1">
                 <a:solidFill>
                   <a:srgbClr val="0000FF"/>
                 </a:solidFill>
@@ -20106,26 +19498,17 @@
               </a:rPr>
               <a:t>Ethernet MAC</a:t>
             </a:r>
-            <a:r>
-              <a:rPr lang="en-US" dirty="0">
-                <a:latin typeface="Arial" charset="0"/>
-              </a:rPr>
-              <a:t/>
-            </a:r>
             <a:br>
               <a:rPr lang="en-US" dirty="0">
                 <a:latin typeface="Arial" charset="0"/>
               </a:rPr>
             </a:br>
             <a:r>
-              <a:rPr lang="en-US" dirty="0" smtClean="0">
+              <a:rPr lang="en-US" dirty="0">
                 <a:latin typeface="Arial" charset="0"/>
               </a:rPr>
               <a:t>Unicast MAC Address</a:t>
             </a:r>
-            <a:endParaRPr lang="en-US" dirty="0">
-              <a:latin typeface="Arial" charset="0"/>
-            </a:endParaRPr>
           </a:p>
         </p:txBody>
       </p:sp>
@@ -20165,14 +19548,14 @@
           <a:effectLst/>
           <a:extLst>
             <a:ext uri="{909E8E84-426E-40dd-AFC4-6F175D3DCCD1}">
-              <a14:hiddenFill xmlns:a14="http://schemas.microsoft.com/office/drawing/2010/main">
+              <a14:hiddenFill xmlns:a14="http://schemas.microsoft.com/office/drawing/2010/main" xmlns="">
                 <a:solidFill>
                   <a:schemeClr val="accent1"/>
                 </a:solidFill>
               </a14:hiddenFill>
             </a:ext>
             <a:ext uri="{91240B29-F687-4f45-9708-019B960494DF}">
-              <a14:hiddenLine xmlns:a14="http://schemas.microsoft.com/office/drawing/2010/main" w="9525">
+              <a14:hiddenLine xmlns:a14="http://schemas.microsoft.com/office/drawing/2010/main" xmlns="" w="9525">
                 <a:solidFill>
                   <a:schemeClr val="tx1"/>
                 </a:solidFill>
@@ -20182,7 +19565,7 @@
               </a14:hiddenLine>
             </a:ext>
             <a:ext uri="{AF507438-7753-43e0-B8FC-AC1667EBCBE1}">
-              <a14:hiddenEffects xmlns:a14="http://schemas.microsoft.com/office/drawing/2010/main">
+              <a14:hiddenEffects xmlns:a14="http://schemas.microsoft.com/office/drawing/2010/main" xmlns="">
                 <a:effectLst>
                   <a:outerShdw dist="35921" dir="2700000" algn="ctr" rotWithShape="0">
                     <a:schemeClr val="bg2"/>
@@ -20198,16 +19581,9 @@
   <p:clrMapOvr>
     <a:masterClrMapping/>
   </p:clrMapOvr>
-  <p:transition xmlns:p14="http://schemas.microsoft.com/office/powerpoint/2010/main" spd="med">
+  <p:transition spd="med">
     <p:wipe dir="r"/>
   </p:transition>
-  <p:timing>
-    <p:tnLst>
-      <p:par>
-        <p:cTn xmlns:p14="http://schemas.microsoft.com/office/powerpoint/2010/main" id="1" dur="indefinite" restart="never" nodeType="tmRoot"/>
-      </p:par>
-    </p:tnLst>
-  </p:timing>
 </p:sld>
 </file>
 
@@ -20250,26 +19626,17 @@
               </a:rPr>
               <a:t>Ethernet MAC</a:t>
             </a:r>
-            <a:r>
-              <a:rPr lang="en-US" sz="1800" dirty="0" smtClean="0">
-                <a:latin typeface="Arial" charset="0"/>
-              </a:rPr>
-              <a:t/>
-            </a:r>
             <a:br>
-              <a:rPr lang="en-US" sz="1800" dirty="0" smtClean="0">
+              <a:rPr lang="en-US" sz="1800" dirty="0">
                 <a:latin typeface="Arial" charset="0"/>
               </a:rPr>
             </a:br>
             <a:r>
-              <a:rPr lang="en-US" dirty="0" smtClean="0">
+              <a:rPr lang="en-US" dirty="0">
                 <a:latin typeface="Arial" charset="0"/>
               </a:rPr>
               <a:t>Broadcast MAC Address</a:t>
             </a:r>
-            <a:endParaRPr lang="en-US" dirty="0">
-              <a:latin typeface="Arial" charset="0"/>
-            </a:endParaRPr>
           </a:p>
         </p:txBody>
       </p:sp>
@@ -20309,14 +19676,14 @@
           <a:effectLst/>
           <a:extLst>
             <a:ext uri="{909E8E84-426E-40dd-AFC4-6F175D3DCCD1}">
-              <a14:hiddenFill xmlns:a14="http://schemas.microsoft.com/office/drawing/2010/main">
+              <a14:hiddenFill xmlns:a14="http://schemas.microsoft.com/office/drawing/2010/main" xmlns="">
                 <a:solidFill>
                   <a:schemeClr val="accent1"/>
                 </a:solidFill>
               </a14:hiddenFill>
             </a:ext>
             <a:ext uri="{91240B29-F687-4f45-9708-019B960494DF}">
-              <a14:hiddenLine xmlns:a14="http://schemas.microsoft.com/office/drawing/2010/main" w="9525">
+              <a14:hiddenLine xmlns:a14="http://schemas.microsoft.com/office/drawing/2010/main" xmlns="" w="9525">
                 <a:solidFill>
                   <a:schemeClr val="tx1"/>
                 </a:solidFill>
@@ -20326,7 +19693,7 @@
               </a14:hiddenLine>
             </a:ext>
             <a:ext uri="{AF507438-7753-43e0-B8FC-AC1667EBCBE1}">
-              <a14:hiddenEffects xmlns:a14="http://schemas.microsoft.com/office/drawing/2010/main">
+              <a14:hiddenEffects xmlns:a14="http://schemas.microsoft.com/office/drawing/2010/main" xmlns="">
                 <a:effectLst>
                   <a:outerShdw dist="35921" dir="2700000" algn="ctr" rotWithShape="0">
                     <a:schemeClr val="bg2"/>
@@ -20342,16 +19709,9 @@
   <p:clrMapOvr>
     <a:masterClrMapping/>
   </p:clrMapOvr>
-  <p:transition xmlns:p14="http://schemas.microsoft.com/office/powerpoint/2010/main" spd="med">
+  <p:transition spd="med">
     <p:wipe dir="r"/>
   </p:transition>
-  <p:timing>
-    <p:tnLst>
-      <p:par>
-        <p:cTn xmlns:p14="http://schemas.microsoft.com/office/powerpoint/2010/main" id="1" dur="indefinite" restart="never" nodeType="tmRoot"/>
-      </p:par>
-    </p:tnLst>
-  </p:timing>
 </p:sld>
 </file>
 
@@ -20394,26 +19754,17 @@
               </a:rPr>
               <a:t>Ethernet MAC</a:t>
             </a:r>
-            <a:r>
-              <a:rPr lang="en-US" sz="1800" dirty="0" smtClean="0">
-                <a:latin typeface="Arial" charset="0"/>
-              </a:rPr>
-              <a:t/>
-            </a:r>
             <a:br>
-              <a:rPr lang="en-US" sz="1800" dirty="0" smtClean="0">
+              <a:rPr lang="en-US" sz="1800" dirty="0">
                 <a:latin typeface="Arial" charset="0"/>
               </a:rPr>
             </a:br>
             <a:r>
-              <a:rPr lang="en-US" sz="2800" dirty="0" smtClean="0">
+              <a:rPr lang="en-US" sz="2800" dirty="0">
                 <a:latin typeface="Arial" charset="0"/>
               </a:rPr>
               <a:t>Multicast MAC Address</a:t>
             </a:r>
-            <a:endParaRPr lang="en-US" sz="2800" dirty="0">
-              <a:latin typeface="Arial" charset="0"/>
-            </a:endParaRPr>
           </a:p>
         </p:txBody>
       </p:sp>
@@ -20453,14 +19804,14 @@
           <a:effectLst/>
           <a:extLst>
             <a:ext uri="{909E8E84-426E-40dd-AFC4-6F175D3DCCD1}">
-              <a14:hiddenFill xmlns:a14="http://schemas.microsoft.com/office/drawing/2010/main">
+              <a14:hiddenFill xmlns:a14="http://schemas.microsoft.com/office/drawing/2010/main" xmlns="">
                 <a:solidFill>
                   <a:schemeClr val="accent1"/>
                 </a:solidFill>
               </a14:hiddenFill>
             </a:ext>
             <a:ext uri="{91240B29-F687-4f45-9708-019B960494DF}">
-              <a14:hiddenLine xmlns:a14="http://schemas.microsoft.com/office/drawing/2010/main" w="9525">
+              <a14:hiddenLine xmlns:a14="http://schemas.microsoft.com/office/drawing/2010/main" xmlns="" w="9525">
                 <a:solidFill>
                   <a:schemeClr val="tx1"/>
                 </a:solidFill>
@@ -20470,7 +19821,7 @@
               </a14:hiddenLine>
             </a:ext>
             <a:ext uri="{AF507438-7753-43e0-B8FC-AC1667EBCBE1}">
-              <a14:hiddenEffects xmlns:a14="http://schemas.microsoft.com/office/drawing/2010/main">
+              <a14:hiddenEffects xmlns:a14="http://schemas.microsoft.com/office/drawing/2010/main" xmlns="">
                 <a:effectLst>
                   <a:outerShdw dist="35921" dir="2700000" algn="ctr" rotWithShape="0">
                     <a:schemeClr val="bg2"/>
@@ -20504,21 +19855,8 @@
           <a:p>
             <a:r>
               <a:rPr lang="en-US" sz="1400" b="1" dirty="0"/>
-              <a:t>M</a:t>
-            </a:r>
-            <a:r>
-              <a:rPr lang="en-US" sz="1400" b="1" dirty="0" smtClean="0"/>
-              <a:t>ulticast </a:t>
-            </a:r>
-            <a:r>
-              <a:rPr lang="en-US" sz="1400" b="1" dirty="0"/>
-              <a:t>MAC address is a special value that begins with 01-00-5E in </a:t>
-            </a:r>
-            <a:r>
-              <a:rPr lang="en-US" sz="1400" b="1" dirty="0" smtClean="0"/>
-              <a:t>hexadecimal</a:t>
-            </a:r>
-            <a:endParaRPr lang="en-US" sz="1400" b="1" dirty="0"/>
+              <a:t>Multicast MAC address is a special value that begins with 01-00-5E in hexadecimal</a:t>
+            </a:r>
           </a:p>
         </p:txBody>
       </p:sp>
@@ -20544,12 +19882,8 @@
           <a:lstStyle/>
           <a:p>
             <a:r>
-              <a:rPr lang="en-US" sz="1400" b="1" dirty="0" smtClean="0"/>
-              <a:t>Range of </a:t>
-            </a:r>
-            <a:r>
               <a:rPr lang="en-US" sz="1400" b="1" dirty="0"/>
-              <a:t>IPV4 multicast addresses is 224.0.0.0 to 239.255.255.255</a:t>
+              <a:t>Range of IPV4 multicast addresses is 224.0.0.0 to 239.255.255.255</a:t>
             </a:r>
           </a:p>
         </p:txBody>
@@ -20564,16 +19898,9 @@
   <p:clrMapOvr>
     <a:masterClrMapping/>
   </p:clrMapOvr>
-  <p:transition xmlns:p14="http://schemas.microsoft.com/office/powerpoint/2010/main" spd="med">
+  <p:transition spd="med">
     <p:wipe dir="r"/>
   </p:transition>
-  <p:timing>
-    <p:tnLst>
-      <p:par>
-        <p:cTn xmlns:p14="http://schemas.microsoft.com/office/powerpoint/2010/main" id="1" dur="indefinite" restart="never" nodeType="tmRoot"/>
-      </p:par>
-    </p:tnLst>
-  </p:timing>
 </p:sld>
 </file>
 
@@ -20611,25 +19938,22 @@
           <a:p>
             <a:pPr eaLnBrk="1" hangingPunct="1"/>
             <a:r>
-              <a:rPr lang="en-US" sz="1800" dirty="0" smtClean="0">
+              <a:rPr lang="en-US" sz="1800" dirty="0">
                 <a:latin typeface="Arial" charset="0"/>
               </a:rPr>
               <a:t>MAC and IP</a:t>
             </a:r>
             <a:br>
-              <a:rPr lang="en-US" sz="1800" dirty="0" smtClean="0">
+              <a:rPr lang="en-US" sz="1800" dirty="0">
                 <a:latin typeface="Arial" charset="0"/>
               </a:rPr>
             </a:br>
             <a:r>
-              <a:rPr lang="en-US" sz="2800" dirty="0" smtClean="0">
+              <a:rPr lang="en-US" sz="2800" dirty="0">
                 <a:latin typeface="Arial" charset="0"/>
               </a:rPr>
               <a:t>MAC and IP</a:t>
             </a:r>
-            <a:endParaRPr lang="en-US" sz="2800" dirty="0">
-              <a:latin typeface="Arial" charset="0"/>
-            </a:endParaRPr>
           </a:p>
         </p:txBody>
       </p:sp>
@@ -20657,7 +19981,7 @@
           <a:p>
             <a:pPr algn="l"/>
             <a:r>
-              <a:rPr lang="en-US" b="1" dirty="0" smtClean="0"/>
+              <a:rPr lang="en-US" b="1" dirty="0"/>
               <a:t>MAC address</a:t>
             </a:r>
           </a:p>
@@ -20682,7 +20006,22 @@
               <a:rPr lang="en-US" sz="2000" dirty="0">
                 <a:latin typeface="+mn-lt"/>
               </a:rPr>
-              <a:t>This address does not change </a:t>
+              <a:t>This address </a:t>
+            </a:r>
+            <a:r>
+              <a:rPr lang="en-US" sz="2000" dirty="0">
+                <a:highlight>
+                  <a:srgbClr val="FFFF00"/>
+                </a:highlight>
+                <a:latin typeface="+mn-lt"/>
+              </a:rPr>
+              <a:t>does not change</a:t>
+            </a:r>
+            <a:r>
+              <a:rPr lang="en-US" sz="2000" dirty="0">
+                <a:latin typeface="+mn-lt"/>
+              </a:rPr>
+              <a:t> </a:t>
             </a:r>
           </a:p>
           <a:p>
@@ -20730,17 +20069,32 @@
               <a:rPr lang="en-US" sz="2000" dirty="0">
                 <a:latin typeface="+mn-lt"/>
               </a:rPr>
-              <a:t>Known as physical address because physically assigned to the host NIC </a:t>
+              <a:t>Known as physical address because </a:t>
+            </a:r>
+            <a:r>
+              <a:rPr lang="en-US" sz="2000" dirty="0">
+                <a:highlight>
+                  <a:srgbClr val="FFFF00"/>
+                </a:highlight>
+                <a:latin typeface="+mn-lt"/>
+              </a:rPr>
+              <a:t>physically assigned to the host NIC</a:t>
+            </a:r>
+            <a:r>
+              <a:rPr lang="en-US" sz="2000" dirty="0">
+                <a:latin typeface="+mn-lt"/>
+              </a:rPr>
+              <a:t> </a:t>
             </a:r>
           </a:p>
           <a:p>
             <a:pPr algn="l"/>
-            <a:endParaRPr lang="en-US" dirty="0" smtClean="0"/>
+            <a:endParaRPr lang="en-US" dirty="0"/>
           </a:p>
           <a:p>
             <a:pPr algn="l"/>
             <a:r>
-              <a:rPr lang="en-US" b="1" dirty="0" smtClean="0"/>
+              <a:rPr lang="en-US" b="1" dirty="0"/>
               <a:t>IP address</a:t>
             </a:r>
           </a:p>
@@ -20787,9 +20141,18 @@
             </a:pPr>
             <a:r>
               <a:rPr lang="en-US" sz="2000" dirty="0">
+                <a:highlight>
+                  <a:srgbClr val="FFFF00"/>
+                </a:highlight>
                 <a:latin typeface="+mn-lt"/>
               </a:rPr>
-              <a:t>Based on where the host is actually located </a:t>
+              <a:t>Based on where the host is actually located</a:t>
+            </a:r>
+            <a:r>
+              <a:rPr lang="en-US" sz="2000" dirty="0">
+                <a:latin typeface="+mn-lt"/>
+              </a:rPr>
+              <a:t> </a:t>
             </a:r>
           </a:p>
           <a:p>
@@ -20813,7 +20176,16 @@
               <a:rPr lang="en-US" sz="2000" dirty="0">
                 <a:latin typeface="+mn-lt"/>
               </a:rPr>
-              <a:t>Known as a logical address because assigned logically</a:t>
+              <a:t>Known as a logical address because </a:t>
+            </a:r>
+            <a:r>
+              <a:rPr lang="en-US" sz="2000" dirty="0">
+                <a:highlight>
+                  <a:srgbClr val="FFFF00"/>
+                </a:highlight>
+                <a:latin typeface="+mn-lt"/>
+              </a:rPr>
+              <a:t>assigned logically</a:t>
             </a:r>
           </a:p>
           <a:p>
@@ -20837,36 +20209,28 @@
               <a:rPr lang="en-US" sz="2000" dirty="0">
                 <a:latin typeface="+mn-lt"/>
               </a:rPr>
-              <a:t>Assigned to each host by a network administrator</a:t>
+              <a:t>Assigned to each host </a:t>
+            </a:r>
+            <a:r>
+              <a:rPr lang="en-US" sz="2000" dirty="0">
+                <a:highlight>
+                  <a:srgbClr val="FFFF00"/>
+                </a:highlight>
+                <a:latin typeface="+mn-lt"/>
+              </a:rPr>
+              <a:t>by a network administrator</a:t>
             </a:r>
           </a:p>
           <a:p>
             <a:pPr algn="l"/>
-            <a:endParaRPr lang="en-US" dirty="0" smtClean="0"/>
+            <a:endParaRPr lang="en-US" dirty="0"/>
           </a:p>
           <a:p>
             <a:pPr algn="l"/>
             <a:r>
-              <a:rPr lang="en-US" sz="2000" dirty="0" smtClean="0"/>
-              <a:t>Both </a:t>
-            </a:r>
-            <a:r>
               <a:rPr lang="en-US" sz="2000" dirty="0"/>
-              <a:t>the physical MAC and logical IP addresses are required for a computer to communicate </a:t>
-            </a:r>
-            <a:r>
-              <a:rPr lang="en-US" sz="2000" dirty="0" smtClean="0"/>
-              <a:t>just </a:t>
-            </a:r>
-            <a:r>
-              <a:rPr lang="en-US" sz="2000" dirty="0"/>
-              <a:t>like both the name and address of a person are required to send a </a:t>
-            </a:r>
-            <a:r>
-              <a:rPr lang="en-US" sz="2000" dirty="0" smtClean="0"/>
-              <a:t>letter</a:t>
-            </a:r>
-            <a:endParaRPr lang="en-US" sz="2000" dirty="0"/>
+              <a:t>Both the physical MAC and logical IP addresses are required for a computer to communicate just like both the name and address of a person are required to send a letter</a:t>
+            </a:r>
           </a:p>
         </p:txBody>
       </p:sp>
@@ -20880,16 +20244,9 @@
   <p:clrMapOvr>
     <a:masterClrMapping/>
   </p:clrMapOvr>
-  <p:transition xmlns:p14="http://schemas.microsoft.com/office/powerpoint/2010/main" spd="med">
+  <p:transition spd="med">
     <p:wipe dir="r"/>
   </p:transition>
-  <p:timing>
-    <p:tnLst>
-      <p:par>
-        <p:cTn xmlns:p14="http://schemas.microsoft.com/office/powerpoint/2010/main" id="1" dur="indefinite" restart="never" nodeType="tmRoot"/>
-      </p:par>
-    </p:tnLst>
-  </p:timing>
 </p:sld>
 </file>
 
@@ -20932,26 +20289,17 @@
               </a:rPr>
               <a:t>Ethernet MAC</a:t>
             </a:r>
-            <a:r>
-              <a:rPr lang="en-US" sz="1800" dirty="0" smtClean="0">
-                <a:latin typeface="Arial" charset="0"/>
-              </a:rPr>
-              <a:t/>
-            </a:r>
             <a:br>
-              <a:rPr lang="en-US" sz="1800" dirty="0" smtClean="0">
+              <a:rPr lang="en-US" sz="1800" dirty="0">
                 <a:latin typeface="Arial" charset="0"/>
               </a:rPr>
             </a:br>
             <a:r>
-              <a:rPr lang="en-US" dirty="0" smtClean="0">
+              <a:rPr lang="en-US" dirty="0">
                 <a:latin typeface="Arial" charset="0"/>
               </a:rPr>
               <a:t>End-to-End Connectivity, MAC, and IP</a:t>
             </a:r>
-            <a:endParaRPr lang="en-US" dirty="0">
-              <a:latin typeface="Arial" charset="0"/>
-            </a:endParaRPr>
           </a:p>
         </p:txBody>
       </p:sp>
@@ -20990,14 +20338,14 @@
           </a:ln>
           <a:extLst>
             <a:ext uri="{909E8E84-426E-40dd-AFC4-6F175D3DCCD1}">
-              <a14:hiddenFill xmlns:a14="http://schemas.microsoft.com/office/drawing/2010/main">
+              <a14:hiddenFill xmlns:a14="http://schemas.microsoft.com/office/drawing/2010/main" xmlns="">
                 <a:solidFill>
                   <a:schemeClr val="accent1"/>
                 </a:solidFill>
               </a14:hiddenFill>
             </a:ext>
             <a:ext uri="{91240B29-F687-4f45-9708-019B960494DF}">
-              <a14:hiddenLine xmlns:a14="http://schemas.microsoft.com/office/drawing/2010/main" w="9525">
+              <a14:hiddenLine xmlns:a14="http://schemas.microsoft.com/office/drawing/2010/main" xmlns="" w="9525">
                 <a:solidFill>
                   <a:schemeClr val="tx1"/>
                 </a:solidFill>
@@ -21044,14 +20392,14 @@
           </a:ln>
           <a:extLst>
             <a:ext uri="{909E8E84-426E-40dd-AFC4-6F175D3DCCD1}">
-              <a14:hiddenFill xmlns:a14="http://schemas.microsoft.com/office/drawing/2010/main">
+              <a14:hiddenFill xmlns:a14="http://schemas.microsoft.com/office/drawing/2010/main" xmlns="">
                 <a:solidFill>
                   <a:schemeClr val="accent1"/>
                 </a:solidFill>
               </a14:hiddenFill>
             </a:ext>
             <a:ext uri="{91240B29-F687-4f45-9708-019B960494DF}">
-              <a14:hiddenLine xmlns:a14="http://schemas.microsoft.com/office/drawing/2010/main" w="9525">
+              <a14:hiddenLine xmlns:a14="http://schemas.microsoft.com/office/drawing/2010/main" xmlns="" w="9525">
                 <a:solidFill>
                   <a:schemeClr val="tx1"/>
                 </a:solidFill>
@@ -21073,16 +20421,9 @@
   <p:clrMapOvr>
     <a:masterClrMapping/>
   </p:clrMapOvr>
-  <p:transition xmlns:p14="http://schemas.microsoft.com/office/powerpoint/2010/main" spd="med">
+  <p:transition spd="med">
     <p:wipe dir="r"/>
   </p:transition>
-  <p:timing>
-    <p:tnLst>
-      <p:par>
-        <p:cTn xmlns:p14="http://schemas.microsoft.com/office/powerpoint/2010/main" id="1" dur="indefinite" restart="never" nodeType="tmRoot"/>
-      </p:par>
-    </p:tnLst>
-  </p:timing>
 </p:sld>
 </file>
 
@@ -21120,31 +20461,22 @@
           <a:p>
             <a:pPr eaLnBrk="1" hangingPunct="1"/>
             <a:r>
-              <a:rPr lang="en-US" sz="1800" dirty="0" smtClean="0">
+              <a:rPr lang="en-US" sz="1800" dirty="0">
                 <a:latin typeface="Arial" charset="0"/>
               </a:rPr>
               <a:t>ARP</a:t>
             </a:r>
-            <a:r>
-              <a:rPr lang="en-US" dirty="0">
-                <a:latin typeface="Arial" charset="0"/>
-              </a:rPr>
-              <a:t/>
-            </a:r>
             <a:br>
               <a:rPr lang="en-US" dirty="0">
                 <a:latin typeface="Arial" charset="0"/>
               </a:rPr>
             </a:br>
             <a:r>
-              <a:rPr lang="en-US" dirty="0" smtClean="0">
+              <a:rPr lang="en-US" dirty="0">
                 <a:latin typeface="Arial" charset="0"/>
               </a:rPr>
               <a:t>Introduction to ARP</a:t>
             </a:r>
-            <a:endParaRPr lang="en-US" dirty="0">
-              <a:latin typeface="Arial" charset="0"/>
-            </a:endParaRPr>
           </a:p>
         </p:txBody>
       </p:sp>
@@ -21170,14 +20502,14 @@
           </a:ln>
           <a:extLst>
             <a:ext uri="{909E8E84-426E-40dd-AFC4-6F175D3DCCD1}">
-              <a14:hiddenFill xmlns:a14="http://schemas.microsoft.com/office/drawing/2010/main">
+              <a14:hiddenFill xmlns:a14="http://schemas.microsoft.com/office/drawing/2010/main" xmlns="">
                 <a:solidFill>
                   <a:srgbClr val="FFFFFF"/>
                 </a:solidFill>
               </a14:hiddenFill>
             </a:ext>
             <a:ext uri="{91240B29-F687-4f45-9708-019B960494DF}">
-              <a14:hiddenLine xmlns:a14="http://schemas.microsoft.com/office/drawing/2010/main" w="9525">
+              <a14:hiddenLine xmlns:a14="http://schemas.microsoft.com/office/drawing/2010/main" xmlns="" w="9525">
                 <a:solidFill>
                   <a:srgbClr val="000000"/>
                 </a:solidFill>
@@ -21187,7 +20519,7 @@
               </a14:hiddenLine>
             </a:ext>
             <a:ext uri="{FAA26D3D-D897-4be2-8F04-BA451C77F1D7}">
-              <ma14:placeholderFlag xmlns:ma14="http://schemas.microsoft.com/office/mac/drawingml/2011/main" val="1"/>
+              <ma14:placeholderFlag xmlns:ma14="http://schemas.microsoft.com/office/mac/drawingml/2011/main" xmlns="" val="1"/>
             </a:ext>
           </a:extLst>
         </p:spPr>
@@ -21393,7 +20725,7 @@
               <a:buNone/>
             </a:pPr>
             <a:r>
-              <a:rPr lang="en-US" dirty="0" smtClean="0"/>
+              <a:rPr lang="en-US" dirty="0"/>
               <a:t>ARP Purpose </a:t>
             </a:r>
           </a:p>
@@ -21403,8 +20735,20 @@
               <a:buChar char="§"/>
             </a:pPr>
             <a:r>
-              <a:rPr lang="en-US" dirty="0" smtClean="0"/>
-              <a:t>Sending node needs a way to find the MAC address of the destination for a given Ethernet link</a:t>
+              <a:rPr lang="en-US" dirty="0"/>
+              <a:t>Sending node needs a way to </a:t>
+            </a:r>
+            <a:r>
+              <a:rPr lang="en-US" dirty="0">
+                <a:highlight>
+                  <a:srgbClr val="FFFF00"/>
+                </a:highlight>
+              </a:rPr>
+              <a:t>find the MAC address of the destination</a:t>
+            </a:r>
+            <a:r>
+              <a:rPr lang="en-US" dirty="0"/>
+              <a:t> for a given Ethernet link</a:t>
             </a:r>
           </a:p>
           <a:p>
@@ -21412,7 +20756,7 @@
               <a:buFont typeface="Wingdings" charset="0"/>
               <a:buNone/>
             </a:pPr>
-            <a:endParaRPr lang="en-US" dirty="0" smtClean="0"/>
+            <a:endParaRPr lang="en-US" dirty="0"/>
           </a:p>
           <a:p>
             <a:pPr marL="0" indent="0">
@@ -21420,19 +20764,27 @@
               <a:buNone/>
             </a:pPr>
             <a:r>
-              <a:rPr lang="en-US" dirty="0" smtClean="0"/>
+              <a:rPr lang="en-US" dirty="0"/>
               <a:t>The ARP protocol provides two basic functions:</a:t>
             </a:r>
           </a:p>
           <a:p>
             <a:r>
-              <a:rPr lang="en-US" dirty="0" smtClean="0"/>
+              <a:rPr lang="en-US" dirty="0">
+                <a:highlight>
+                  <a:srgbClr val="FFFF00"/>
+                </a:highlight>
+              </a:rPr>
               <a:t>Resolving IPv4 addresses to MAC addresses</a:t>
             </a:r>
           </a:p>
           <a:p>
             <a:r>
-              <a:rPr lang="en-US" dirty="0" smtClean="0"/>
+              <a:rPr lang="en-US" dirty="0">
+                <a:highlight>
+                  <a:srgbClr val="FFFF00"/>
+                </a:highlight>
+              </a:rPr>
               <a:t>Maintaining a table of mappings</a:t>
             </a:r>
           </a:p>
@@ -21446,16 +20798,9 @@
   <p:clrMapOvr>
     <a:masterClrMapping/>
   </p:clrMapOvr>
-  <p:transition xmlns:p14="http://schemas.microsoft.com/office/powerpoint/2010/main" spd="med">
+  <p:transition spd="med">
     <p:wipe dir="r"/>
   </p:transition>
-  <p:timing>
-    <p:tnLst>
-      <p:par>
-        <p:cTn xmlns:p14="http://schemas.microsoft.com/office/powerpoint/2010/main" id="1" dur="indefinite" restart="never" nodeType="tmRoot"/>
-      </p:par>
-    </p:tnLst>
-  </p:timing>
 </p:sld>
 </file>
 
@@ -21493,31 +20838,22 @@
           <a:p>
             <a:pPr eaLnBrk="1" hangingPunct="1"/>
             <a:r>
-              <a:rPr lang="en-US" sz="1800" dirty="0" smtClean="0">
+              <a:rPr lang="en-US" sz="1800" dirty="0">
                 <a:latin typeface="Arial" charset="0"/>
               </a:rPr>
               <a:t>ARP</a:t>
             </a:r>
-            <a:r>
-              <a:rPr lang="en-US" dirty="0">
-                <a:latin typeface="Arial" charset="0"/>
-              </a:rPr>
-              <a:t/>
-            </a:r>
             <a:br>
               <a:rPr lang="en-US" dirty="0">
                 <a:latin typeface="Arial" charset="0"/>
               </a:rPr>
             </a:br>
             <a:r>
-              <a:rPr lang="en-US" dirty="0" smtClean="0">
+              <a:rPr lang="en-US" dirty="0">
                 <a:latin typeface="Arial" charset="0"/>
               </a:rPr>
               <a:t>Introduction to ARP</a:t>
             </a:r>
-            <a:endParaRPr lang="en-US" dirty="0">
-              <a:latin typeface="Arial" charset="0"/>
-            </a:endParaRPr>
           </a:p>
         </p:txBody>
       </p:sp>
@@ -21556,14 +20892,14 @@
           </a:ln>
           <a:extLst>
             <a:ext uri="{909E8E84-426E-40dd-AFC4-6F175D3DCCD1}">
-              <a14:hiddenFill xmlns:a14="http://schemas.microsoft.com/office/drawing/2010/main">
+              <a14:hiddenFill xmlns:a14="http://schemas.microsoft.com/office/drawing/2010/main" xmlns="">
                 <a:solidFill>
                   <a:schemeClr val="accent1"/>
                 </a:solidFill>
               </a14:hiddenFill>
             </a:ext>
             <a:ext uri="{91240B29-F687-4f45-9708-019B960494DF}">
-              <a14:hiddenLine xmlns:a14="http://schemas.microsoft.com/office/drawing/2010/main" w="9525">
+              <a14:hiddenLine xmlns:a14="http://schemas.microsoft.com/office/drawing/2010/main" xmlns="" w="9525">
                 <a:solidFill>
                   <a:schemeClr val="tx1"/>
                 </a:solidFill>
@@ -21585,16 +20921,9 @@
   <p:clrMapOvr>
     <a:masterClrMapping/>
   </p:clrMapOvr>
-  <p:transition xmlns:p14="http://schemas.microsoft.com/office/powerpoint/2010/main" spd="med">
+  <p:transition spd="med">
     <p:wipe dir="r"/>
   </p:transition>
-  <p:timing>
-    <p:tnLst>
-      <p:par>
-        <p:cTn xmlns:p14="http://schemas.microsoft.com/office/powerpoint/2010/main" id="1" dur="indefinite" restart="never" nodeType="tmRoot"/>
-      </p:par>
-    </p:tnLst>
-  </p:timing>
 </p:sld>
 </file>
 
@@ -21631,49 +20960,37 @@
           <a:lstStyle/>
           <a:p>
             <a:pPr eaLnBrk="1" hangingPunct="1"/>
-            <a:r>
-              <a:rPr lang="en-US" sz="1800" dirty="0" smtClean="0">
-                <a:latin typeface="Arial" charset="0"/>
-              </a:rPr>
-              <a:t/>
-            </a:r>
             <a:br>
-              <a:rPr lang="en-US" sz="1800" dirty="0" smtClean="0">
+              <a:rPr lang="en-US" sz="1800" dirty="0">
                 <a:latin typeface="Arial" charset="0"/>
               </a:rPr>
             </a:br>
             <a:r>
-              <a:rPr lang="en-US" sz="1800" smtClean="0">
+              <a:rPr lang="en-US" sz="1800">
                 <a:latin typeface="Arial" charset="0"/>
               </a:rPr>
               <a:t> </a:t>
             </a:r>
             <a:r>
-              <a:rPr lang="en-US" smtClean="0">
+              <a:rPr lang="en-US">
                 <a:latin typeface="Arial" charset="0"/>
               </a:rPr>
               <a:t>5.1 </a:t>
             </a:r>
             <a:r>
-              <a:rPr lang="en-US" dirty="0" smtClean="0">
+              <a:rPr lang="en-US" dirty="0">
                 <a:latin typeface="Arial" charset="0"/>
               </a:rPr>
-              <a:t>Ethernet </a:t>
-            </a:r>
-            <a:r>
-              <a:rPr lang="en-US" dirty="0" smtClean="0">
-                <a:latin typeface="Arial" charset="0"/>
-              </a:rPr>
-              <a:t>Protocol - </a:t>
-            </a:r>
-            <a:r>
-              <a:rPr lang="en-US" sz="2800" b="0" dirty="0" smtClean="0">
+              <a:t>Ethernet Protocol - </a:t>
+            </a:r>
+            <a:r>
+              <a:rPr lang="en-US" sz="2800" b="0" dirty="0">
                 <a:latin typeface="Arial" charset="0"/>
               </a:rPr>
               <a:t>LLC and MAC </a:t>
             </a:r>
             <a:r>
-              <a:rPr lang="en-US" sz="2800" b="0" dirty="0" err="1" smtClean="0">
+              <a:rPr lang="en-US" sz="2800" b="0" dirty="0" err="1">
                 <a:latin typeface="Arial" charset="0"/>
               </a:rPr>
               <a:t>Sublayers</a:t>
@@ -21709,11 +21026,7 @@
             </a:pPr>
             <a:r>
               <a:rPr lang="en-US" dirty="0"/>
-              <a:t>Ethernet </a:t>
-            </a:r>
-            <a:r>
-              <a:rPr lang="en-US" dirty="0" smtClean="0"/>
-              <a:t>– </a:t>
+              <a:t>Ethernet – </a:t>
             </a:r>
           </a:p>
           <a:p>
@@ -21722,16 +21035,8 @@
               <a:buChar char="•"/>
             </a:pPr>
             <a:r>
-              <a:rPr lang="en-US" dirty="0" smtClean="0"/>
-              <a:t>Most widely </a:t>
-            </a:r>
-            <a:r>
               <a:rPr lang="en-US" dirty="0"/>
-              <a:t>used LAN </a:t>
-            </a:r>
-            <a:r>
-              <a:rPr lang="en-US" dirty="0" smtClean="0"/>
-              <a:t>technology </a:t>
+              <a:t>Most widely used LAN technology </a:t>
             </a:r>
           </a:p>
           <a:p>
@@ -21741,19 +21046,7 @@
             </a:pPr>
             <a:r>
               <a:rPr lang="en-US" dirty="0"/>
-              <a:t>O</a:t>
-            </a:r>
-            <a:r>
-              <a:rPr lang="en-US" dirty="0" smtClean="0"/>
-              <a:t>perates </a:t>
-            </a:r>
-            <a:r>
-              <a:rPr lang="en-US" dirty="0"/>
-              <a:t>in the data link layer and the physical </a:t>
-            </a:r>
-            <a:r>
-              <a:rPr lang="en-US" dirty="0" smtClean="0"/>
-              <a:t>layer </a:t>
+              <a:t>Operates in the data link layer and the physical layer </a:t>
             </a:r>
           </a:p>
           <a:p>
@@ -21763,19 +21056,7 @@
             </a:pPr>
             <a:r>
               <a:rPr lang="en-US" dirty="0"/>
-              <a:t>F</a:t>
-            </a:r>
-            <a:r>
-              <a:rPr lang="en-US" dirty="0" smtClean="0"/>
-              <a:t>amily </a:t>
-            </a:r>
-            <a:r>
-              <a:rPr lang="en-US" dirty="0"/>
-              <a:t>of networking technologies that are defined in the IEEE 802.2 and 802.3 </a:t>
-            </a:r>
-            <a:r>
-              <a:rPr lang="en-US" dirty="0" smtClean="0"/>
-              <a:t>standards</a:t>
+              <a:t>Family of networking technologies that are defined in the IEEE 802.2 and 802.3 standards</a:t>
             </a:r>
           </a:p>
           <a:p>
@@ -21784,22 +21065,17 @@
               <a:buChar char="•"/>
             </a:pPr>
             <a:r>
-              <a:rPr lang="en-US" dirty="0" smtClean="0"/>
-              <a:t>Supports </a:t>
-            </a:r>
-            <a:r>
               <a:rPr lang="en-US" dirty="0"/>
-              <a:t>data bandwidths of 10, 100, 1000, 10,000, 40,000, and 100,000 Mbps (100 </a:t>
+              <a:t>Supports data bandwidths of 10, 100, 1000, 10,000, 40,000, and 100,000 Mbps (100 </a:t>
             </a:r>
             <a:r>
               <a:rPr lang="en-US" dirty="0" err="1"/>
               <a:t>Gbps</a:t>
             </a:r>
             <a:r>
-              <a:rPr lang="en-US" dirty="0" smtClean="0"/>
+              <a:rPr lang="en-US" dirty="0"/>
               <a:t>)</a:t>
             </a:r>
-            <a:endParaRPr lang="en-US" dirty="0"/>
           </a:p>
           <a:p>
             <a:pPr marL="0" indent="0">
@@ -21807,11 +21083,7 @@
             </a:pPr>
             <a:r>
               <a:rPr lang="en-US" dirty="0"/>
-              <a:t>Ethernet </a:t>
-            </a:r>
-            <a:r>
-              <a:rPr lang="en-US" dirty="0" smtClean="0"/>
-              <a:t>standards –</a:t>
+              <a:t>Ethernet standards –</a:t>
             </a:r>
           </a:p>
           <a:p>
@@ -21821,27 +21093,7 @@
             </a:pPr>
             <a:r>
               <a:rPr lang="en-US" dirty="0"/>
-              <a:t>D</a:t>
-            </a:r>
-            <a:r>
-              <a:rPr lang="en-US" dirty="0" smtClean="0"/>
-              <a:t>efine Layer </a:t>
-            </a:r>
-            <a:r>
-              <a:rPr lang="en-US" dirty="0"/>
-              <a:t>2 protocols </a:t>
-            </a:r>
-            <a:r>
-              <a:rPr lang="en-US" dirty="0" smtClean="0"/>
-              <a:t>and Layer </a:t>
-            </a:r>
-            <a:r>
-              <a:rPr lang="en-US" dirty="0"/>
-              <a:t>1 </a:t>
-            </a:r>
-            <a:r>
-              <a:rPr lang="en-US" dirty="0" smtClean="0"/>
-              <a:t>technologies</a:t>
+              <a:t>Define Layer 2 protocols and Layer 1 technologies</a:t>
             </a:r>
           </a:p>
           <a:p>
@@ -21851,26 +21103,10 @@
             </a:pPr>
             <a:r>
               <a:rPr lang="en-US" dirty="0"/>
-              <a:t>T</a:t>
-            </a:r>
-            <a:r>
-              <a:rPr lang="en-US" dirty="0" smtClean="0"/>
-              <a:t>wo </a:t>
-            </a:r>
-            <a:r>
-              <a:rPr lang="en-US" dirty="0"/>
-              <a:t>separate sub layers of the data link layer to </a:t>
-            </a:r>
-            <a:r>
-              <a:rPr lang="en-US" dirty="0" smtClean="0"/>
-              <a:t>operate - Logical </a:t>
-            </a:r>
-            <a:r>
-              <a:rPr lang="en-US" dirty="0"/>
-              <a:t>link control (LLC) and the MAC </a:t>
-            </a:r>
-            <a:r>
-              <a:rPr lang="en-US" dirty="0" err="1" smtClean="0"/>
+              <a:t>Two separate sub layers of the data link layer to operate - Logical link control (LLC) and the MAC </a:t>
+            </a:r>
+            <a:r>
+              <a:rPr lang="en-US" dirty="0" err="1"/>
               <a:t>sublayers</a:t>
             </a:r>
             <a:endParaRPr lang="en-US" dirty="0"/>
@@ -21882,16 +21118,9 @@
   <p:clrMapOvr>
     <a:masterClrMapping/>
   </p:clrMapOvr>
-  <p:transition xmlns:p14="http://schemas.microsoft.com/office/powerpoint/2010/main" spd="med">
+  <p:transition spd="med">
     <p:wipe dir="r"/>
   </p:transition>
-  <p:timing>
-    <p:tnLst>
-      <p:par>
-        <p:cTn xmlns:p14="http://schemas.microsoft.com/office/powerpoint/2010/main" id="1" dur="indefinite" restart="never" nodeType="tmRoot"/>
-      </p:par>
-    </p:tnLst>
-  </p:timing>
 </p:sld>
 </file>
 
@@ -21929,37 +21158,28 @@
           <a:p>
             <a:pPr eaLnBrk="1" hangingPunct="1"/>
             <a:r>
-              <a:rPr lang="en-US" sz="1800" dirty="0" smtClean="0">
+              <a:rPr lang="en-US" sz="1800" dirty="0">
                 <a:latin typeface="Arial" charset="0"/>
               </a:rPr>
               <a:t>ARP</a:t>
             </a:r>
-            <a:r>
-              <a:rPr lang="en-US" dirty="0">
-                <a:latin typeface="Arial" charset="0"/>
-              </a:rPr>
-              <a:t/>
-            </a:r>
             <a:br>
               <a:rPr lang="en-US" dirty="0">
                 <a:latin typeface="Arial" charset="0"/>
               </a:rPr>
             </a:br>
             <a:r>
-              <a:rPr lang="en-US" dirty="0" err="1" smtClean="0">
+              <a:rPr lang="en-US" dirty="0" err="1">
                 <a:latin typeface="Arial" charset="0"/>
               </a:rPr>
               <a:t>ARP</a:t>
             </a:r>
             <a:r>
-              <a:rPr lang="en-US" dirty="0" smtClean="0">
+              <a:rPr lang="en-US" dirty="0">
                 <a:latin typeface="Arial" charset="0"/>
               </a:rPr>
               <a:t> Functions/Operation</a:t>
             </a:r>
-            <a:endParaRPr lang="en-US" dirty="0">
-              <a:latin typeface="Arial" charset="0"/>
-            </a:endParaRPr>
           </a:p>
         </p:txBody>
       </p:sp>
@@ -21987,7 +21207,7 @@
           <a:p>
             <a:pPr algn="l"/>
             <a:r>
-              <a:rPr lang="en-US" dirty="0" smtClean="0"/>
+              <a:rPr lang="en-US" dirty="0"/>
               <a:t>ARP Table – </a:t>
             </a:r>
           </a:p>
@@ -22035,12 +21255,12 @@
           </a:p>
           <a:p>
             <a:pPr algn="l"/>
-            <a:endParaRPr lang="en-US" dirty="0" smtClean="0"/>
+            <a:endParaRPr lang="en-US" dirty="0"/>
           </a:p>
           <a:p>
             <a:pPr algn="l"/>
             <a:r>
-              <a:rPr lang="en-US" dirty="0" smtClean="0"/>
+              <a:rPr lang="en-US" dirty="0"/>
               <a:t>ARP request –</a:t>
             </a:r>
           </a:p>
@@ -22083,13 +21303,7 @@
               <a:rPr lang="en-US" sz="2000" dirty="0">
                 <a:latin typeface="+mn-lt"/>
               </a:rPr>
-              <a:t>The node that matches the IP address in the broadcast will </a:t>
-            </a:r>
-            <a:r>
-              <a:rPr lang="en-US" sz="2000" dirty="0" smtClean="0">
-                <a:latin typeface="+mn-lt"/>
-              </a:rPr>
-              <a:t>reply</a:t>
+              <a:t>The node that matches the IP address in the broadcast will reply</a:t>
             </a:r>
           </a:p>
           <a:p>
@@ -22116,25 +21330,13 @@
           </a:p>
           <a:p>
             <a:pPr algn="l"/>
-            <a:endParaRPr lang="en-US" dirty="0" smtClean="0"/>
+            <a:endParaRPr lang="en-US" dirty="0"/>
           </a:p>
           <a:p>
             <a:pPr algn="l"/>
             <a:r>
               <a:rPr lang="en-US" b="1" dirty="0"/>
-              <a:t>S</a:t>
-            </a:r>
-            <a:r>
-              <a:rPr lang="en-US" b="1" dirty="0" smtClean="0"/>
-              <a:t>tatic </a:t>
-            </a:r>
-            <a:r>
-              <a:rPr lang="en-US" b="1" dirty="0"/>
-              <a:t>map entries can be entered in an ARP table, but this is rarely </a:t>
-            </a:r>
-            <a:r>
-              <a:rPr lang="en-US" b="1" dirty="0" smtClean="0"/>
-              <a:t>done</a:t>
+              <a:t>Static map entries can be entered in an ARP table, but this is rarely done</a:t>
             </a:r>
           </a:p>
         </p:txBody>
@@ -22149,16 +21351,9 @@
   <p:clrMapOvr>
     <a:masterClrMapping/>
   </p:clrMapOvr>
-  <p:transition xmlns:p14="http://schemas.microsoft.com/office/powerpoint/2010/main" spd="med">
+  <p:transition spd="med">
     <p:wipe dir="r"/>
   </p:transition>
-  <p:timing>
-    <p:tnLst>
-      <p:par>
-        <p:cTn xmlns:p14="http://schemas.microsoft.com/office/powerpoint/2010/main" id="1" dur="indefinite" restart="never" nodeType="tmRoot"/>
-      </p:par>
-    </p:tnLst>
-  </p:timing>
 </p:sld>
 </file>
 
@@ -22196,37 +21391,28 @@
           <a:p>
             <a:pPr eaLnBrk="1" hangingPunct="1"/>
             <a:r>
-              <a:rPr lang="en-US" sz="1800" dirty="0" smtClean="0">
+              <a:rPr lang="en-US" sz="1800" dirty="0">
                 <a:latin typeface="Arial" charset="0"/>
               </a:rPr>
               <a:t>ARP</a:t>
             </a:r>
-            <a:r>
-              <a:rPr lang="en-US" dirty="0">
-                <a:latin typeface="Arial" charset="0"/>
-              </a:rPr>
-              <a:t/>
-            </a:r>
             <a:br>
               <a:rPr lang="en-US" dirty="0">
                 <a:latin typeface="Arial" charset="0"/>
               </a:rPr>
             </a:br>
             <a:r>
-              <a:rPr lang="en-US" dirty="0" err="1" smtClean="0">
+              <a:rPr lang="en-US" dirty="0" err="1">
                 <a:latin typeface="Arial" charset="0"/>
               </a:rPr>
               <a:t>ARP</a:t>
             </a:r>
             <a:r>
-              <a:rPr lang="en-US" dirty="0" smtClean="0">
+              <a:rPr lang="en-US" dirty="0">
                 <a:latin typeface="Arial" charset="0"/>
               </a:rPr>
               <a:t> Functions/Operation</a:t>
             </a:r>
-            <a:endParaRPr lang="en-US" dirty="0">
-              <a:latin typeface="Arial" charset="0"/>
-            </a:endParaRPr>
           </a:p>
         </p:txBody>
       </p:sp>
@@ -22265,14 +21451,14 @@
           </a:ln>
           <a:extLst>
             <a:ext uri="{909E8E84-426E-40dd-AFC4-6F175D3DCCD1}">
-              <a14:hiddenFill xmlns:a14="http://schemas.microsoft.com/office/drawing/2010/main">
+              <a14:hiddenFill xmlns:a14="http://schemas.microsoft.com/office/drawing/2010/main" xmlns="">
                 <a:solidFill>
                   <a:schemeClr val="accent1"/>
                 </a:solidFill>
               </a14:hiddenFill>
             </a:ext>
             <a:ext uri="{91240B29-F687-4f45-9708-019B960494DF}">
-              <a14:hiddenLine xmlns:a14="http://schemas.microsoft.com/office/drawing/2010/main" w="9525">
+              <a14:hiddenLine xmlns:a14="http://schemas.microsoft.com/office/drawing/2010/main" xmlns="" w="9525">
                 <a:solidFill>
                   <a:schemeClr val="tx1"/>
                 </a:solidFill>
@@ -22294,16 +21480,9 @@
   <p:clrMapOvr>
     <a:masterClrMapping/>
   </p:clrMapOvr>
-  <p:transition xmlns:p14="http://schemas.microsoft.com/office/powerpoint/2010/main" spd="med">
+  <p:transition spd="med">
     <p:wipe dir="r"/>
   </p:transition>
-  <p:timing>
-    <p:tnLst>
-      <p:par>
-        <p:cTn xmlns:p14="http://schemas.microsoft.com/office/powerpoint/2010/main" id="1" dur="indefinite" restart="never" nodeType="tmRoot"/>
-      </p:par>
-    </p:tnLst>
-  </p:timing>
 </p:sld>
 </file>
 
@@ -22341,37 +21520,28 @@
           <a:p>
             <a:pPr eaLnBrk="1" hangingPunct="1"/>
             <a:r>
-              <a:rPr lang="en-US" sz="1800" dirty="0" smtClean="0">
+              <a:rPr lang="en-US" sz="1800" dirty="0">
                 <a:latin typeface="Arial" charset="0"/>
               </a:rPr>
               <a:t>ARP</a:t>
             </a:r>
-            <a:r>
-              <a:rPr lang="en-US" dirty="0">
-                <a:latin typeface="Arial" charset="0"/>
-              </a:rPr>
-              <a:t/>
-            </a:r>
             <a:br>
               <a:rPr lang="en-US" dirty="0">
                 <a:latin typeface="Arial" charset="0"/>
               </a:rPr>
             </a:br>
             <a:r>
-              <a:rPr lang="en-US" dirty="0" err="1" smtClean="0">
+              <a:rPr lang="en-US" dirty="0" err="1">
                 <a:latin typeface="Arial" charset="0"/>
               </a:rPr>
               <a:t>ARP</a:t>
             </a:r>
             <a:r>
-              <a:rPr lang="en-US" dirty="0" smtClean="0">
+              <a:rPr lang="en-US" dirty="0">
                 <a:latin typeface="Arial" charset="0"/>
               </a:rPr>
               <a:t> Functions/Operation</a:t>
             </a:r>
-            <a:endParaRPr lang="en-US" dirty="0">
-              <a:latin typeface="Arial" charset="0"/>
-            </a:endParaRPr>
           </a:p>
         </p:txBody>
       </p:sp>
@@ -22410,14 +21580,14 @@
           </a:ln>
           <a:extLst>
             <a:ext uri="{909E8E84-426E-40dd-AFC4-6F175D3DCCD1}">
-              <a14:hiddenFill xmlns:a14="http://schemas.microsoft.com/office/drawing/2010/main">
+              <a14:hiddenFill xmlns:a14="http://schemas.microsoft.com/office/drawing/2010/main" xmlns="">
                 <a:solidFill>
                   <a:schemeClr val="accent1"/>
                 </a:solidFill>
               </a14:hiddenFill>
             </a:ext>
             <a:ext uri="{91240B29-F687-4f45-9708-019B960494DF}">
-              <a14:hiddenLine xmlns:a14="http://schemas.microsoft.com/office/drawing/2010/main" w="9525">
+              <a14:hiddenLine xmlns:a14="http://schemas.microsoft.com/office/drawing/2010/main" xmlns="" w="9525">
                 <a:solidFill>
                   <a:schemeClr val="tx1"/>
                 </a:solidFill>
@@ -22439,16 +21609,9 @@
   <p:clrMapOvr>
     <a:masterClrMapping/>
   </p:clrMapOvr>
-  <p:transition xmlns:p14="http://schemas.microsoft.com/office/powerpoint/2010/main" spd="med">
+  <p:transition spd="med">
     <p:wipe dir="r"/>
   </p:transition>
-  <p:timing>
-    <p:tnLst>
-      <p:par>
-        <p:cTn xmlns:p14="http://schemas.microsoft.com/office/powerpoint/2010/main" id="1" dur="indefinite" restart="never" nodeType="tmRoot"/>
-      </p:par>
-    </p:tnLst>
-  </p:timing>
 </p:sld>
 </file>
 
@@ -22504,14 +21667,14 @@
           </a:ln>
           <a:extLst>
             <a:ext uri="{909E8E84-426E-40dd-AFC4-6F175D3DCCD1}">
-              <a14:hiddenFill xmlns:a14="http://schemas.microsoft.com/office/drawing/2010/main">
+              <a14:hiddenFill xmlns:a14="http://schemas.microsoft.com/office/drawing/2010/main" xmlns="">
                 <a:solidFill>
                   <a:schemeClr val="accent1"/>
                 </a:solidFill>
               </a14:hiddenFill>
             </a:ext>
             <a:ext uri="{91240B29-F687-4f45-9708-019B960494DF}">
-              <a14:hiddenLine xmlns:a14="http://schemas.microsoft.com/office/drawing/2010/main" w="9525">
+              <a14:hiddenLine xmlns:a14="http://schemas.microsoft.com/office/drawing/2010/main" xmlns="" w="9525">
                 <a:solidFill>
                   <a:schemeClr val="tx1"/>
                 </a:solidFill>
@@ -22533,16 +21696,9 @@
   <p:clrMapOvr>
     <a:masterClrMapping/>
   </p:clrMapOvr>
-  <p:transition xmlns:p14="http://schemas.microsoft.com/office/powerpoint/2010/main" spd="med">
+  <p:transition spd="med">
     <p:wipe dir="r"/>
   </p:transition>
-  <p:timing>
-    <p:tnLst>
-      <p:par>
-        <p:cTn xmlns:p14="http://schemas.microsoft.com/office/powerpoint/2010/main" id="1" dur="indefinite" restart="never" nodeType="tmRoot"/>
-      </p:par>
-    </p:tnLst>
-  </p:timing>
 </p:sld>
 </file>
 
@@ -22598,14 +21754,14 @@
           </a:ln>
           <a:extLst>
             <a:ext uri="{909E8E84-426E-40dd-AFC4-6F175D3DCCD1}">
-              <a14:hiddenFill xmlns:a14="http://schemas.microsoft.com/office/drawing/2010/main">
+              <a14:hiddenFill xmlns:a14="http://schemas.microsoft.com/office/drawing/2010/main" xmlns="">
                 <a:solidFill>
                   <a:schemeClr val="accent1"/>
                 </a:solidFill>
               </a14:hiddenFill>
             </a:ext>
             <a:ext uri="{91240B29-F687-4f45-9708-019B960494DF}">
-              <a14:hiddenLine xmlns:a14="http://schemas.microsoft.com/office/drawing/2010/main" w="9525">
+              <a14:hiddenLine xmlns:a14="http://schemas.microsoft.com/office/drawing/2010/main" xmlns="" w="9525">
                 <a:solidFill>
                   <a:schemeClr val="tx1"/>
                 </a:solidFill>
@@ -22627,16 +21783,9 @@
   <p:clrMapOvr>
     <a:masterClrMapping/>
   </p:clrMapOvr>
-  <p:transition xmlns:p14="http://schemas.microsoft.com/office/powerpoint/2010/main" spd="med">
+  <p:transition spd="med">
     <p:wipe dir="r"/>
   </p:transition>
-  <p:timing>
-    <p:tnLst>
-      <p:par>
-        <p:cTn xmlns:p14="http://schemas.microsoft.com/office/powerpoint/2010/main" id="1" dur="indefinite" restart="never" nodeType="tmRoot"/>
-      </p:par>
-    </p:tnLst>
-  </p:timing>
 </p:sld>
 </file>
 
@@ -22692,14 +21841,14 @@
           </a:ln>
           <a:extLst>
             <a:ext uri="{909E8E84-426E-40dd-AFC4-6F175D3DCCD1}">
-              <a14:hiddenFill xmlns:a14="http://schemas.microsoft.com/office/drawing/2010/main">
+              <a14:hiddenFill xmlns:a14="http://schemas.microsoft.com/office/drawing/2010/main" xmlns="">
                 <a:solidFill>
                   <a:schemeClr val="accent1"/>
                 </a:solidFill>
               </a14:hiddenFill>
             </a:ext>
             <a:ext uri="{91240B29-F687-4f45-9708-019B960494DF}">
-              <a14:hiddenLine xmlns:a14="http://schemas.microsoft.com/office/drawing/2010/main" w="9525">
+              <a14:hiddenLine xmlns:a14="http://schemas.microsoft.com/office/drawing/2010/main" xmlns="" w="9525">
                 <a:solidFill>
                   <a:schemeClr val="tx1"/>
                 </a:solidFill>
@@ -22721,16 +21870,9 @@
   <p:clrMapOvr>
     <a:masterClrMapping/>
   </p:clrMapOvr>
-  <p:transition xmlns:p14="http://schemas.microsoft.com/office/powerpoint/2010/main" spd="med">
+  <p:transition spd="med">
     <p:wipe dir="r"/>
   </p:transition>
-  <p:timing>
-    <p:tnLst>
-      <p:par>
-        <p:cTn xmlns:p14="http://schemas.microsoft.com/office/powerpoint/2010/main" id="1" dur="indefinite" restart="never" nodeType="tmRoot"/>
-      </p:par>
-    </p:tnLst>
-  </p:timing>
 </p:sld>
 </file>
 
@@ -22768,37 +21910,28 @@
           <a:p>
             <a:pPr eaLnBrk="1" hangingPunct="1"/>
             <a:r>
-              <a:rPr lang="en-US" sz="1800" dirty="0" smtClean="0">
+              <a:rPr lang="en-US" sz="1800" dirty="0">
                 <a:latin typeface="Arial" charset="0"/>
               </a:rPr>
               <a:t>ARP</a:t>
             </a:r>
-            <a:r>
-              <a:rPr lang="en-US" dirty="0">
-                <a:latin typeface="Arial" charset="0"/>
-              </a:rPr>
-              <a:t/>
-            </a:r>
             <a:br>
               <a:rPr lang="en-US" dirty="0">
                 <a:latin typeface="Arial" charset="0"/>
               </a:rPr>
             </a:br>
             <a:r>
-              <a:rPr lang="en-US" dirty="0" err="1" smtClean="0">
+              <a:rPr lang="en-US" dirty="0" err="1">
                 <a:latin typeface="Arial" charset="0"/>
               </a:rPr>
               <a:t>ARP</a:t>
             </a:r>
             <a:r>
-              <a:rPr lang="en-US" dirty="0" smtClean="0">
+              <a:rPr lang="en-US" dirty="0">
                 <a:latin typeface="Arial" charset="0"/>
               </a:rPr>
               <a:t> Role in Remote Communication</a:t>
             </a:r>
-            <a:endParaRPr lang="en-US" dirty="0">
-              <a:latin typeface="Arial" charset="0"/>
-            </a:endParaRPr>
           </a:p>
         </p:txBody>
       </p:sp>
@@ -22829,12 +21962,8 @@
               <a:buChar char="§"/>
             </a:pPr>
             <a:r>
-              <a:rPr lang="en-US" dirty="0" smtClean="0"/>
-              <a:t>If </a:t>
-            </a:r>
-            <a:r>
               <a:rPr lang="en-US" dirty="0"/>
-              <a:t>the destination IPv4 host is on the </a:t>
+              <a:t>If the destination IPv4 host is on the </a:t>
             </a:r>
             <a:r>
               <a:rPr lang="en-US" b="1" u="sng" dirty="0">
@@ -22846,59 +21975,8 @@
             </a:r>
             <a:r>
               <a:rPr lang="en-US" dirty="0"/>
-              <a:t>, the frame will use the MAC address of this device as the destination MAC </a:t>
-            </a:r>
-            <a:r>
-              <a:rPr lang="en-US" dirty="0" smtClean="0"/>
-              <a:t>address</a:t>
-            </a:r>
-            <a:endParaRPr lang="en-US" dirty="0"/>
-          </a:p>
-          <a:p>
-            <a:pPr marL="342900" indent="-342900" algn="l">
-              <a:buFont typeface="Wingdings" pitchFamily="2" charset="2"/>
-              <a:buChar char="§"/>
-            </a:pPr>
-            <a:endParaRPr lang="en-US" dirty="0" smtClean="0"/>
-          </a:p>
-          <a:p>
-            <a:pPr marL="342900" indent="-342900" algn="l">
-              <a:buFont typeface="Wingdings" pitchFamily="2" charset="2"/>
-              <a:buChar char="§"/>
-            </a:pPr>
-            <a:r>
-              <a:rPr lang="en-US" dirty="0" smtClean="0"/>
-              <a:t>If </a:t>
-            </a:r>
-            <a:r>
-              <a:rPr lang="en-US" dirty="0"/>
-              <a:t>the destination IPv4 host is </a:t>
-            </a:r>
-            <a:r>
-              <a:rPr lang="en-US" b="1" u="sng" dirty="0">
-                <a:solidFill>
-                  <a:srgbClr val="3366FF"/>
-                </a:solidFill>
-              </a:rPr>
-              <a:t>not on the local network</a:t>
-            </a:r>
-            <a:r>
-              <a:rPr lang="en-US" dirty="0"/>
-              <a:t>, t</a:t>
-            </a:r>
-            <a:r>
-              <a:rPr lang="en-US" dirty="0" smtClean="0"/>
-              <a:t>he source </a:t>
-            </a:r>
-            <a:r>
-              <a:rPr lang="en-US" dirty="0"/>
-              <a:t>uses the ARP process to determine a MAC address for the router interface serving as the </a:t>
-            </a:r>
-            <a:r>
-              <a:rPr lang="en-US" dirty="0" smtClean="0"/>
-              <a:t>gateway</a:t>
-            </a:r>
-            <a:endParaRPr lang="en-US" dirty="0"/>
+              <a:t>, the frame will use the MAC address of this device as the destination MAC address</a:t>
+            </a:r>
           </a:p>
           <a:p>
             <a:pPr marL="342900" indent="-342900" algn="l">
@@ -22913,12 +21991,37 @@
               <a:buChar char="§"/>
             </a:pPr>
             <a:r>
-              <a:rPr lang="en-US" dirty="0" smtClean="0"/>
-              <a:t>In </a:t>
-            </a:r>
-            <a:r>
               <a:rPr lang="en-US" dirty="0"/>
-              <a:t>the event that the gateway entry is </a:t>
+              <a:t>If the destination IPv4 host is </a:t>
+            </a:r>
+            <a:r>
+              <a:rPr lang="en-US" b="1" u="sng" dirty="0">
+                <a:solidFill>
+                  <a:srgbClr val="3366FF"/>
+                </a:solidFill>
+              </a:rPr>
+              <a:t>not on the local network</a:t>
+            </a:r>
+            <a:r>
+              <a:rPr lang="en-US" dirty="0"/>
+              <a:t>, the source uses the ARP process to determine a MAC address for the router interface serving as the gateway</a:t>
+            </a:r>
+          </a:p>
+          <a:p>
+            <a:pPr marL="342900" indent="-342900" algn="l">
+              <a:buFont typeface="Wingdings" pitchFamily="2" charset="2"/>
+              <a:buChar char="§"/>
+            </a:pPr>
+            <a:endParaRPr lang="en-US" dirty="0"/>
+          </a:p>
+          <a:p>
+            <a:pPr marL="342900" indent="-342900" algn="l">
+              <a:buFont typeface="Wingdings" pitchFamily="2" charset="2"/>
+              <a:buChar char="§"/>
+            </a:pPr>
+            <a:r>
+              <a:rPr lang="en-US" dirty="0"/>
+              <a:t>In the event that the gateway entry is </a:t>
             </a:r>
             <a:r>
               <a:rPr lang="en-US" b="1" u="sng" dirty="0">
@@ -22930,23 +22033,7 @@
             </a:r>
             <a:r>
               <a:rPr lang="en-US" dirty="0"/>
-              <a:t>, </a:t>
-            </a:r>
-            <a:r>
-              <a:rPr lang="en-US" dirty="0" smtClean="0"/>
-              <a:t>an </a:t>
-            </a:r>
-            <a:r>
-              <a:rPr lang="en-US" dirty="0"/>
-              <a:t>ARP </a:t>
-            </a:r>
-            <a:r>
-              <a:rPr lang="en-US" dirty="0" smtClean="0"/>
-              <a:t>request is used </a:t>
-            </a:r>
-            <a:r>
-              <a:rPr lang="en-US" dirty="0"/>
-              <a:t>to retrieve the MAC address associated with the IP address of the </a:t>
+              <a:t>, an ARP request is used to retrieve the MAC address associated with the IP address of the </a:t>
             </a:r>
             <a:r>
               <a:rPr lang="en-US" b="1" u="sng" dirty="0">
@@ -22954,21 +22041,8 @@
                   <a:srgbClr val="3366FF"/>
                 </a:solidFill>
               </a:rPr>
-              <a:t>router </a:t>
-            </a:r>
-            <a:r>
-              <a:rPr lang="en-US" b="1" u="sng" dirty="0" smtClean="0">
-                <a:solidFill>
-                  <a:srgbClr val="3366FF"/>
-                </a:solidFill>
-              </a:rPr>
-              <a:t>interface</a:t>
-            </a:r>
-            <a:endParaRPr lang="en-US" b="1" u="sng" dirty="0">
-              <a:solidFill>
-                <a:srgbClr val="3366FF"/>
-              </a:solidFill>
-            </a:endParaRPr>
+              <a:t>router interface</a:t>
+            </a:r>
           </a:p>
           <a:p>
             <a:endParaRPr lang="en-US" dirty="0"/>
@@ -22980,16 +22054,9 @@
   <p:clrMapOvr>
     <a:masterClrMapping/>
   </p:clrMapOvr>
-  <p:transition xmlns:p14="http://schemas.microsoft.com/office/powerpoint/2010/main" spd="med">
+  <p:transition spd="med">
     <p:wipe dir="r"/>
   </p:transition>
-  <p:timing>
-    <p:tnLst>
-      <p:par>
-        <p:cTn xmlns:p14="http://schemas.microsoft.com/office/powerpoint/2010/main" id="1" dur="indefinite" restart="never" nodeType="tmRoot"/>
-      </p:par>
-    </p:tnLst>
-  </p:timing>
 </p:sld>
 </file>
 
@@ -23027,31 +22094,22 @@
           <a:p>
             <a:pPr eaLnBrk="1" hangingPunct="1"/>
             <a:r>
-              <a:rPr lang="en-US" sz="1800" dirty="0" smtClean="0">
+              <a:rPr lang="en-US" sz="1800" dirty="0">
                 <a:latin typeface="Arial" charset="0"/>
               </a:rPr>
               <a:t>Switching</a:t>
             </a:r>
-            <a:r>
-              <a:rPr lang="en-US" dirty="0">
-                <a:latin typeface="Arial" charset="0"/>
-              </a:rPr>
-              <a:t/>
-            </a:r>
             <a:br>
               <a:rPr lang="en-US" dirty="0">
                 <a:latin typeface="Arial" charset="0"/>
               </a:rPr>
             </a:br>
             <a:r>
-              <a:rPr lang="en-US" dirty="0" smtClean="0">
+              <a:rPr lang="en-US" dirty="0">
                 <a:latin typeface="Arial" charset="0"/>
               </a:rPr>
               <a:t>Switch Port Fundamentals</a:t>
             </a:r>
-            <a:endParaRPr lang="en-US" dirty="0">
-              <a:latin typeface="Arial" charset="0"/>
-            </a:endParaRPr>
           </a:p>
         </p:txBody>
       </p:sp>
@@ -23079,7 +22137,7 @@
           <a:p>
             <a:pPr algn="l"/>
             <a:r>
-              <a:rPr lang="en-US" b="1" dirty="0" smtClean="0"/>
+              <a:rPr lang="en-US" b="1" dirty="0"/>
               <a:t>Layer 2 LAN switch</a:t>
             </a:r>
           </a:p>
@@ -23093,16 +22151,8 @@
               <a:buChar char="§"/>
             </a:pPr>
             <a:r>
-              <a:rPr lang="en-US" dirty="0" smtClean="0"/>
-              <a:t>Connects end devices to a central intermediate device on </a:t>
-            </a:r>
-            <a:r>
               <a:rPr lang="en-US" dirty="0"/>
-              <a:t>most Ethernet </a:t>
-            </a:r>
-            <a:r>
-              <a:rPr lang="en-US" dirty="0" smtClean="0"/>
-              <a:t>networks</a:t>
+              <a:t>Connects end devices to a central intermediate device on most Ethernet networks</a:t>
             </a:r>
           </a:p>
           <a:p>
@@ -23116,24 +22166,12 @@
             </a:pPr>
             <a:r>
               <a:rPr lang="en-US" dirty="0"/>
-              <a:t>P</a:t>
-            </a:r>
-            <a:r>
-              <a:rPr lang="en-US" dirty="0" smtClean="0"/>
-              <a:t>erforms </a:t>
-            </a:r>
-            <a:r>
-              <a:rPr lang="en-US" dirty="0"/>
-              <a:t>switching and filtering based </a:t>
-            </a:r>
-            <a:r>
-              <a:rPr lang="en-US" dirty="0" smtClean="0"/>
-              <a:t>only on the MAC address</a:t>
+              <a:t>Performs switching and filtering based only on the MAC address</a:t>
             </a:r>
           </a:p>
           <a:p>
             <a:pPr algn="l"/>
-            <a:endParaRPr lang="en-US" dirty="0" smtClean="0"/>
+            <a:endParaRPr lang="en-US" dirty="0"/>
           </a:p>
           <a:p>
             <a:pPr marL="342900" indent="-342900" algn="l">
@@ -23142,24 +22180,12 @@
             </a:pPr>
             <a:r>
               <a:rPr lang="en-US" dirty="0"/>
-              <a:t>B</a:t>
-            </a:r>
-            <a:r>
-              <a:rPr lang="en-US" dirty="0" smtClean="0"/>
-              <a:t>uilds </a:t>
-            </a:r>
-            <a:r>
-              <a:rPr lang="en-US" dirty="0"/>
-              <a:t>a MAC address table that it uses to make forwarding </a:t>
-            </a:r>
-            <a:r>
-              <a:rPr lang="en-US" dirty="0" smtClean="0"/>
-              <a:t>decisions</a:t>
+              <a:t>Builds a MAC address table that it uses to make forwarding decisions</a:t>
             </a:r>
           </a:p>
           <a:p>
             <a:pPr algn="l"/>
-            <a:endParaRPr lang="en-US" dirty="0" smtClean="0"/>
+            <a:endParaRPr lang="en-US" dirty="0"/>
           </a:p>
           <a:p>
             <a:pPr marL="342900" indent="-342900" algn="l">
@@ -23167,19 +22193,11 @@
               <a:buChar char="§"/>
             </a:pPr>
             <a:r>
-              <a:rPr lang="en-US" dirty="0" smtClean="0"/>
-              <a:t>Depends on </a:t>
-            </a:r>
-            <a:r>
               <a:rPr lang="en-US" dirty="0"/>
-              <a:t>routers to pass data between </a:t>
-            </a:r>
-            <a:r>
-              <a:rPr lang="en-US" dirty="0" smtClean="0"/>
-              <a:t>IP </a:t>
-            </a:r>
-            <a:r>
-              <a:rPr lang="en-US" dirty="0" err="1" smtClean="0"/>
+              <a:t>Depends on routers to pass data between IP </a:t>
+            </a:r>
+            <a:r>
+              <a:rPr lang="en-US" dirty="0" err="1"/>
               <a:t>subnetworks</a:t>
             </a:r>
             <a:endParaRPr lang="en-US" dirty="0"/>
@@ -23200,16 +22218,9 @@
   <p:clrMapOvr>
     <a:masterClrMapping/>
   </p:clrMapOvr>
-  <p:transition xmlns:p14="http://schemas.microsoft.com/office/powerpoint/2010/main" spd="med">
+  <p:transition spd="med">
     <p:wipe dir="r"/>
   </p:transition>
-  <p:timing>
-    <p:tnLst>
-      <p:par>
-        <p:cTn xmlns:p14="http://schemas.microsoft.com/office/powerpoint/2010/main" id="1" dur="indefinite" restart="never" nodeType="tmRoot"/>
-      </p:par>
-    </p:tnLst>
-  </p:timing>
 </p:sld>
 </file>
 
@@ -23252,31 +22263,22 @@
           <a:p>
             <a:pPr eaLnBrk="1" hangingPunct="1"/>
             <a:r>
-              <a:rPr lang="en-US" sz="1800" dirty="0" smtClean="0">
+              <a:rPr lang="en-US" sz="1800" dirty="0">
                 <a:latin typeface="Arial" charset="0"/>
               </a:rPr>
               <a:t>Switching</a:t>
             </a:r>
-            <a:r>
-              <a:rPr lang="en-US" dirty="0">
-                <a:latin typeface="Arial" charset="0"/>
-              </a:rPr>
-              <a:t/>
-            </a:r>
             <a:br>
               <a:rPr lang="en-US" dirty="0">
                 <a:latin typeface="Arial" charset="0"/>
               </a:rPr>
             </a:br>
             <a:r>
-              <a:rPr lang="en-US" dirty="0" smtClean="0">
+              <a:rPr lang="en-US" dirty="0">
                 <a:latin typeface="Arial" charset="0"/>
               </a:rPr>
               <a:t>Switch MAC Address Table</a:t>
             </a:r>
-            <a:endParaRPr lang="en-US" dirty="0">
-              <a:latin typeface="Arial" charset="0"/>
-            </a:endParaRPr>
           </a:p>
         </p:txBody>
       </p:sp>
@@ -23304,89 +22306,57 @@
           <a:p>
             <a:pPr marL="347663" indent="-347663" algn="l"/>
             <a:r>
-              <a:rPr lang="en-US" b="1" dirty="0" smtClean="0"/>
-              <a:t>1</a:t>
-            </a:r>
-            <a:r>
               <a:rPr lang="en-US" b="1" dirty="0"/>
-              <a:t>.</a:t>
+              <a:t>1.</a:t>
             </a:r>
             <a:r>
               <a:rPr lang="en-US" dirty="0"/>
-              <a:t> The switch receives a broadcast frame from PC 1 on Port 1</a:t>
-            </a:r>
-            <a:r>
-              <a:rPr lang="en-US" dirty="0" smtClean="0"/>
-              <a:t>.</a:t>
+              <a:t> The switch receives a broadcast frame from PC 1 on Port 1.</a:t>
             </a:r>
             <a:br>
-              <a:rPr lang="en-US" dirty="0" smtClean="0"/>
+              <a:rPr lang="en-US" dirty="0"/>
             </a:br>
             <a:endParaRPr lang="en-US" dirty="0"/>
           </a:p>
           <a:p>
             <a:pPr marL="347663" indent="-347663" algn="l"/>
             <a:r>
-              <a:rPr lang="en-US" b="1" dirty="0" smtClean="0"/>
-              <a:t>2</a:t>
-            </a:r>
-            <a:r>
               <a:rPr lang="en-US" b="1" dirty="0"/>
-              <a:t>.</a:t>
+              <a:t>2.</a:t>
             </a:r>
             <a:r>
               <a:rPr lang="en-US" dirty="0"/>
-              <a:t> The switch enters the source MAC address and the switch port that received the frame into the address table</a:t>
-            </a:r>
-            <a:r>
-              <a:rPr lang="en-US" dirty="0" smtClean="0"/>
-              <a:t>.</a:t>
+              <a:t> The switch enters the source MAC address and the switch port that received the frame into the address table.</a:t>
             </a:r>
             <a:br>
-              <a:rPr lang="en-US" dirty="0" smtClean="0"/>
+              <a:rPr lang="en-US" dirty="0"/>
             </a:br>
             <a:endParaRPr lang="en-US" dirty="0"/>
           </a:p>
           <a:p>
             <a:pPr marL="347663" indent="-347663" algn="l"/>
             <a:r>
-              <a:rPr lang="en-US" b="1" dirty="0" smtClean="0"/>
-              <a:t>3</a:t>
-            </a:r>
-            <a:r>
               <a:rPr lang="en-US" b="1" dirty="0"/>
-              <a:t>.</a:t>
+              <a:t>3.</a:t>
             </a:r>
             <a:r>
               <a:rPr lang="en-US" dirty="0"/>
-              <a:t> Because the destination address is a broadcast, the switch floods the frame to all ports, except the port on which it received the frame</a:t>
-            </a:r>
-            <a:r>
-              <a:rPr lang="en-US" dirty="0" smtClean="0"/>
-              <a:t>.</a:t>
+              <a:t> Because the destination address is a broadcast, the switch floods the frame to all ports, except the port on which it received the frame.</a:t>
             </a:r>
             <a:br>
-              <a:rPr lang="en-US" dirty="0" smtClean="0"/>
+              <a:rPr lang="en-US" dirty="0"/>
             </a:br>
             <a:endParaRPr lang="en-US" dirty="0"/>
           </a:p>
           <a:p>
             <a:pPr marL="347663" indent="-347663" algn="l"/>
             <a:r>
-              <a:rPr lang="en-US" b="1" dirty="0" smtClean="0"/>
-              <a:t>4</a:t>
-            </a:r>
-            <a:r>
               <a:rPr lang="en-US" b="1" dirty="0"/>
-              <a:t>.</a:t>
+              <a:t>4.</a:t>
             </a:r>
             <a:r>
               <a:rPr lang="en-US" dirty="0"/>
-              <a:t> The destination device replies to the broadcast with a unicast frame addressed to PC </a:t>
-            </a:r>
-            <a:r>
-              <a:rPr lang="en-US" dirty="0" smtClean="0"/>
-              <a:t>1.</a:t>
+              <a:t> The destination device replies to the broadcast with a unicast frame addressed to PC 1.</a:t>
             </a:r>
           </a:p>
           <a:p>
@@ -23396,10 +22366,9 @@
           <a:p>
             <a:pPr marL="347663" indent="-347663" algn="l"/>
             <a:r>
-              <a:rPr lang="en-US" dirty="0" smtClean="0"/>
+              <a:rPr lang="en-US" dirty="0"/>
               <a:t>Continued…</a:t>
             </a:r>
-            <a:endParaRPr lang="en-US" dirty="0"/>
           </a:p>
         </p:txBody>
       </p:sp>
@@ -23439,14 +22408,14 @@
           <a:effectLst/>
           <a:extLst>
             <a:ext uri="{909E8E84-426E-40dd-AFC4-6F175D3DCCD1}">
-              <a14:hiddenFill xmlns:a14="http://schemas.microsoft.com/office/drawing/2010/main">
+              <a14:hiddenFill xmlns:a14="http://schemas.microsoft.com/office/drawing/2010/main" xmlns="">
                 <a:solidFill>
                   <a:schemeClr val="accent1"/>
                 </a:solidFill>
               </a14:hiddenFill>
             </a:ext>
             <a:ext uri="{91240B29-F687-4f45-9708-019B960494DF}">
-              <a14:hiddenLine xmlns:a14="http://schemas.microsoft.com/office/drawing/2010/main" w="9525">
+              <a14:hiddenLine xmlns:a14="http://schemas.microsoft.com/office/drawing/2010/main" xmlns="" w="9525">
                 <a:solidFill>
                   <a:schemeClr val="tx1"/>
                 </a:solidFill>
@@ -23456,7 +22425,7 @@
               </a14:hiddenLine>
             </a:ext>
             <a:ext uri="{AF507438-7753-43e0-B8FC-AC1667EBCBE1}">
-              <a14:hiddenEffects xmlns:a14="http://schemas.microsoft.com/office/drawing/2010/main">
+              <a14:hiddenEffects xmlns:a14="http://schemas.microsoft.com/office/drawing/2010/main" xmlns="">
                 <a:effectLst>
                   <a:outerShdw dist="35921" dir="2700000" algn="ctr" rotWithShape="0">
                     <a:schemeClr val="bg2"/>
@@ -23477,16 +22446,9 @@
   <p:clrMapOvr>
     <a:masterClrMapping/>
   </p:clrMapOvr>
-  <p:transition xmlns:p14="http://schemas.microsoft.com/office/powerpoint/2010/main" spd="med">
+  <p:transition spd="med">
     <p:wipe dir="r"/>
   </p:transition>
-  <p:timing>
-    <p:tnLst>
-      <p:par>
-        <p:cTn xmlns:p14="http://schemas.microsoft.com/office/powerpoint/2010/main" id="1" dur="indefinite" restart="never" nodeType="tmRoot"/>
-      </p:par>
-    </p:tnLst>
-  </p:timing>
 </p:sld>
 </file>
 
@@ -23524,31 +22486,22 @@
           <a:p>
             <a:pPr eaLnBrk="1" hangingPunct="1"/>
             <a:r>
-              <a:rPr lang="en-US" sz="1800" dirty="0" smtClean="0">
+              <a:rPr lang="en-US" sz="1800" dirty="0">
                 <a:latin typeface="Arial" charset="0"/>
               </a:rPr>
               <a:t>Switching</a:t>
             </a:r>
-            <a:r>
-              <a:rPr lang="en-US" dirty="0">
-                <a:latin typeface="Arial" charset="0"/>
-              </a:rPr>
-              <a:t/>
-            </a:r>
             <a:br>
               <a:rPr lang="en-US" dirty="0">
                 <a:latin typeface="Arial" charset="0"/>
               </a:rPr>
             </a:br>
             <a:r>
-              <a:rPr lang="en-US" dirty="0" smtClean="0">
+              <a:rPr lang="en-US" dirty="0">
                 <a:latin typeface="Arial" charset="0"/>
               </a:rPr>
               <a:t>Switch MAC Address Table</a:t>
             </a:r>
-            <a:endParaRPr lang="en-US" dirty="0">
-              <a:latin typeface="Arial" charset="0"/>
-            </a:endParaRPr>
           </a:p>
         </p:txBody>
       </p:sp>
@@ -23576,20 +22529,12 @@
           <a:p>
             <a:pPr marL="347663" indent="-347663" algn="l"/>
             <a:r>
-              <a:rPr lang="en-US" b="1" dirty="0" smtClean="0"/>
-              <a:t>5</a:t>
-            </a:r>
-            <a:r>
               <a:rPr lang="en-US" b="1" dirty="0"/>
-              <a:t>.</a:t>
+              <a:t>5.</a:t>
             </a:r>
             <a:r>
               <a:rPr lang="en-US" dirty="0"/>
-              <a:t> The switch enters the source MAC address of PC 2 and the port number of the switch port that received the frame into the address table. The destination address of the frame and its associated port is found in the MAC address table</a:t>
-            </a:r>
-            <a:r>
-              <a:rPr lang="en-US" dirty="0" smtClean="0"/>
-              <a:t>.</a:t>
+              <a:t> The switch enters the source MAC address of PC 2 and the port number of the switch port that received the frame into the address table. The destination address of the frame and its associated port is found in the MAC address table.</a:t>
             </a:r>
           </a:p>
           <a:p>
@@ -23599,12 +22544,8 @@
           <a:p>
             <a:pPr marL="347663" indent="-347663" algn="l"/>
             <a:r>
-              <a:rPr lang="en-US" b="1" dirty="0" smtClean="0"/>
-              <a:t>6</a:t>
-            </a:r>
-            <a:r>
               <a:rPr lang="en-US" b="1" dirty="0"/>
-              <a:t>.</a:t>
+              <a:t>6.</a:t>
             </a:r>
             <a:r>
               <a:rPr lang="en-US" dirty="0"/>
@@ -23653,14 +22594,14 @@
           <a:effectLst/>
           <a:extLst>
             <a:ext uri="{909E8E84-426E-40dd-AFC4-6F175D3DCCD1}">
-              <a14:hiddenFill xmlns:a14="http://schemas.microsoft.com/office/drawing/2010/main">
+              <a14:hiddenFill xmlns:a14="http://schemas.microsoft.com/office/drawing/2010/main" xmlns="">
                 <a:solidFill>
                   <a:schemeClr val="accent1"/>
                 </a:solidFill>
               </a14:hiddenFill>
             </a:ext>
             <a:ext uri="{91240B29-F687-4f45-9708-019B960494DF}">
-              <a14:hiddenLine xmlns:a14="http://schemas.microsoft.com/office/drawing/2010/main" w="9525">
+              <a14:hiddenLine xmlns:a14="http://schemas.microsoft.com/office/drawing/2010/main" xmlns="" w="9525">
                 <a:solidFill>
                   <a:schemeClr val="tx1"/>
                 </a:solidFill>
@@ -23670,7 +22611,7 @@
               </a14:hiddenLine>
             </a:ext>
             <a:ext uri="{AF507438-7753-43e0-B8FC-AC1667EBCBE1}">
-              <a14:hiddenEffects xmlns:a14="http://schemas.microsoft.com/office/drawing/2010/main">
+              <a14:hiddenEffects xmlns:a14="http://schemas.microsoft.com/office/drawing/2010/main" xmlns="">
                 <a:effectLst>
                   <a:outerShdw dist="35921" dir="2700000" algn="ctr" rotWithShape="0">
                     <a:schemeClr val="bg2"/>
@@ -23691,16 +22632,9 @@
   <p:clrMapOvr>
     <a:masterClrMapping/>
   </p:clrMapOvr>
-  <p:transition xmlns:p14="http://schemas.microsoft.com/office/powerpoint/2010/main" spd="med">
+  <p:transition spd="med">
     <p:wipe dir="r"/>
   </p:transition>
-  <p:timing>
-    <p:tnLst>
-      <p:par>
-        <p:cTn xmlns:p14="http://schemas.microsoft.com/office/powerpoint/2010/main" id="1" dur="indefinite" restart="never" nodeType="tmRoot"/>
-      </p:par>
-    </p:tnLst>
-  </p:timing>
 </p:sld>
 </file>
 
@@ -23757,14 +22691,14 @@
           <a:effectLst/>
           <a:extLst>
             <a:ext uri="{909E8E84-426E-40dd-AFC4-6F175D3DCCD1}">
-              <a14:hiddenFill xmlns:a14="http://schemas.microsoft.com/office/drawing/2010/main">
+              <a14:hiddenFill xmlns:a14="http://schemas.microsoft.com/office/drawing/2010/main" xmlns="">
                 <a:solidFill>
                   <a:schemeClr val="accent1"/>
                 </a:solidFill>
               </a14:hiddenFill>
             </a:ext>
             <a:ext uri="{91240B29-F687-4f45-9708-019B960494DF}">
-              <a14:hiddenLine xmlns:a14="http://schemas.microsoft.com/office/drawing/2010/main" w="9525">
+              <a14:hiddenLine xmlns:a14="http://schemas.microsoft.com/office/drawing/2010/main" xmlns="" w="9525">
                 <a:solidFill>
                   <a:schemeClr val="tx1"/>
                 </a:solidFill>
@@ -23774,7 +22708,7 @@
               </a14:hiddenLine>
             </a:ext>
             <a:ext uri="{AF507438-7753-43e0-B8FC-AC1667EBCBE1}">
-              <a14:hiddenEffects xmlns:a14="http://schemas.microsoft.com/office/drawing/2010/main">
+              <a14:hiddenEffects xmlns:a14="http://schemas.microsoft.com/office/drawing/2010/main" xmlns="">
                 <a:effectLst>
                   <a:outerShdw dist="35921" dir="2700000" algn="ctr" rotWithShape="0">
                     <a:schemeClr val="bg2"/>
@@ -23807,14 +22741,14 @@
           </a:ln>
           <a:extLst>
             <a:ext uri="{909E8E84-426E-40dd-AFC4-6F175D3DCCD1}">
-              <a14:hiddenFill xmlns:a14="http://schemas.microsoft.com/office/drawing/2010/main">
+              <a14:hiddenFill xmlns:a14="http://schemas.microsoft.com/office/drawing/2010/main" xmlns="">
                 <a:solidFill>
                   <a:srgbClr val="FFFFFF"/>
                 </a:solidFill>
               </a14:hiddenFill>
             </a:ext>
             <a:ext uri="{91240B29-F687-4f45-9708-019B960494DF}">
-              <a14:hiddenLine xmlns:a14="http://schemas.microsoft.com/office/drawing/2010/main" w="9525">
+              <a14:hiddenLine xmlns:a14="http://schemas.microsoft.com/office/drawing/2010/main" xmlns="" w="9525">
                 <a:solidFill>
                   <a:srgbClr val="000000"/>
                 </a:solidFill>
@@ -23824,7 +22758,7 @@
               </a14:hiddenLine>
             </a:ext>
             <a:ext uri="{FAA26D3D-D897-4be2-8F04-BA451C77F1D7}">
-              <ma14:placeholderFlag xmlns:ma14="http://schemas.microsoft.com/office/mac/drawingml/2011/main" val="1"/>
+              <ma14:placeholderFlag xmlns:ma14="http://schemas.microsoft.com/office/mac/drawingml/2011/main" xmlns="" val="1"/>
             </a:ext>
           </a:extLst>
         </p:spPr>
@@ -24001,37 +22935,31 @@
           </a:lstStyle>
           <a:p>
             <a:pPr eaLnBrk="1" hangingPunct="1"/>
-            <a:r>
-              <a:rPr lang="en-US" sz="1800" dirty="0" smtClean="0">
-                <a:latin typeface="Arial" charset="0"/>
-              </a:rPr>
-              <a:t/>
-            </a:r>
             <a:br>
-              <a:rPr lang="en-US" sz="1800" dirty="0" smtClean="0">
+              <a:rPr lang="en-US" sz="1800" dirty="0">
                 <a:latin typeface="Arial" charset="0"/>
               </a:rPr>
             </a:br>
             <a:r>
-              <a:rPr lang="en-US" sz="1800" dirty="0" smtClean="0">
+              <a:rPr lang="en-US" sz="1800" dirty="0">
                 <a:latin typeface="Arial" charset="0"/>
               </a:rPr>
               <a:t> </a:t>
             </a:r>
             <a:r>
-              <a:rPr lang="en-US" dirty="0" smtClean="0">
+              <a:rPr lang="en-US" dirty="0">
                 <a:latin typeface="Arial" charset="0"/>
               </a:rPr>
               <a:t>Ethernet Protocol - </a:t>
             </a:r>
             <a:r>
-              <a:rPr lang="en-US" sz="2800" b="0" dirty="0" smtClean="0">
+              <a:rPr lang="en-US" sz="2800" b="0" dirty="0">
                 <a:latin typeface="Arial" charset="0"/>
               </a:rPr>
               <a:t>LLC and MAC </a:t>
             </a:r>
             <a:r>
-              <a:rPr lang="en-US" sz="2800" b="0" dirty="0" err="1" smtClean="0">
+              <a:rPr lang="en-US" sz="2800" b="0" dirty="0" err="1">
                 <a:latin typeface="Arial" charset="0"/>
               </a:rPr>
               <a:t>Sublayers</a:t>
@@ -24052,16 +22980,9 @@
   <p:clrMapOvr>
     <a:masterClrMapping/>
   </p:clrMapOvr>
-  <p:transition xmlns:p14="http://schemas.microsoft.com/office/powerpoint/2010/main" spd="med">
+  <p:transition spd="med">
     <p:wipe dir="r"/>
   </p:transition>
-  <p:timing>
-    <p:tnLst>
-      <p:par>
-        <p:cTn xmlns:p14="http://schemas.microsoft.com/office/powerpoint/2010/main" id="1" dur="indefinite" restart="never" nodeType="tmRoot"/>
-      </p:par>
-    </p:tnLst>
-  </p:timing>
 </p:sld>
 </file>
 
@@ -24099,25 +23020,22 @@
           <a:p>
             <a:pPr eaLnBrk="1" hangingPunct="1"/>
             <a:r>
-              <a:rPr lang="en-US" sz="1800" dirty="0" smtClean="0">
+              <a:rPr lang="en-US" sz="1800" dirty="0">
                 <a:latin typeface="Arial" charset="0"/>
               </a:rPr>
               <a:t>Switching</a:t>
             </a:r>
             <a:br>
-              <a:rPr lang="en-US" sz="1800" dirty="0" smtClean="0">
+              <a:rPr lang="en-US" sz="1800" dirty="0">
                 <a:latin typeface="Arial" charset="0"/>
               </a:rPr>
             </a:br>
             <a:r>
-              <a:rPr lang="en-US" dirty="0" smtClean="0">
+              <a:rPr lang="en-US" dirty="0">
                 <a:latin typeface="Arial" charset="0"/>
               </a:rPr>
               <a:t>Duplex Settings</a:t>
             </a:r>
-            <a:endParaRPr lang="en-US" dirty="0">
-              <a:latin typeface="Arial" charset="0"/>
-            </a:endParaRPr>
           </a:p>
         </p:txBody>
       </p:sp>
@@ -24156,14 +23074,14 @@
           </a:ln>
           <a:extLst>
             <a:ext uri="{909E8E84-426E-40dd-AFC4-6F175D3DCCD1}">
-              <a14:hiddenFill xmlns:a14="http://schemas.microsoft.com/office/drawing/2010/main">
+              <a14:hiddenFill xmlns:a14="http://schemas.microsoft.com/office/drawing/2010/main" xmlns="">
                 <a:solidFill>
                   <a:schemeClr val="accent1"/>
                 </a:solidFill>
               </a14:hiddenFill>
             </a:ext>
             <a:ext uri="{91240B29-F687-4f45-9708-019B960494DF}">
-              <a14:hiddenLine xmlns:a14="http://schemas.microsoft.com/office/drawing/2010/main" w="9525">
+              <a14:hiddenLine xmlns:a14="http://schemas.microsoft.com/office/drawing/2010/main" xmlns="" w="9525">
                 <a:solidFill>
                   <a:schemeClr val="tx1"/>
                 </a:solidFill>
@@ -24180,16 +23098,9 @@
   <p:clrMapOvr>
     <a:masterClrMapping/>
   </p:clrMapOvr>
-  <p:transition xmlns:p14="http://schemas.microsoft.com/office/powerpoint/2010/main" spd="med">
+  <p:transition spd="med">
     <p:wipe dir="r"/>
   </p:transition>
-  <p:timing>
-    <p:tnLst>
-      <p:par>
-        <p:cTn xmlns:p14="http://schemas.microsoft.com/office/powerpoint/2010/main" id="1" dur="indefinite" restart="never" nodeType="tmRoot"/>
-      </p:par>
-    </p:tnLst>
-  </p:timing>
 </p:sld>
 </file>
 
@@ -24227,25 +23138,22 @@
           <a:p>
             <a:pPr eaLnBrk="1" hangingPunct="1"/>
             <a:r>
-              <a:rPr lang="en-US" sz="1800" dirty="0" smtClean="0">
+              <a:rPr lang="en-US" sz="1800" dirty="0">
                 <a:latin typeface="Arial" charset="0"/>
               </a:rPr>
               <a:t>Switching</a:t>
             </a:r>
             <a:br>
-              <a:rPr lang="en-US" sz="1800" dirty="0" smtClean="0">
+              <a:rPr lang="en-US" sz="1800" dirty="0">
                 <a:latin typeface="Arial" charset="0"/>
               </a:rPr>
             </a:br>
             <a:r>
-              <a:rPr lang="en-US" dirty="0" smtClean="0">
+              <a:rPr lang="en-US" dirty="0">
                 <a:latin typeface="Arial" charset="0"/>
               </a:rPr>
               <a:t>Auto-MDIX</a:t>
             </a:r>
-            <a:endParaRPr lang="en-US" dirty="0">
-              <a:latin typeface="Arial" charset="0"/>
-            </a:endParaRPr>
           </a:p>
         </p:txBody>
       </p:sp>
@@ -24284,14 +23192,14 @@
           </a:ln>
           <a:extLst>
             <a:ext uri="{909E8E84-426E-40dd-AFC4-6F175D3DCCD1}">
-              <a14:hiddenFill xmlns:a14="http://schemas.microsoft.com/office/drawing/2010/main">
+              <a14:hiddenFill xmlns:a14="http://schemas.microsoft.com/office/drawing/2010/main" xmlns="">
                 <a:solidFill>
                   <a:schemeClr val="accent1"/>
                 </a:solidFill>
               </a14:hiddenFill>
             </a:ext>
             <a:ext uri="{91240B29-F687-4f45-9708-019B960494DF}">
-              <a14:hiddenLine xmlns:a14="http://schemas.microsoft.com/office/drawing/2010/main" w="9525">
+              <a14:hiddenLine xmlns:a14="http://schemas.microsoft.com/office/drawing/2010/main" xmlns="" w="9525">
                 <a:solidFill>
                   <a:schemeClr val="tx1"/>
                 </a:solidFill>
@@ -24313,16 +23221,9 @@
   <p:clrMapOvr>
     <a:masterClrMapping/>
   </p:clrMapOvr>
-  <p:transition xmlns:p14="http://schemas.microsoft.com/office/powerpoint/2010/main" spd="med">
+  <p:transition spd="med">
     <p:wipe dir="r"/>
   </p:transition>
-  <p:timing>
-    <p:tnLst>
-      <p:par>
-        <p:cTn xmlns:p14="http://schemas.microsoft.com/office/powerpoint/2010/main" id="1" dur="indefinite" restart="never" nodeType="tmRoot"/>
-      </p:par>
-    </p:tnLst>
-  </p:timing>
 </p:sld>
 </file>
 
@@ -24367,7 +23268,7 @@
           </a:ln>
           <a:extLst>
             <a:ext uri="{91240B29-F687-4f45-9708-019B960494DF}">
-              <a14:hiddenLine xmlns:a14="http://schemas.microsoft.com/office/drawing/2010/main" w="9525">
+              <a14:hiddenLine xmlns:a14="http://schemas.microsoft.com/office/drawing/2010/main" xmlns="" w="9525">
                 <a:solidFill>
                   <a:srgbClr val="000000"/>
                 </a:solidFill>
@@ -24421,14 +23322,14 @@
           </a:ln>
           <a:extLst>
             <a:ext uri="{909E8E84-426E-40dd-AFC4-6F175D3DCCD1}">
-              <a14:hiddenFill xmlns:a14="http://schemas.microsoft.com/office/drawing/2010/main">
+              <a14:hiddenFill xmlns:a14="http://schemas.microsoft.com/office/drawing/2010/main" xmlns="">
                 <a:solidFill>
                   <a:srgbClr val="FFFFFF"/>
                 </a:solidFill>
               </a14:hiddenFill>
             </a:ext>
             <a:ext uri="{91240B29-F687-4f45-9708-019B960494DF}">
-              <a14:hiddenLine xmlns:a14="http://schemas.microsoft.com/office/drawing/2010/main" w="9525">
+              <a14:hiddenLine xmlns:a14="http://schemas.microsoft.com/office/drawing/2010/main" xmlns="" w="9525">
                 <a:solidFill>
                   <a:srgbClr val="000000"/>
                 </a:solidFill>
@@ -24445,16 +23346,9 @@
   <p:clrMapOvr>
     <a:masterClrMapping/>
   </p:clrMapOvr>
-  <p:transition xmlns:p14="http://schemas.microsoft.com/office/powerpoint/2010/main" spd="med">
+  <p:transition spd="med">
     <p:wipe dir="r"/>
   </p:transition>
-  <p:timing>
-    <p:tnLst>
-      <p:par>
-        <p:cTn xmlns:p14="http://schemas.microsoft.com/office/powerpoint/2010/main" id="1" dur="indefinite" restart="never" nodeType="tmRoot"/>
-      </p:par>
-    </p:tnLst>
-  </p:timing>
 </p:sld>
 </file>
 
@@ -24499,7 +23393,7 @@
               <a:buNone/>
             </a:pPr>
             <a:r>
-              <a:rPr lang="en-US" b="1" dirty="0" smtClean="0"/>
+              <a:rPr lang="en-US" b="1" dirty="0"/>
               <a:t>LLC</a:t>
             </a:r>
             <a:endParaRPr lang="en-US" dirty="0"/>
@@ -24510,19 +23404,23 @@
               <a:buChar char="•"/>
             </a:pPr>
             <a:r>
+              <a:rPr lang="en-US" dirty="0">
+                <a:highlight>
+                  <a:srgbClr val="FFFF00"/>
+                </a:highlight>
+              </a:rPr>
+              <a:t>Handles communication</a:t>
+            </a:r>
+            <a:r>
               <a:rPr lang="en-US" dirty="0"/>
-              <a:t>H</a:t>
-            </a:r>
-            <a:r>
-              <a:rPr lang="en-US" dirty="0" smtClean="0"/>
-              <a:t>andles communication </a:t>
-            </a:r>
-            <a:r>
-              <a:rPr lang="en-US" dirty="0"/>
-              <a:t>between </a:t>
-            </a:r>
-            <a:r>
-              <a:rPr lang="en-US" dirty="0" smtClean="0"/>
+              <a:t> between </a:t>
+            </a:r>
+            <a:r>
+              <a:rPr lang="en-US" dirty="0">
+                <a:highlight>
+                  <a:srgbClr val="FFFF00"/>
+                </a:highlight>
+              </a:rPr>
               <a:t>upper and lower layers</a:t>
             </a:r>
           </a:p>
@@ -24533,23 +23431,31 @@
             </a:pPr>
             <a:r>
               <a:rPr lang="en-US" dirty="0"/>
-              <a:t>T</a:t>
-            </a:r>
-            <a:r>
-              <a:rPr lang="en-US" dirty="0" smtClean="0"/>
-              <a:t>akes </a:t>
+              <a:t>Takes the network protocol data and </a:t>
+            </a:r>
+            <a:r>
+              <a:rPr lang="en-US" dirty="0">
+                <a:highlight>
+                  <a:srgbClr val="FFFF00"/>
+                </a:highlight>
+              </a:rPr>
+              <a:t>adds control information</a:t>
             </a:r>
             <a:r>
               <a:rPr lang="en-US" dirty="0"/>
-              <a:t>the network protocol </a:t>
-            </a:r>
-            <a:r>
-              <a:rPr lang="en-US" dirty="0" smtClean="0"/>
-              <a:t>data and </a:t>
+              <a:t> to help deliver </a:t>
+            </a:r>
+            <a:r>
+              <a:rPr lang="en-US" dirty="0">
+                <a:highlight>
+                  <a:srgbClr val="FFFF00"/>
+                </a:highlight>
+              </a:rPr>
+              <a:t>the packet</a:t>
             </a:r>
             <a:r>
               <a:rPr lang="en-US" dirty="0"/>
-              <a:t>adds control information to help deliver the packet to the destination </a:t>
+              <a:t> to the destination </a:t>
             </a:r>
           </a:p>
           <a:p>
@@ -24557,7 +23463,7 @@
               <a:buNone/>
             </a:pPr>
             <a:r>
-              <a:rPr lang="en-US" b="1" dirty="0" smtClean="0"/>
+              <a:rPr lang="en-US" b="1" dirty="0"/>
               <a:t>MAC</a:t>
             </a:r>
             <a:endParaRPr lang="en-US" dirty="0"/>
@@ -24568,28 +23474,36 @@
               <a:buChar char="•"/>
             </a:pPr>
             <a:r>
+              <a:rPr lang="en-US" dirty="0">
+                <a:highlight>
+                  <a:srgbClr val="FFFF00"/>
+                </a:highlight>
+              </a:rPr>
+              <a:t>Constitutes</a:t>
+            </a:r>
+            <a:r>
               <a:rPr lang="en-US" dirty="0"/>
-              <a:t>C</a:t>
-            </a:r>
-            <a:r>
-              <a:rPr lang="en-US" dirty="0" smtClean="0"/>
-              <a:t>onstitutes </a:t>
+              <a:t> the </a:t>
+            </a:r>
+            <a:r>
+              <a:rPr lang="en-US" dirty="0">
+                <a:highlight>
+                  <a:srgbClr val="FFFF00"/>
+                </a:highlight>
+              </a:rPr>
+              <a:t>lower </a:t>
+            </a:r>
+            <a:r>
+              <a:rPr lang="en-US" dirty="0" err="1">
+                <a:highlight>
+                  <a:srgbClr val="FFFF00"/>
+                </a:highlight>
+              </a:rPr>
+              <a:t>sublayer</a:t>
             </a:r>
             <a:r>
               <a:rPr lang="en-US" dirty="0"/>
-              <a:t>the lower </a:t>
-            </a:r>
-            <a:r>
-              <a:rPr lang="en-US" dirty="0" err="1"/>
-              <a:t>sublayer</a:t>
-            </a:r>
-            <a:r>
-              <a:rPr lang="en-US" dirty="0"/>
-              <a:t> of the data </a:t>
-            </a:r>
-            <a:r>
-              <a:rPr lang="en-US" dirty="0" smtClean="0"/>
-              <a:t>link layer</a:t>
+              <a:t> of the data link layer</a:t>
             </a:r>
           </a:p>
           <a:p>
@@ -24599,19 +23513,19 @@
             </a:pPr>
             <a:r>
               <a:rPr lang="en-US" dirty="0"/>
-              <a:t>I</a:t>
-            </a:r>
-            <a:r>
-              <a:rPr lang="en-US" dirty="0" smtClean="0"/>
-              <a:t>mplemented </a:t>
+              <a:t>Implemented </a:t>
+            </a:r>
+            <a:r>
+              <a:rPr lang="en-US" dirty="0">
+                <a:highlight>
+                  <a:srgbClr val="FFFF00"/>
+                </a:highlight>
+              </a:rPr>
+              <a:t>by hardware</a:t>
             </a:r>
             <a:r>
               <a:rPr lang="en-US" dirty="0"/>
-              <a:t>by hardware, typically in the computer </a:t>
-            </a:r>
-            <a:r>
-              <a:rPr lang="en-US" dirty="0" smtClean="0"/>
-              <a:t>NIC</a:t>
+              <a:t>, typically in the computer NIC</a:t>
             </a:r>
           </a:p>
           <a:p>
@@ -24620,7 +23534,7 @@
               <a:buChar char="•"/>
             </a:pPr>
             <a:r>
-              <a:rPr lang="en-US" dirty="0" smtClean="0"/>
+              <a:rPr lang="en-US" dirty="0"/>
               <a:t>Two primary responsibilities:  </a:t>
             </a:r>
           </a:p>
@@ -24630,8 +23544,16 @@
               <a:buChar char="•"/>
             </a:pPr>
             <a:r>
-              <a:rPr lang="en-US" dirty="0" smtClean="0"/>
-              <a:t>Data encapsulation  </a:t>
+              <a:rPr lang="en-US" dirty="0">
+                <a:highlight>
+                  <a:srgbClr val="FFFF00"/>
+                </a:highlight>
+              </a:rPr>
+              <a:t>Data encapsulation</a:t>
+            </a:r>
+            <a:r>
+              <a:rPr lang="en-US" dirty="0"/>
+              <a:t>  </a:t>
             </a:r>
           </a:p>
           <a:p>
@@ -24640,20 +23562,12 @@
               <a:buChar char="•"/>
             </a:pPr>
             <a:r>
-              <a:rPr lang="en-US" dirty="0" smtClean="0"/>
-              <a:t>Media </a:t>
-            </a:r>
-            <a:r>
-              <a:rPr lang="en-US" dirty="0"/>
-              <a:t>access </a:t>
-            </a:r>
-            <a:r>
-              <a:rPr lang="en-US" dirty="0" smtClean="0"/>
-              <a:t>control</a:t>
-            </a:r>
-            <a:r>
-              <a:rPr lang="en-US" dirty="0"/>
-              <a:t/>
+              <a:rPr lang="en-US" dirty="0">
+                <a:highlight>
+                  <a:srgbClr val="FFFF00"/>
+                </a:highlight>
+              </a:rPr>
+              <a:t>Media access control</a:t>
             </a:r>
             <a:br>
               <a:rPr lang="en-US" dirty="0"/>
@@ -24683,19 +23597,13 @@
           <a:lstStyle/>
           <a:p>
             <a:pPr eaLnBrk="1" hangingPunct="1"/>
-            <a:r>
-              <a:rPr lang="en-US" sz="1800" dirty="0" smtClean="0">
-                <a:latin typeface="Arial" charset="0"/>
-              </a:rPr>
-              <a:t/>
-            </a:r>
             <a:br>
-              <a:rPr lang="en-US" sz="1800" dirty="0" smtClean="0">
+              <a:rPr lang="en-US" sz="1800" dirty="0">
                 <a:latin typeface="Arial" charset="0"/>
               </a:rPr>
             </a:br>
             <a:r>
-              <a:rPr lang="en-US" sz="1800" dirty="0" smtClean="0">
+              <a:rPr lang="en-US" sz="1800" dirty="0">
                 <a:latin typeface="Arial" charset="0"/>
               </a:rPr>
               <a:t> </a:t>
@@ -24704,22 +23612,16 @@
               <a:rPr lang="en-US" dirty="0">
                 <a:latin typeface="Arial" charset="0"/>
               </a:rPr>
-              <a:t>E</a:t>
-            </a:r>
-            <a:r>
-              <a:rPr lang="en-US" dirty="0" smtClean="0">
-                <a:latin typeface="Arial" charset="0"/>
-              </a:rPr>
-              <a:t>thernet Protocol - </a:t>
-            </a:r>
-            <a:r>
-              <a:rPr lang="en-US" sz="2800" b="0" dirty="0" smtClean="0">
+              <a:t>Ethernet Protocol - </a:t>
+            </a:r>
+            <a:r>
+              <a:rPr lang="en-US" sz="2800" b="0" dirty="0">
                 <a:latin typeface="Arial" charset="0"/>
               </a:rPr>
               <a:t>LLC and MAC </a:t>
             </a:r>
             <a:r>
-              <a:rPr lang="en-US" sz="2800" b="0" dirty="0" err="1" smtClean="0">
+              <a:rPr lang="en-US" sz="2800" b="0" dirty="0" err="1">
                 <a:latin typeface="Arial" charset="0"/>
               </a:rPr>
               <a:t>Sublayers</a:t>
@@ -24740,16 +23642,9 @@
   <p:clrMapOvr>
     <a:masterClrMapping/>
   </p:clrMapOvr>
-  <p:transition xmlns:p14="http://schemas.microsoft.com/office/powerpoint/2010/main" spd="med">
+  <p:transition spd="med">
     <p:wipe dir="r"/>
   </p:transition>
-  <p:timing>
-    <p:tnLst>
-      <p:par>
-        <p:cTn xmlns:p14="http://schemas.microsoft.com/office/powerpoint/2010/main" id="1" dur="indefinite" restart="never" nodeType="tmRoot"/>
-      </p:par>
-    </p:tnLst>
-  </p:timing>
 </p:sld>
 </file>
 
@@ -24805,14 +23700,14 @@
           </a:ln>
           <a:extLst>
             <a:ext uri="{909E8E84-426E-40dd-AFC4-6F175D3DCCD1}">
-              <a14:hiddenFill xmlns:a14="http://schemas.microsoft.com/office/drawing/2010/main">
+              <a14:hiddenFill xmlns:a14="http://schemas.microsoft.com/office/drawing/2010/main" xmlns="">
                 <a:solidFill>
                   <a:schemeClr val="accent1"/>
                 </a:solidFill>
               </a14:hiddenFill>
             </a:ext>
             <a:ext uri="{91240B29-F687-4f45-9708-019B960494DF}">
-              <a14:hiddenLine xmlns:a14="http://schemas.microsoft.com/office/drawing/2010/main" w="9525">
+              <a14:hiddenLine xmlns:a14="http://schemas.microsoft.com/office/drawing/2010/main" xmlns="" w="9525">
                 <a:solidFill>
                   <a:schemeClr val="tx1"/>
                 </a:solidFill>
@@ -24845,19 +23740,13 @@
           <a:lstStyle/>
           <a:p>
             <a:pPr eaLnBrk="1" hangingPunct="1"/>
-            <a:r>
-              <a:rPr lang="en-US" sz="1800" dirty="0" smtClean="0">
-                <a:latin typeface="Arial" charset="0"/>
-              </a:rPr>
-              <a:t/>
-            </a:r>
             <a:br>
-              <a:rPr lang="en-US" sz="1800" dirty="0" smtClean="0">
+              <a:rPr lang="en-US" sz="1800" dirty="0">
                 <a:latin typeface="Arial" charset="0"/>
               </a:rPr>
             </a:br>
             <a:r>
-              <a:rPr lang="en-US" sz="1800" dirty="0" smtClean="0">
+              <a:rPr lang="en-US" sz="1800" dirty="0">
                 <a:latin typeface="Arial" charset="0"/>
               </a:rPr>
               <a:t> </a:t>
@@ -24866,22 +23755,16 @@
               <a:rPr lang="en-US" dirty="0">
                 <a:latin typeface="Arial" charset="0"/>
               </a:rPr>
-              <a:t>E</a:t>
-            </a:r>
-            <a:r>
-              <a:rPr lang="en-US" dirty="0" smtClean="0">
-                <a:latin typeface="Arial" charset="0"/>
-              </a:rPr>
-              <a:t>thernet Protocol - </a:t>
-            </a:r>
-            <a:r>
-              <a:rPr lang="en-US" sz="2800" b="0" dirty="0" smtClean="0">
+              <a:t>Ethernet Protocol - </a:t>
+            </a:r>
+            <a:r>
+              <a:rPr lang="en-US" sz="2800" b="0" dirty="0">
                 <a:latin typeface="Arial" charset="0"/>
               </a:rPr>
               <a:t>MAC </a:t>
             </a:r>
             <a:r>
-              <a:rPr lang="en-US" sz="2800" b="0" dirty="0" err="1" smtClean="0">
+              <a:rPr lang="en-US" sz="2800" b="0" dirty="0" err="1">
                 <a:latin typeface="Arial" charset="0"/>
               </a:rPr>
               <a:t>Sublayers</a:t>
@@ -24897,16 +23780,9 @@
   <p:clrMapOvr>
     <a:masterClrMapping/>
   </p:clrMapOvr>
-  <p:transition xmlns:p14="http://schemas.microsoft.com/office/powerpoint/2010/main" spd="med">
+  <p:transition spd="med">
     <p:wipe dir="r"/>
   </p:transition>
-  <p:timing>
-    <p:tnLst>
-      <p:par>
-        <p:cTn xmlns:p14="http://schemas.microsoft.com/office/powerpoint/2010/main" id="1" dur="indefinite" restart="never" nodeType="tmRoot"/>
-      </p:par>
-    </p:tnLst>
-  </p:timing>
 </p:sld>
 </file>
 
@@ -24950,16 +23826,10 @@
           <a:p>
             <a:pPr algn="l"/>
             <a:r>
-              <a:rPr lang="en-US" b="1" u="sng" dirty="0" smtClean="0">
-                <a:latin typeface="+mn-lt"/>
-              </a:rPr>
-              <a:t>(A) Data </a:t>
-            </a:r>
-            <a:r>
               <a:rPr lang="en-US" b="1" u="sng" dirty="0">
                 <a:latin typeface="+mn-lt"/>
               </a:rPr>
-              <a:t>encapsulation</a:t>
+              <a:t>(A) Data encapsulation</a:t>
             </a:r>
           </a:p>
           <a:p>
@@ -24999,30 +23869,33 @@
             </a:pPr>
             <a:r>
               <a:rPr lang="en-US" sz="2000" dirty="0">
+                <a:highlight>
+                  <a:srgbClr val="FFFF00"/>
+                </a:highlight>
                 <a:latin typeface="+mn-lt"/>
               </a:rPr>
-              <a:t>MAC layer adds a header and trailer to the network layer PDU</a:t>
+              <a:t>MAC layer adds a header and trailer</a:t>
+            </a:r>
+            <a:r>
+              <a:rPr lang="en-US" sz="2000" dirty="0">
+                <a:latin typeface="+mn-lt"/>
+              </a:rPr>
+              <a:t> to the network layer PDU</a:t>
             </a:r>
           </a:p>
           <a:p>
             <a:pPr algn="l"/>
-            <a:endParaRPr lang="en-US" b="1" dirty="0" smtClean="0">
+            <a:endParaRPr lang="en-US" b="1" dirty="0">
               <a:latin typeface="+mn-lt"/>
             </a:endParaRPr>
           </a:p>
           <a:p>
             <a:pPr algn="l"/>
-            <a:r>
-              <a:rPr lang="en-US" b="1" dirty="0" smtClean="0">
-                <a:latin typeface="+mn-lt"/>
-              </a:rPr>
-              <a:t>Provides </a:t>
-            </a:r>
             <a:r>
               <a:rPr lang="en-US" b="1" dirty="0">
                 <a:latin typeface="+mn-lt"/>
               </a:rPr>
-              <a:t>three primary functions:</a:t>
+              <a:t>Provides three primary functions:</a:t>
             </a:r>
           </a:p>
           <a:p>
@@ -25052,7 +23925,46 @@
               <a:rPr lang="en-US" sz="2000" dirty="0">
                 <a:latin typeface="+mn-lt"/>
               </a:rPr>
-              <a:t>– identifies a group of bits that make up a frame, synchronization between the transmitting and receiving nodes</a:t>
+              <a:t>– </a:t>
+            </a:r>
+            <a:r>
+              <a:rPr lang="en-US" sz="2000" dirty="0">
+                <a:highlight>
+                  <a:srgbClr val="FFFF00"/>
+                </a:highlight>
+                <a:latin typeface="+mn-lt"/>
+              </a:rPr>
+              <a:t>identifies a group of bits </a:t>
+            </a:r>
+            <a:r>
+              <a:rPr lang="en-US" sz="2000" dirty="0">
+                <a:latin typeface="+mn-lt"/>
+              </a:rPr>
+              <a:t>that make up a frame, </a:t>
+            </a:r>
+            <a:r>
+              <a:rPr lang="en-US" sz="2000" dirty="0">
+                <a:highlight>
+                  <a:srgbClr val="FFFF00"/>
+                </a:highlight>
+                <a:latin typeface="+mn-lt"/>
+              </a:rPr>
+              <a:t>synchronization</a:t>
+            </a:r>
+            <a:r>
+              <a:rPr lang="en-US" sz="2000" dirty="0">
+                <a:latin typeface="+mn-lt"/>
+              </a:rPr>
+              <a:t> between the </a:t>
+            </a:r>
+            <a:r>
+              <a:rPr lang="en-US" sz="2000" dirty="0">
+                <a:highlight>
+                  <a:srgbClr val="FFFF00"/>
+                </a:highlight>
+                <a:latin typeface="+mn-lt"/>
+              </a:rPr>
+              <a:t>transmitting and receiving nodes</a:t>
             </a:r>
           </a:p>
           <a:p>
@@ -25082,7 +23994,52 @@
               <a:rPr lang="en-US" sz="2000" dirty="0">
                 <a:latin typeface="+mn-lt"/>
               </a:rPr>
-              <a:t> – each Ethernet header added in the frame contains the physical address (MAC address) that enables a frame to be delivered to a destination node</a:t>
+              <a:t> – each </a:t>
+            </a:r>
+            <a:r>
+              <a:rPr lang="en-US" sz="2000" dirty="0">
+                <a:highlight>
+                  <a:srgbClr val="FFFF00"/>
+                </a:highlight>
+                <a:latin typeface="+mn-lt"/>
+              </a:rPr>
+              <a:t>Ethernet header</a:t>
+            </a:r>
+            <a:r>
+              <a:rPr lang="en-US" sz="2000" dirty="0">
+                <a:latin typeface="+mn-lt"/>
+              </a:rPr>
+              <a:t> added in the frame </a:t>
+            </a:r>
+            <a:r>
+              <a:rPr lang="en-US" sz="2000" dirty="0">
+                <a:highlight>
+                  <a:srgbClr val="FFFF00"/>
+                </a:highlight>
+                <a:latin typeface="+mn-lt"/>
+              </a:rPr>
+              <a:t>contains</a:t>
+            </a:r>
+            <a:r>
+              <a:rPr lang="en-US" sz="2000" dirty="0">
+                <a:latin typeface="+mn-lt"/>
+              </a:rPr>
+              <a:t> the </a:t>
+            </a:r>
+            <a:r>
+              <a:rPr lang="en-US" sz="2000" dirty="0">
+                <a:highlight>
+                  <a:srgbClr val="FFFF00"/>
+                </a:highlight>
+                <a:latin typeface="+mn-lt"/>
+              </a:rPr>
+              <a:t>physical address (MAC address)</a:t>
+            </a:r>
+            <a:r>
+              <a:rPr lang="en-US" sz="2000" dirty="0">
+                <a:latin typeface="+mn-lt"/>
+              </a:rPr>
+              <a:t> that enables a frame to be delivered to a destination node</a:t>
             </a:r>
           </a:p>
           <a:p>
@@ -25112,7 +24069,52 @@
               <a:rPr lang="en-US" sz="2000" dirty="0">
                 <a:latin typeface="+mn-lt"/>
               </a:rPr>
-              <a:t>- each Ethernet frame contains a trailer with a cyclic redundancy check (CRC) of the frame contents</a:t>
+              <a:t>- each </a:t>
+            </a:r>
+            <a:r>
+              <a:rPr lang="en-US" sz="2000" dirty="0">
+                <a:highlight>
+                  <a:srgbClr val="FFFF00"/>
+                </a:highlight>
+                <a:latin typeface="+mn-lt"/>
+              </a:rPr>
+              <a:t>Ethernet frame</a:t>
+            </a:r>
+            <a:r>
+              <a:rPr lang="en-US" sz="2000" dirty="0">
+                <a:latin typeface="+mn-lt"/>
+              </a:rPr>
+              <a:t> </a:t>
+            </a:r>
+            <a:r>
+              <a:rPr lang="en-US" sz="2000" dirty="0">
+                <a:highlight>
+                  <a:srgbClr val="FFFF00"/>
+                </a:highlight>
+                <a:latin typeface="+mn-lt"/>
+              </a:rPr>
+              <a:t>contains a trailer</a:t>
+            </a:r>
+            <a:r>
+              <a:rPr lang="en-US" sz="2000" dirty="0">
+                <a:latin typeface="+mn-lt"/>
+              </a:rPr>
+              <a:t> with a </a:t>
+            </a:r>
+            <a:r>
+              <a:rPr lang="en-US" sz="2000" dirty="0">
+                <a:highlight>
+                  <a:srgbClr val="FFFF00"/>
+                </a:highlight>
+                <a:latin typeface="+mn-lt"/>
+              </a:rPr>
+              <a:t>cyclic redundancy check (CRC)</a:t>
+            </a:r>
+            <a:r>
+              <a:rPr lang="en-US" sz="2000" dirty="0">
+                <a:latin typeface="+mn-lt"/>
+              </a:rPr>
+              <a:t> of the frame contents</a:t>
             </a:r>
           </a:p>
         </p:txBody>
@@ -25138,19 +24140,13 @@
           <a:lstStyle/>
           <a:p>
             <a:pPr eaLnBrk="1" hangingPunct="1"/>
-            <a:r>
-              <a:rPr lang="en-US" sz="1800" dirty="0" smtClean="0">
-                <a:latin typeface="Arial" charset="0"/>
-              </a:rPr>
-              <a:t/>
-            </a:r>
             <a:br>
-              <a:rPr lang="en-US" sz="1800" dirty="0" smtClean="0">
+              <a:rPr lang="en-US" sz="1800" dirty="0">
                 <a:latin typeface="Arial" charset="0"/>
               </a:rPr>
             </a:br>
             <a:r>
-              <a:rPr lang="en-US" sz="1800" dirty="0" smtClean="0">
+              <a:rPr lang="en-US" sz="1800" dirty="0">
                 <a:latin typeface="Arial" charset="0"/>
               </a:rPr>
               <a:t> </a:t>
@@ -25159,22 +24155,16 @@
               <a:rPr lang="en-US" dirty="0">
                 <a:latin typeface="Arial" charset="0"/>
               </a:rPr>
-              <a:t>E</a:t>
-            </a:r>
-            <a:r>
-              <a:rPr lang="en-US" dirty="0" smtClean="0">
-                <a:latin typeface="Arial" charset="0"/>
-              </a:rPr>
-              <a:t>thernet Protocol - </a:t>
-            </a:r>
-            <a:r>
-              <a:rPr lang="en-US" sz="2800" b="0" dirty="0" smtClean="0">
+              <a:t>Ethernet Protocol - </a:t>
+            </a:r>
+            <a:r>
+              <a:rPr lang="en-US" sz="2800" b="0" dirty="0">
                 <a:latin typeface="Arial" charset="0"/>
               </a:rPr>
               <a:t>MAC </a:t>
             </a:r>
             <a:r>
-              <a:rPr lang="en-US" sz="2800" b="0" dirty="0" err="1" smtClean="0">
+              <a:rPr lang="en-US" sz="2800" b="0" dirty="0" err="1">
                 <a:latin typeface="Arial" charset="0"/>
               </a:rPr>
               <a:t>Sublayers</a:t>
@@ -25195,16 +24185,9 @@
   <p:clrMapOvr>
     <a:masterClrMapping/>
   </p:clrMapOvr>
-  <p:transition xmlns:p14="http://schemas.microsoft.com/office/powerpoint/2010/main" spd="med">
+  <p:transition spd="med">
     <p:wipe dir="r"/>
   </p:transition>
-  <p:timing>
-    <p:tnLst>
-      <p:par>
-        <p:cTn xmlns:p14="http://schemas.microsoft.com/office/powerpoint/2010/main" id="1" dur="indefinite" restart="never" nodeType="tmRoot"/>
-      </p:par>
-    </p:tnLst>
-  </p:timing>
 </p:sld>
 </file>
 
@@ -25247,26 +24230,17 @@
               </a:rPr>
               <a:t>Ethernet Operation</a:t>
             </a:r>
-            <a:r>
-              <a:rPr lang="en-US" dirty="0">
-                <a:latin typeface="Arial" charset="0"/>
-              </a:rPr>
-              <a:t/>
-            </a:r>
             <a:br>
               <a:rPr lang="en-US" dirty="0">
                 <a:latin typeface="Arial" charset="0"/>
               </a:rPr>
             </a:br>
             <a:r>
-              <a:rPr lang="en-US" dirty="0" smtClean="0">
+              <a:rPr lang="en-US" dirty="0">
                 <a:latin typeface="Arial" charset="0"/>
               </a:rPr>
               <a:t>Media Access Control</a:t>
             </a:r>
-            <a:endParaRPr lang="en-US" dirty="0">
-              <a:latin typeface="Arial" charset="0"/>
-            </a:endParaRPr>
           </a:p>
         </p:txBody>
       </p:sp>
@@ -25294,16 +24268,8 @@
               <a:buNone/>
             </a:pPr>
             <a:r>
-              <a:rPr lang="en-US" b="1" u="sng" dirty="0" smtClean="0"/>
-              <a:t>(B) Carrier </a:t>
-            </a:r>
-            <a:r>
               <a:rPr lang="en-US" b="1" u="sng" dirty="0"/>
-              <a:t>Sense Multiple Access (CSMA) </a:t>
-            </a:r>
-            <a:r>
-              <a:rPr lang="en-US" b="1" u="sng" dirty="0" smtClean="0"/>
-              <a:t>process  </a:t>
+              <a:t>(B) Carrier Sense Multiple Access (CSMA) process  </a:t>
             </a:r>
           </a:p>
           <a:p>
@@ -25313,19 +24279,7 @@
             </a:pPr>
             <a:r>
               <a:rPr lang="en-US" sz="2000" dirty="0"/>
-              <a:t>U</a:t>
-            </a:r>
-            <a:r>
-              <a:rPr lang="en-US" sz="2000" dirty="0" smtClean="0"/>
-              <a:t>sed </a:t>
-            </a:r>
-            <a:r>
-              <a:rPr lang="en-US" sz="2000" dirty="0"/>
-              <a:t>to first detect if the media is carrying a </a:t>
-            </a:r>
-            <a:r>
-              <a:rPr lang="en-US" sz="2000" dirty="0" smtClean="0"/>
-              <a:t>signal </a:t>
+              <a:t>Used to first detect if the media is carrying a signal </a:t>
             </a:r>
           </a:p>
           <a:p>
@@ -25334,16 +24288,8 @@
               <a:buChar char="•"/>
             </a:pPr>
             <a:r>
-              <a:rPr lang="en-US" sz="2000" dirty="0" smtClean="0"/>
-              <a:t>If no </a:t>
-            </a:r>
-            <a:r>
               <a:rPr lang="en-US" sz="2000" dirty="0"/>
-              <a:t>carrier signal is detected, the device transmits its </a:t>
-            </a:r>
-            <a:r>
-              <a:rPr lang="en-US" sz="2000" dirty="0" smtClean="0"/>
-              <a:t>data</a:t>
+              <a:t>If no carrier signal is detected, the device transmits its data</a:t>
             </a:r>
           </a:p>
           <a:p>
@@ -25352,18 +24298,34 @@
               <a:buChar char="•"/>
             </a:pPr>
             <a:r>
-              <a:rPr lang="en-US" sz="2000" dirty="0" smtClean="0"/>
-              <a:t>If two devices </a:t>
-            </a:r>
-            <a:r>
               <a:rPr lang="en-US" sz="2000" dirty="0"/>
-              <a:t>transmit at the same </a:t>
-            </a:r>
-            <a:r>
-              <a:rPr lang="en-US" sz="2000" dirty="0" smtClean="0"/>
-              <a:t>time - data collision</a:t>
-            </a:r>
-            <a:endParaRPr lang="en-US" dirty="0" smtClean="0"/>
+              <a:t>If </a:t>
+            </a:r>
+            <a:r>
+              <a:rPr lang="en-US" sz="2000" dirty="0">
+                <a:highlight>
+                  <a:srgbClr val="FFFF00"/>
+                </a:highlight>
+              </a:rPr>
+              <a:t>two devices transmit at the same time</a:t>
+            </a:r>
+            <a:r>
+              <a:rPr lang="en-US" sz="2000" dirty="0"/>
+              <a:t> - </a:t>
+            </a:r>
+            <a:r>
+              <a:rPr lang="en-US" sz="2000" dirty="0">
+                <a:highlight>
+                  <a:srgbClr val="FFFF00"/>
+                </a:highlight>
+              </a:rPr>
+              <a:t>data collision</a:t>
+            </a:r>
+            <a:endParaRPr lang="en-US" dirty="0">
+              <a:highlight>
+                <a:srgbClr val="FFFF00"/>
+              </a:highlight>
+            </a:endParaRPr>
           </a:p>
           <a:p>
             <a:pPr marL="457200" lvl="1" indent="0"/>
@@ -25376,16 +24338,9 @@
   <p:clrMapOvr>
     <a:masterClrMapping/>
   </p:clrMapOvr>
-  <p:transition xmlns:p14="http://schemas.microsoft.com/office/powerpoint/2010/main" spd="med">
+  <p:transition spd="med">
     <p:wipe dir="r"/>
   </p:transition>
-  <p:timing>
-    <p:tnLst>
-      <p:par>
-        <p:cTn xmlns:p14="http://schemas.microsoft.com/office/powerpoint/2010/main" id="1" dur="indefinite" restart="never" nodeType="tmRoot"/>
-      </p:par>
-    </p:tnLst>
-  </p:timing>
 </p:sld>
 </file>
 
@@ -25428,49 +24383,40 @@
               </a:rPr>
               <a:t>Ethernet Operation</a:t>
             </a:r>
-            <a:r>
-              <a:rPr lang="en-US" dirty="0">
-                <a:latin typeface="Arial" charset="0"/>
-              </a:rPr>
-              <a:t/>
-            </a:r>
             <a:br>
               <a:rPr lang="en-US" dirty="0">
                 <a:latin typeface="Arial" charset="0"/>
               </a:rPr>
             </a:br>
             <a:r>
-              <a:rPr lang="en-US" dirty="0" smtClean="0">
+              <a:rPr lang="en-US" dirty="0">
                 <a:latin typeface="Arial" charset="0"/>
               </a:rPr>
               <a:t>Media Access Control </a:t>
             </a:r>
             <a:br>
-              <a:rPr lang="en-US" dirty="0" smtClean="0">
+              <a:rPr lang="en-US" dirty="0">
                 <a:latin typeface="Arial" charset="0"/>
               </a:rPr>
             </a:br>
             <a:r>
-              <a:rPr lang="en-US" dirty="0" smtClean="0">
+              <a:rPr lang="en-US" dirty="0">
                 <a:latin typeface="Arial" charset="0"/>
               </a:rPr>
               <a:t>(CSMA/CD </a:t>
             </a:r>
             <a:r>
-              <a:rPr lang="en-US" dirty="0" err="1" smtClean="0">
+              <a:rPr lang="en-US" dirty="0" err="1">
                 <a:latin typeface="Arial" charset="0"/>
               </a:rPr>
               <a:t>vs</a:t>
             </a:r>
             <a:r>
-              <a:rPr lang="en-US" dirty="0" smtClean="0">
+              <a:rPr lang="en-US" dirty="0">
                 <a:latin typeface="Arial" charset="0"/>
               </a:rPr>
               <a:t> CSMA/CA)</a:t>
             </a:r>
-            <a:endParaRPr lang="en-US" dirty="0">
-              <a:latin typeface="Arial" charset="0"/>
-            </a:endParaRPr>
           </a:p>
         </p:txBody>
       </p:sp>
@@ -25509,14 +24455,14 @@
           </a:ln>
           <a:extLst>
             <a:ext uri="{909E8E84-426E-40dd-AFC4-6F175D3DCCD1}">
-              <a14:hiddenFill xmlns:a14="http://schemas.microsoft.com/office/drawing/2010/main">
+              <a14:hiddenFill xmlns:a14="http://schemas.microsoft.com/office/drawing/2010/main" xmlns="">
                 <a:solidFill>
                   <a:schemeClr val="accent1"/>
                 </a:solidFill>
               </a14:hiddenFill>
             </a:ext>
             <a:ext uri="{91240B29-F687-4f45-9708-019B960494DF}">
-              <a14:hiddenLine xmlns:a14="http://schemas.microsoft.com/office/drawing/2010/main" w="9525">
+              <a14:hiddenLine xmlns:a14="http://schemas.microsoft.com/office/drawing/2010/main" xmlns="" w="9525">
                 <a:solidFill>
                   <a:schemeClr val="tx1"/>
                 </a:solidFill>
@@ -25538,16 +24484,9 @@
   <p:clrMapOvr>
     <a:masterClrMapping/>
   </p:clrMapOvr>
-  <p:transition xmlns:p14="http://schemas.microsoft.com/office/powerpoint/2010/main" spd="med">
+  <p:transition spd="med">
     <p:wipe dir="r"/>
   </p:transition>
-  <p:timing>
-    <p:tnLst>
-      <p:par>
-        <p:cTn xmlns:p14="http://schemas.microsoft.com/office/powerpoint/2010/main" id="1" dur="indefinite" restart="never" nodeType="tmRoot"/>
-      </p:par>
-    </p:tnLst>
-  </p:timing>
 </p:sld>
 </file>
 
